--- a/en/ProgrammingLessons/intermediate/Reliability.pptx
+++ b/en/ProgrammingLessons/intermediate/Reliability.pptx
@@ -6,10 +6,10 @@
     <p:sldMasterId id="2147483689" r:id="rId2"/>
   </p:sldMasterIdLst>
   <p:notesMasterIdLst>
-    <p:notesMasterId r:id="rId15"/>
+    <p:notesMasterId r:id="rId11"/>
   </p:notesMasterIdLst>
   <p:handoutMasterIdLst>
-    <p:handoutMasterId r:id="rId16"/>
+    <p:handoutMasterId r:id="rId12"/>
   </p:handoutMasterIdLst>
   <p:sldIdLst>
     <p:sldId id="274" r:id="rId3"/>
@@ -18,12 +18,8 @@
     <p:sldId id="263" r:id="rId6"/>
     <p:sldId id="264" r:id="rId7"/>
     <p:sldId id="265" r:id="rId8"/>
-    <p:sldId id="266" r:id="rId9"/>
-    <p:sldId id="267" r:id="rId10"/>
-    <p:sldId id="268" r:id="rId11"/>
-    <p:sldId id="269" r:id="rId12"/>
-    <p:sldId id="270" r:id="rId13"/>
-    <p:sldId id="272" r:id="rId14"/>
+    <p:sldId id="270" r:id="rId9"/>
+    <p:sldId id="272" r:id="rId10"/>
   </p:sldIdLst>
   <p:sldSz cx="9144000" cy="6858000" type="screen4x3"/>
   <p:notesSz cx="6858000" cy="9144000"/>
@@ -223,7 +219,7 @@
           <a:p>
             <a:fld id="{E51D27F7-9EF7-0C4F-894E-C435E4AB2EBC}" type="datetimeFigureOut">
               <a:rPr lang="en-US" smtClean="0"/>
-              <a:t>7/19/16</a:t>
+              <a:t>12/25/19</a:t>
             </a:fld>
             <a:endParaRPr lang="en-US"/>
           </a:p>
@@ -389,7 +385,7 @@
           <a:p>
             <a:fld id="{28FF3520-AFFD-1446-A579-6C83B4D7BADC}" type="datetimeFigureOut">
               <a:rPr lang="en-US" smtClean="0"/>
-              <a:t>7/19/16</a:t>
+              <a:t>12/25/19</a:t>
             </a:fld>
             <a:endParaRPr lang="en-US"/>
           </a:p>
@@ -722,7 +718,7 @@
           <a:p>
             <a:fld id="{5BDCE7C3-15EF-3D4E-BBD6-8B736995B7E4}" type="slidenum">
               <a:rPr lang="en-US" smtClean="0"/>
-              <a:t>11</a:t>
+              <a:t>7</a:t>
             </a:fld>
             <a:endParaRPr lang="en-US"/>
           </a:p>
@@ -928,9 +924,9 @@
           <a:bodyPr/>
           <a:lstStyle/>
           <a:p>
-            <a:fld id="{D2FF36FD-2B6F-441C-A1CE-0902E0C59CBD}" type="datetime1">
+            <a:fld id="{2B7C3FAB-CBE2-F649-A1FF-B4288C11D42A}" type="datetime1">
               <a:rPr lang="en-US" smtClean="0"/>
-              <a:t>7/19/16</a:t>
+              <a:t>12/25/19</a:t>
             </a:fld>
             <a:endParaRPr lang="en-US"/>
           </a:p>
@@ -953,7 +949,7 @@
           <a:p>
             <a:r>
               <a:rPr lang="en-US"/>
-              <a:t>© 2016 EV3Lessons.com, Last edit 7/06/2016</a:t>
+              <a:t>© 2016 EV3Lessons.com, Last edit 12/25/2019</a:t>
             </a:r>
           </a:p>
         </p:txBody>
@@ -1190,7 +1186,7 @@
           <a:noFill/>
           <a:extLst>
             <a:ext uri="{909E8E84-426E-40dd-AFC4-6F175D3DCCD1}">
-              <a14:hiddenFill xmlns="" xmlns:a14="http://schemas.microsoft.com/office/drawing/2010/main">
+              <a14:hiddenFill xmlns:a14="http://schemas.microsoft.com/office/drawing/2010/main" xmlns="">
                 <a:solidFill>
                   <a:srgbClr val="FFFFFF"/>
                 </a:solidFill>
@@ -1319,9 +1315,9 @@
           <a:bodyPr/>
           <a:lstStyle/>
           <a:p>
-            <a:fld id="{EAE20AF0-8636-47DE-AAD4-68AE79A4660D}" type="datetime1">
+            <a:fld id="{2B97A287-B223-624A-98EA-72F76A4DB00D}" type="datetime1">
               <a:rPr lang="en-US" smtClean="0"/>
-              <a:t>7/19/16</a:t>
+              <a:t>12/25/19</a:t>
             </a:fld>
             <a:endParaRPr lang="en-US"/>
           </a:p>
@@ -1344,7 +1340,7 @@
           <a:p>
             <a:r>
               <a:rPr lang="en-US"/>
-              <a:t>© 2016 EV3Lessons.com, Last edit 7/06/2016</a:t>
+              <a:t>© 2016 EV3Lessons.com, Last edit 12/25/2019</a:t>
             </a:r>
           </a:p>
         </p:txBody>
@@ -1578,9 +1574,9 @@
           <a:bodyPr/>
           <a:lstStyle/>
           <a:p>
-            <a:fld id="{49477A04-3904-4CF9-A230-09C8F967D662}" type="datetime1">
+            <a:fld id="{4D574E4E-CAF2-AE4D-AD2C-E6094E5F1082}" type="datetime1">
               <a:rPr lang="en-US" smtClean="0"/>
-              <a:t>7/19/16</a:t>
+              <a:t>12/25/19</a:t>
             </a:fld>
             <a:endParaRPr lang="en-US"/>
           </a:p>
@@ -1603,7 +1599,7 @@
           <a:p>
             <a:r>
               <a:rPr lang="en-US"/>
-              <a:t>© 2016 EV3Lessons.com, Last edit 7/06/2016</a:t>
+              <a:t>© 2016 EV3Lessons.com, Last edit 12/25/2019</a:t>
             </a:r>
           </a:p>
         </p:txBody>
@@ -1832,9 +1828,9 @@
           <a:bodyPr/>
           <a:lstStyle/>
           <a:p>
-            <a:fld id="{B23410ED-5F0C-4D4E-9795-9CC6048A2E17}" type="datetime1">
+            <a:fld id="{A53E6453-837F-184E-8005-1BB5D6479A3B}" type="datetime1">
               <a:rPr lang="en-US" smtClean="0"/>
-              <a:t>7/19/16</a:t>
+              <a:t>12/25/19</a:t>
             </a:fld>
             <a:endParaRPr lang="en-US"/>
           </a:p>
@@ -1857,7 +1853,7 @@
           <a:p>
             <a:r>
               <a:rPr lang="en-US"/>
-              <a:t>© 2016 EV3Lessons.com, Last edit 7/06/2016</a:t>
+              <a:t>© 2016 EV3Lessons.com, Last edit 12/25/2019</a:t>
             </a:r>
           </a:p>
         </p:txBody>
@@ -2277,9 +2273,9 @@
           <a:bodyPr/>
           <a:lstStyle/>
           <a:p>
-            <a:fld id="{B20EDCE6-ACD5-4AC1-AE6D-06E9F2CA9FD8}" type="datetime1">
+            <a:fld id="{770287C0-26F6-EE48-8FE7-D5209CF3617C}" type="datetime1">
               <a:rPr lang="en-US" smtClean="0"/>
-              <a:t>7/19/16</a:t>
+              <a:t>12/25/19</a:t>
             </a:fld>
             <a:endParaRPr lang="en-US"/>
           </a:p>
@@ -2302,7 +2298,7 @@
           <a:p>
             <a:r>
               <a:rPr lang="en-US"/>
-              <a:t>© 2016 EV3Lessons.com, Last edit 7/06/2016</a:t>
+              <a:t>© 2016 EV3Lessons.com, Last edit 12/25/2019</a:t>
             </a:r>
           </a:p>
         </p:txBody>
@@ -2623,9 +2619,9 @@
           <a:bodyPr/>
           <a:lstStyle/>
           <a:p>
-            <a:fld id="{B7101DEE-63A6-49BE-AA82-875208695C43}" type="datetime1">
+            <a:fld id="{0C884B22-59C3-C94C-90B2-B8F992309BB8}" type="datetime1">
               <a:rPr lang="en-US" smtClean="0"/>
-              <a:t>7/19/16</a:t>
+              <a:t>12/25/19</a:t>
             </a:fld>
             <a:endParaRPr lang="en-US"/>
           </a:p>
@@ -2648,7 +2644,7 @@
           <a:p>
             <a:r>
               <a:rPr lang="en-US"/>
-              <a:t>© 2016 EV3Lessons.com, Last edit 7/06/2016</a:t>
+              <a:t>© 2016 EV3Lessons.com, Last edit 12/25/2019</a:t>
             </a:r>
           </a:p>
         </p:txBody>
@@ -2901,9 +2897,9 @@
           <a:bodyPr/>
           <a:lstStyle/>
           <a:p>
-            <a:fld id="{32E2F1A3-AFC7-4856-A176-88B8FCB0D669}" type="datetime1">
+            <a:fld id="{D184CBED-313C-6643-97DA-CB2A460A0CC3}" type="datetime1">
               <a:rPr lang="en-US" smtClean="0"/>
-              <a:t>7/19/16</a:t>
+              <a:t>12/25/19</a:t>
             </a:fld>
             <a:endParaRPr lang="en-US"/>
           </a:p>
@@ -2926,7 +2922,7 @@
           <a:p>
             <a:r>
               <a:rPr lang="en-US"/>
-              <a:t>© 2016 EV3Lessons.com, Last edit 7/06/2016</a:t>
+              <a:t>© 2016 EV3Lessons.com, Last edit 12/25/2019</a:t>
             </a:r>
             <a:endParaRPr lang="en-US" dirty="0"/>
           </a:p>
@@ -3284,9 +3280,9 @@
           <a:bodyPr/>
           <a:lstStyle/>
           <a:p>
-            <a:fld id="{773DBFA2-D6E5-460B-B914-86E60680B45C}" type="datetime1">
+            <a:fld id="{B712F6E4-350F-5C4C-9C3C-44A4FF0403F0}" type="datetime1">
               <a:rPr lang="en-US" smtClean="0"/>
-              <a:t>7/19/16</a:t>
+              <a:t>12/25/19</a:t>
             </a:fld>
             <a:endParaRPr lang="en-US"/>
           </a:p>
@@ -3309,7 +3305,7 @@
           <a:p>
             <a:r>
               <a:rPr lang="en-US"/>
-              <a:t>© 2016 EV3Lessons.com, Last edit 7/06/2016</a:t>
+              <a:t>© 2016 EV3Lessons.com, Last edit 12/25/2019</a:t>
             </a:r>
           </a:p>
         </p:txBody>
@@ -3405,9 +3401,9 @@
           <a:bodyPr/>
           <a:lstStyle/>
           <a:p>
-            <a:fld id="{B4E52E1B-D789-4BCF-B3A6-D685A2853325}" type="datetime1">
+            <a:fld id="{1DAE6335-59F2-C146-BF92-FA5BDD78BF76}" type="datetime1">
               <a:rPr lang="en-US" smtClean="0"/>
-              <a:t>7/19/16</a:t>
+              <a:t>12/25/19</a:t>
             </a:fld>
             <a:endParaRPr lang="en-US"/>
           </a:p>
@@ -3430,7 +3426,7 @@
           <a:p>
             <a:r>
               <a:rPr lang="en-US"/>
-              <a:t>© 2016 EV3Lessons.com, Last edit 7/06/2016</a:t>
+              <a:t>© 2016 EV3Lessons.com, Last edit 12/25/2019</a:t>
             </a:r>
           </a:p>
         </p:txBody>
@@ -3579,9 +3575,9 @@
           <a:bodyPr/>
           <a:lstStyle/>
           <a:p>
-            <a:fld id="{07B07086-B293-41EC-9D5B-C06D2682C97D}" type="datetime1">
+            <a:fld id="{6C7A34BF-E655-9340-BC3E-513DCDD2FC1B}" type="datetime1">
               <a:rPr lang="en-US" smtClean="0"/>
-              <a:t>7/19/16</a:t>
+              <a:t>12/25/19</a:t>
             </a:fld>
             <a:endParaRPr lang="en-US"/>
           </a:p>
@@ -3612,7 +3608,7 @@
           <a:p>
             <a:r>
               <a:rPr lang="en-US"/>
-              <a:t>© 2016 EV3Lessons.com, Last edit 7/06/2016</a:t>
+              <a:t>© 2016 EV3Lessons.com, Last edit 12/25/2019</a:t>
             </a:r>
           </a:p>
         </p:txBody>
@@ -3936,9 +3932,9 @@
             </a:lvl1pPr>
           </a:lstStyle>
           <a:p>
-            <a:fld id="{7EB758F7-42FF-4524-920E-EE5B409A5247}" type="datetime1">
+            <a:fld id="{6653CFA4-AB57-D843-A781-DEBE9CC48610}" type="datetime1">
               <a:rPr lang="en-US" smtClean="0"/>
-              <a:t>7/19/16</a:t>
+              <a:t>12/25/19</a:t>
             </a:fld>
             <a:endParaRPr lang="en-US"/>
           </a:p>
@@ -3974,7 +3970,7 @@
           <a:p>
             <a:r>
               <a:rPr lang="en-US"/>
-              <a:t>© 2016 EV3Lessons.com, Last edit 7/06/2016</a:t>
+              <a:t>© 2016 EV3Lessons.com, Last edit 12/25/2019</a:t>
             </a:r>
           </a:p>
         </p:txBody>
@@ -4130,9 +4126,9 @@
           <a:bodyPr/>
           <a:lstStyle/>
           <a:p>
-            <a:fld id="{B8A9D527-3693-43A6-89CE-8B3346814790}" type="datetime1">
+            <a:fld id="{D4879C2D-8374-6C4F-8D22-62EDF7020F72}" type="datetime1">
               <a:rPr lang="en-US" smtClean="0"/>
-              <a:t>7/19/16</a:t>
+              <a:t>12/25/19</a:t>
             </a:fld>
             <a:endParaRPr lang="en-US"/>
           </a:p>
@@ -4155,7 +4151,7 @@
           <a:p>
             <a:r>
               <a:rPr lang="en-US"/>
-              <a:t>© 2016 EV3Lessons.com, Last edit 7/06/2016</a:t>
+              <a:t>© 2016 EV3Lessons.com, Last edit 12/25/2019</a:t>
             </a:r>
           </a:p>
         </p:txBody>
@@ -4494,9 +4490,9 @@
           <a:bodyPr/>
           <a:lstStyle/>
           <a:p>
-            <a:fld id="{21E6F0C5-0551-4848-9C32-CD7EBCAF02D0}" type="datetime1">
+            <a:fld id="{5F740363-EA4A-F64B-9241-E9F62DAC0D33}" type="datetime1">
               <a:rPr lang="en-US" smtClean="0"/>
-              <a:t>7/19/16</a:t>
+              <a:t>12/25/19</a:t>
             </a:fld>
             <a:endParaRPr lang="en-US"/>
           </a:p>
@@ -4519,7 +4515,7 @@
           <a:p>
             <a:r>
               <a:rPr lang="en-US"/>
-              <a:t>© 2016 EV3Lessons.com, Last edit 7/06/2016</a:t>
+              <a:t>© 2016 EV3Lessons.com, Last edit 12/25/2019</a:t>
             </a:r>
           </a:p>
         </p:txBody>
@@ -4667,9 +4663,9 @@
           <a:bodyPr/>
           <a:lstStyle/>
           <a:p>
-            <a:fld id="{31989537-D455-45F9-A669-1E3B9704FFA5}" type="datetime1">
+            <a:fld id="{A89AF3E8-E249-CC4F-8978-15C0E8E2CDD4}" type="datetime1">
               <a:rPr lang="en-US" smtClean="0"/>
-              <a:t>7/19/16</a:t>
+              <a:t>12/25/19</a:t>
             </a:fld>
             <a:endParaRPr lang="en-US"/>
           </a:p>
@@ -4692,7 +4688,7 @@
           <a:p>
             <a:r>
               <a:rPr lang="en-US"/>
-              <a:t>© 2016 EV3Lessons.com, Last edit 7/06/2016</a:t>
+              <a:t>© 2016 EV3Lessons.com, Last edit 12/25/2019</a:t>
             </a:r>
           </a:p>
         </p:txBody>
@@ -4926,9 +4922,9 @@
           <a:bodyPr/>
           <a:lstStyle/>
           <a:p>
-            <a:fld id="{98332522-D15E-4B44-96D6-FC6A8E2C891A}" type="datetime1">
+            <a:fld id="{C5CEABD6-6AA0-0241-8C78-9640767C1308}" type="datetime1">
               <a:rPr lang="en-US" smtClean="0"/>
-              <a:t>7/19/16</a:t>
+              <a:t>12/25/19</a:t>
             </a:fld>
             <a:endParaRPr lang="en-US"/>
           </a:p>
@@ -4951,7 +4947,7 @@
           <a:p>
             <a:r>
               <a:rPr lang="en-US"/>
-              <a:t>© 2016 EV3Lessons.com, Last edit 7/06/2016</a:t>
+              <a:t>© 2016 EV3Lessons.com, Last edit 12/25/2019</a:t>
             </a:r>
           </a:p>
         </p:txBody>
@@ -5272,9 +5268,9 @@
           <a:bodyPr/>
           <a:lstStyle/>
           <a:p>
-            <a:fld id="{BFA6EECA-E316-4651-8813-CEE6BF3D77BC}" type="datetime1">
+            <a:fld id="{DDE6866B-1778-2E4E-BFB2-FC5E9D1D058E}" type="datetime1">
               <a:rPr lang="en-US" smtClean="0"/>
-              <a:t>7/19/16</a:t>
+              <a:t>12/25/19</a:t>
             </a:fld>
             <a:endParaRPr lang="en-US"/>
           </a:p>
@@ -5297,7 +5293,7 @@
           <a:p>
             <a:r>
               <a:rPr lang="en-US"/>
-              <a:t>© 2016 EV3Lessons.com, Last edit 7/06/2016</a:t>
+              <a:t>© 2016 EV3Lessons.com, Last edit 12/25/2019</a:t>
             </a:r>
           </a:p>
         </p:txBody>
@@ -5550,9 +5546,9 @@
           <a:bodyPr/>
           <a:lstStyle/>
           <a:p>
-            <a:fld id="{D20DE9D4-21C8-4B41-86E7-8DD839FA824C}" type="datetime1">
+            <a:fld id="{7031B813-92FD-5A42-B42D-EFD0B2361076}" type="datetime1">
               <a:rPr lang="en-US" smtClean="0"/>
-              <a:t>7/19/16</a:t>
+              <a:t>12/25/19</a:t>
             </a:fld>
             <a:endParaRPr lang="en-US"/>
           </a:p>
@@ -5575,7 +5571,7 @@
           <a:p>
             <a:r>
               <a:rPr lang="en-US"/>
-              <a:t>© 2016 EV3Lessons.com, Last edit 7/06/2016</a:t>
+              <a:t>© 2016 EV3Lessons.com, Last edit 12/25/2019</a:t>
             </a:r>
             <a:endParaRPr lang="en-US" dirty="0"/>
           </a:p>
@@ -5933,9 +5929,9 @@
           <a:bodyPr/>
           <a:lstStyle/>
           <a:p>
-            <a:fld id="{AEAB7FC9-AAA5-4077-BACC-A494F6817E3A}" type="datetime1">
+            <a:fld id="{37798EE9-754F-EA47-994B-0D7F72D4EB88}" type="datetime1">
               <a:rPr lang="en-US" smtClean="0"/>
-              <a:t>7/19/16</a:t>
+              <a:t>12/25/19</a:t>
             </a:fld>
             <a:endParaRPr lang="en-US"/>
           </a:p>
@@ -5958,7 +5954,7 @@
           <a:p>
             <a:r>
               <a:rPr lang="en-US"/>
-              <a:t>© 2016 EV3Lessons.com, Last edit 7/06/2016</a:t>
+              <a:t>© 2016 EV3Lessons.com, Last edit 12/25/2019</a:t>
             </a:r>
           </a:p>
         </p:txBody>
@@ -6054,9 +6050,9 @@
           <a:bodyPr/>
           <a:lstStyle/>
           <a:p>
-            <a:fld id="{B2611E26-9CB3-4135-A8CC-BF69ACF672AB}" type="datetime1">
+            <a:fld id="{BE2EF42B-37EE-AF4B-84EA-1EBAC8D9E832}" type="datetime1">
               <a:rPr lang="en-US" smtClean="0"/>
-              <a:t>7/19/16</a:t>
+              <a:t>12/25/19</a:t>
             </a:fld>
             <a:endParaRPr lang="en-US"/>
           </a:p>
@@ -6079,7 +6075,7 @@
           <a:p>
             <a:r>
               <a:rPr lang="en-US"/>
-              <a:t>© 2016 EV3Lessons.com, Last edit 7/06/2016</a:t>
+              <a:t>© 2016 EV3Lessons.com, Last edit 12/25/2019</a:t>
             </a:r>
           </a:p>
         </p:txBody>
@@ -6228,9 +6224,9 @@
           <a:bodyPr/>
           <a:lstStyle/>
           <a:p>
-            <a:fld id="{F89894B6-210A-4C2D-9C16-6F4C5BA42767}" type="datetime1">
+            <a:fld id="{514F8ED1-91A6-5845-8101-605F7AEB258E}" type="datetime1">
               <a:rPr lang="en-US" smtClean="0"/>
-              <a:t>7/19/16</a:t>
+              <a:t>12/25/19</a:t>
             </a:fld>
             <a:endParaRPr lang="en-US"/>
           </a:p>
@@ -6261,7 +6257,7 @@
           <a:p>
             <a:r>
               <a:rPr lang="en-US"/>
-              <a:t>© 2016 EV3Lessons.com, Last edit 7/06/2016</a:t>
+              <a:t>© 2016 EV3Lessons.com, Last edit 12/25/2019</a:t>
             </a:r>
           </a:p>
         </p:txBody>
@@ -6585,9 +6581,9 @@
             </a:lvl1pPr>
           </a:lstStyle>
           <a:p>
-            <a:fld id="{4D3AEFA5-86F3-476C-91DB-8756EE843861}" type="datetime1">
+            <a:fld id="{8F224F24-99C4-4A42-A9E5-00274E9B61F2}" type="datetime1">
               <a:rPr lang="en-US" smtClean="0"/>
-              <a:t>7/19/16</a:t>
+              <a:t>12/25/19</a:t>
             </a:fld>
             <a:endParaRPr lang="en-US"/>
           </a:p>
@@ -6623,7 +6619,7 @@
           <a:p>
             <a:r>
               <a:rPr lang="en-US"/>
-              <a:t>© 2016 EV3Lessons.com, Last edit 7/06/2016</a:t>
+              <a:t>© 2016 EV3Lessons.com, Last edit 12/25/2019</a:t>
             </a:r>
           </a:p>
         </p:txBody>
@@ -6970,9 +6966,9 @@
           <a:bodyPr/>
           <a:lstStyle/>
           <a:p>
-            <a:fld id="{7547BE66-6396-4BC8-A4E9-AD761FF4D0B0}" type="datetime1">
+            <a:fld id="{5CBAE1E8-E8A2-504D-922F-EE47571A7573}" type="datetime1">
               <a:rPr lang="en-US" smtClean="0"/>
-              <a:t>7/19/16</a:t>
+              <a:t>12/25/19</a:t>
             </a:fld>
             <a:endParaRPr lang="en-US"/>
           </a:p>
@@ -6995,7 +6991,7 @@
           <a:p>
             <a:r>
               <a:rPr lang="en-US"/>
-              <a:t>© 2016 EV3Lessons.com, Last edit 7/06/2016</a:t>
+              <a:t>© 2016 EV3Lessons.com, Last edit 12/25/2019</a:t>
             </a:r>
           </a:p>
         </p:txBody>
@@ -7262,9 +7258,9 @@
             </a:lvl1pPr>
           </a:lstStyle>
           <a:p>
-            <a:fld id="{344384A6-800E-4229-85D0-B2D75768AC16}" type="datetime1">
+            <a:fld id="{D78D4B09-7113-8041-9CF8-394F1C8D9A91}" type="datetime1">
               <a:rPr lang="en-US" smtClean="0"/>
-              <a:t>7/19/16</a:t>
+              <a:t>12/25/19</a:t>
             </a:fld>
             <a:endParaRPr lang="en-US" dirty="0"/>
           </a:p>
@@ -7303,7 +7299,7 @@
           <a:p>
             <a:r>
               <a:rPr lang="en-US"/>
-              <a:t>© 2016 EV3Lessons.com, Last edit 7/06/2016</a:t>
+              <a:t>© 2016 EV3Lessons.com, Last edit 12/25/2019</a:t>
             </a:r>
             <a:endParaRPr lang="en-US" dirty="0"/>
           </a:p>
@@ -7445,7 +7441,7 @@
     <p:sldLayoutId id="2147483687" r:id="rId10"/>
     <p:sldLayoutId id="2147483688" r:id="rId11"/>
   </p:sldLayoutIdLst>
-  <p:hf hdr="0" dt="0"/>
+  <p:hf sldNum="0" hdr="0" dt="0"/>
   <p:txStyles>
     <p:titleStyle>
       <a:lvl1pPr algn="l" defTabSz="914400" rtl="0" eaLnBrk="1" latinLnBrk="0" hangingPunct="1">
@@ -8040,9 +8036,9 @@
             </a:lvl1pPr>
           </a:lstStyle>
           <a:p>
-            <a:fld id="{9F30313C-1D09-46FF-BEAE-90A6FCD1B73F}" type="datetime1">
+            <a:fld id="{ED678DAC-776D-B943-B10B-7E2B5570F1E7}" type="datetime1">
               <a:rPr lang="en-US" smtClean="0"/>
-              <a:t>7/19/16</a:t>
+              <a:t>12/25/19</a:t>
             </a:fld>
             <a:endParaRPr lang="en-US" dirty="0"/>
           </a:p>
@@ -8081,7 +8077,7 @@
           <a:p>
             <a:r>
               <a:rPr lang="en-US"/>
-              <a:t>© 2016 EV3Lessons.com, Last edit 7/06/2016</a:t>
+              <a:t>© 2016 EV3Lessons.com, Last edit 12/25/2019</a:t>
             </a:r>
             <a:endParaRPr lang="en-US" dirty="0"/>
           </a:p>
@@ -8261,7 +8257,7 @@
     <p:sldLayoutId id="2147483699" r:id="rId10"/>
     <p:sldLayoutId id="2147483700" r:id="rId11"/>
   </p:sldLayoutIdLst>
-  <p:hf hdr="0" dt="0"/>
+  <p:hf sldNum="0" hdr="0" dt="0"/>
   <p:txStyles>
     <p:titleStyle>
       <a:lvl1pPr algn="l" defTabSz="914400" rtl="0" eaLnBrk="1" latinLnBrk="0" hangingPunct="1">
@@ -8689,12 +8685,8 @@
           <a:lstStyle/>
           <a:p>
             <a:r>
-              <a:rPr lang="en-US" dirty="0" err="1"/>
-              <a:t>IMPRoVING</a:t>
-            </a:r>
-            <a:r>
               <a:rPr lang="en-US" dirty="0"/>
-              <a:t> PROGRAM RELIABILITY</a:t>
+              <a:t>improving PROGRAM RELIABILITY</a:t>
             </a:r>
           </a:p>
         </p:txBody>
@@ -8741,7 +8733,7 @@
 </p:sld>
 </file>
 
-<file path=ppt/slides/slide10.xml><?xml version="1.0" encoding="utf-8"?>
+<file path=ppt/slides/slide2.xml><?xml version="1.0" encoding="utf-8"?>
 <p:sld xmlns:a="http://schemas.openxmlformats.org/drawingml/2006/main" xmlns:r="http://schemas.openxmlformats.org/officeDocument/2006/relationships" xmlns:p="http://schemas.openxmlformats.org/presentationml/2006/main">
   <p:cSld>
     <p:spTree>
@@ -8775,7 +8767,7 @@
           <a:p>
             <a:r>
               <a:rPr lang="en-US"/>
-              <a:t>Using Coast &amp; Reset</a:t>
+              <a:t>Lesson Objectives</a:t>
             </a:r>
             <a:endParaRPr lang="en-US" dirty="0"/>
           </a:p>
@@ -8783,12 +8775,12 @@
       </p:sp>
       <p:sp>
         <p:nvSpPr>
-          <p:cNvPr id="4" name="Footer Placeholder 3"/>
-          <p:cNvSpPr>
-            <a:spLocks noGrp="1"/>
-          </p:cNvSpPr>
-          <p:nvPr>
-            <p:ph type="ftr" sz="quarter" idx="11"/>
+          <p:cNvPr id="3" name="Content Placeholder 2"/>
+          <p:cNvSpPr>
+            <a:spLocks noGrp="1"/>
+          </p:cNvSpPr>
+          <p:nvPr>
+            <p:ph idx="1"/>
           </p:nvPr>
         </p:nvSpPr>
         <p:spPr/>
@@ -8796,80 +8788,68 @@
           <a:bodyPr/>
           <a:lstStyle/>
           <a:p>
-            <a:r>
-              <a:rPr lang="en-US"/>
-              <a:t>© 2016 EV3Lessons.com, Last edit 7/06/2016</a:t>
-            </a:r>
-          </a:p>
-        </p:txBody>
-      </p:sp>
-      <p:pic>
-        <p:nvPicPr>
-          <p:cNvPr id="5" name="Picture 4" descr="Screen Shot 2014-11-04 at 1.16.49 PM.png"/>
-          <p:cNvPicPr>
-            <a:picLocks noChangeAspect="1"/>
-          </p:cNvPicPr>
-          <p:nvPr/>
-        </p:nvPicPr>
-        <p:blipFill>
-          <a:blip r:embed="rId2">
-            <a:extLst>
-              <a:ext uri="{28A0092B-C50C-407E-A947-70E740481C1C}">
-                <a14:useLocalDpi xmlns:a14="http://schemas.microsoft.com/office/drawing/2010/main" val="0"/>
-              </a:ext>
-            </a:extLst>
-          </a:blip>
-          <a:stretch>
-            <a:fillRect/>
-          </a:stretch>
-        </p:blipFill>
-        <p:spPr>
-          <a:xfrm>
-            <a:off x="286222" y="2040021"/>
-            <a:ext cx="8686801" cy="1817566"/>
-          </a:xfrm>
-          <a:prstGeom prst="rect">
-            <a:avLst/>
-          </a:prstGeom>
-        </p:spPr>
-      </p:pic>
-      <p:sp>
-        <p:nvSpPr>
-          <p:cNvPr id="6" name="TextBox 5"/>
-          <p:cNvSpPr txBox="1"/>
-          <p:nvPr/>
-        </p:nvSpPr>
-        <p:spPr>
-          <a:xfrm>
-            <a:off x="1871693" y="4671083"/>
-            <a:ext cx="5659643" cy="369332"/>
-          </a:xfrm>
-          <a:prstGeom prst="rect">
-            <a:avLst/>
-          </a:prstGeom>
-          <a:noFill/>
-        </p:spPr>
-        <p:txBody>
-          <a:bodyPr wrap="square" rtlCol="0">
-            <a:spAutoFit/>
-          </a:bodyPr>
-          <a:lstStyle/>
-          <a:p>
+            <a:pPr marL="457200" indent="-457200">
+              <a:buFont typeface="+mj-lt"/>
+              <a:buAutoNum type="arabicPeriod"/>
+            </a:pPr>
             <a:r>
               <a:rPr lang="en-US" dirty="0"/>
-              <a:t>More reliable!</a:t>
-            </a:r>
-          </a:p>
-        </p:txBody>
-      </p:sp>
-      <p:sp>
-        <p:nvSpPr>
-          <p:cNvPr id="3" name="Slide Number Placeholder 2"/>
-          <p:cNvSpPr>
-            <a:spLocks noGrp="1"/>
-          </p:cNvSpPr>
-          <p:nvPr>
-            <p:ph type="sldNum" sz="quarter" idx="12"/>
+              <a:t>Learn how to make your robot more reliable</a:t>
+            </a:r>
+          </a:p>
+          <a:p>
+            <a:pPr marL="457200" indent="-457200">
+              <a:buFont typeface="+mj-lt"/>
+              <a:buAutoNum type="arabicPeriod"/>
+            </a:pPr>
+            <a:r>
+              <a:rPr lang="en-US" dirty="0"/>
+              <a:t>Learn about common problems you might face</a:t>
+            </a:r>
+          </a:p>
+          <a:p>
+            <a:pPr marL="457200" indent="-457200">
+              <a:buFont typeface="+mj-lt"/>
+              <a:buAutoNum type="arabicPeriod"/>
+            </a:pPr>
+            <a:r>
+              <a:rPr lang="en-US" dirty="0"/>
+              <a:t>Learn some possible solutions</a:t>
+            </a:r>
+          </a:p>
+          <a:p>
+            <a:pPr marL="457200" indent="-457200">
+              <a:buFont typeface="+mj-lt"/>
+              <a:buAutoNum type="arabicPeriod"/>
+            </a:pPr>
+            <a:endParaRPr lang="en-US" dirty="0"/>
+          </a:p>
+          <a:p>
+            <a:pPr marL="457200" indent="-457200">
+              <a:buFont typeface="+mj-lt"/>
+              <a:buAutoNum type="arabicPeriod"/>
+            </a:pPr>
+            <a:endParaRPr lang="en-US" dirty="0"/>
+          </a:p>
+          <a:p>
+            <a:pPr marL="0" indent="0">
+              <a:buNone/>
+            </a:pPr>
+            <a:r>
+              <a:rPr lang="en-US" dirty="0"/>
+              <a:t>Note: This lesson focuses on reliability issues faced by FIRST LEGO League teams. Many concepts are applicable to non-competition situations, but the terminology in the lesson and the main focus is for competition robots.</a:t>
+            </a:r>
+          </a:p>
+        </p:txBody>
+      </p:sp>
+      <p:sp>
+        <p:nvSpPr>
+          <p:cNvPr id="4" name="Footer Placeholder 3"/>
+          <p:cNvSpPr>
+            <a:spLocks noGrp="1"/>
+          </p:cNvSpPr>
+          <p:nvPr>
+            <p:ph type="ftr" sz="quarter" idx="11"/>
           </p:nvPr>
         </p:nvSpPr>
         <p:spPr/>
@@ -8877,18 +8857,17 @@
           <a:bodyPr/>
           <a:lstStyle/>
           <a:p>
-            <a:fld id="{4382A7F7-08BF-4252-8141-63FB96055BBB}" type="slidenum">
-              <a:rPr lang="en-US" smtClean="0"/>
-              <a:t>10</a:t>
-            </a:fld>
-            <a:endParaRPr lang="en-US"/>
+            <a:r>
+              <a:rPr lang="en-US"/>
+              <a:t>© 2016 EV3Lessons.com, Last edit 12/25/2019</a:t>
+            </a:r>
           </a:p>
         </p:txBody>
       </p:sp>
     </p:spTree>
     <p:extLst>
       <p:ext uri="{BB962C8B-B14F-4D97-AF65-F5344CB8AC3E}">
-        <p14:creationId xmlns:p14="http://schemas.microsoft.com/office/powerpoint/2010/main" val="679858752"/>
+        <p14:creationId xmlns:p14="http://schemas.microsoft.com/office/powerpoint/2010/main" val="1731185385"/>
       </p:ext>
     </p:extLst>
   </p:cSld>
@@ -8898,7 +8877,7 @@
 </p:sld>
 </file>
 
-<file path=ppt/slides/slide11.xml><?xml version="1.0" encoding="utf-8"?>
+<file path=ppt/slides/slide3.xml><?xml version="1.0" encoding="utf-8"?>
 <p:sld xmlns:a="http://schemas.openxmlformats.org/drawingml/2006/main" xmlns:r="http://schemas.openxmlformats.org/officeDocument/2006/relationships" xmlns:p="http://schemas.openxmlformats.org/presentationml/2006/main">
   <p:cSld>
     <p:spTree>
@@ -8932,20 +8911,335 @@
           <a:p>
             <a:r>
               <a:rPr lang="en-US"/>
-              <a:t>Other Factors in Reliability</a:t>
+              <a:t>Sources of Problems</a:t>
             </a:r>
             <a:endParaRPr lang="en-US" dirty="0"/>
           </a:p>
         </p:txBody>
       </p:sp>
-      <p:sp>
-        <p:nvSpPr>
-          <p:cNvPr id="3" name="Content Placeholder 2"/>
-          <p:cNvSpPr>
-            <a:spLocks noGrp="1"/>
-          </p:cNvSpPr>
+      <p:graphicFrame>
+        <p:nvGraphicFramePr>
+          <p:cNvPr id="5" name="Content Placeholder 4"/>
+          <p:cNvGraphicFramePr>
+            <a:graphicFrameLocks noGrp="1"/>
+          </p:cNvGraphicFramePr>
           <p:nvPr>
             <p:ph idx="1"/>
+            <p:extLst>
+              <p:ext uri="{D42A27DB-BD31-4B8C-83A1-F6EECF244321}">
+                <p14:modId xmlns:p14="http://schemas.microsoft.com/office/powerpoint/2010/main" val="3871216912"/>
+              </p:ext>
+            </p:extLst>
+          </p:nvPr>
+        </p:nvGraphicFramePr>
+        <p:xfrm>
+          <a:off x="477666" y="1657350"/>
+          <a:ext cx="8191048" cy="2661920"/>
+        </p:xfrm>
+        <a:graphic>
+          <a:graphicData uri="http://schemas.openxmlformats.org/drawingml/2006/table">
+            <a:tbl>
+              <a:tblPr firstRow="1" bandRow="1">
+                <a:tableStyleId>{5C22544A-7EE6-4342-B048-85BDC9FD1C3A}</a:tableStyleId>
+              </a:tblPr>
+              <a:tblGrid>
+                <a:gridCol w="4095524">
+                  <a:extLst>
+                    <a:ext uri="{9D8B030D-6E8A-4147-A177-3AD203B41FA5}">
+                      <a16:colId xmlns:a16="http://schemas.microsoft.com/office/drawing/2014/main" val="20000"/>
+                    </a:ext>
+                  </a:extLst>
+                </a:gridCol>
+                <a:gridCol w="4095524">
+                  <a:extLst>
+                    <a:ext uri="{9D8B030D-6E8A-4147-A177-3AD203B41FA5}">
+                      <a16:colId xmlns:a16="http://schemas.microsoft.com/office/drawing/2014/main" val="20001"/>
+                    </a:ext>
+                  </a:extLst>
+                </a:gridCol>
+              </a:tblGrid>
+              <a:tr h="370840">
+                <a:tc>
+                  <a:txBody>
+                    <a:bodyPr/>
+                    <a:lstStyle/>
+                    <a:p>
+                      <a:pPr algn="ctr"/>
+                      <a:r>
+                        <a:rPr lang="en-US" dirty="0"/>
+                        <a:t>Problem</a:t>
+                      </a:r>
+                    </a:p>
+                  </a:txBody>
+                  <a:tcPr/>
+                </a:tc>
+                <a:tc>
+                  <a:txBody>
+                    <a:bodyPr/>
+                    <a:lstStyle/>
+                    <a:p>
+                      <a:pPr algn="ctr"/>
+                      <a:r>
+                        <a:rPr lang="en-US" dirty="0"/>
+                        <a:t>Impact</a:t>
+                      </a:r>
+                    </a:p>
+                  </a:txBody>
+                  <a:tcPr/>
+                </a:tc>
+                <a:extLst>
+                  <a:ext uri="{0D108BD9-81ED-4DB2-BD59-A6C34878D82A}">
+                    <a16:rowId xmlns:a16="http://schemas.microsoft.com/office/drawing/2014/main" val="10000"/>
+                  </a:ext>
+                </a:extLst>
+              </a:tr>
+              <a:tr h="370840">
+                <a:tc>
+                  <a:txBody>
+                    <a:bodyPr/>
+                    <a:lstStyle/>
+                    <a:p>
+                      <a:r>
+                        <a:rPr lang="en-US" b="0" dirty="0">
+                          <a:solidFill>
+                            <a:schemeClr val="tx1"/>
+                          </a:solidFill>
+                        </a:rPr>
+                        <a:t>Starting</a:t>
+                      </a:r>
+                      <a:r>
+                        <a:rPr lang="en-US" b="0" baseline="0" dirty="0">
+                          <a:solidFill>
+                            <a:schemeClr val="tx1"/>
+                          </a:solidFill>
+                        </a:rPr>
+                        <a:t> alignment</a:t>
+                      </a:r>
+                      <a:r>
+                        <a:rPr lang="en-US" b="0" dirty="0">
+                          <a:solidFill>
+                            <a:schemeClr val="tx1"/>
+                          </a:solidFill>
+                        </a:rPr>
+                        <a:t> varies from run to run</a:t>
+                      </a:r>
+                    </a:p>
+                  </a:txBody>
+                  <a:tcPr/>
+                </a:tc>
+                <a:tc>
+                  <a:txBody>
+                    <a:bodyPr/>
+                    <a:lstStyle/>
+                    <a:p>
+                      <a:pPr marL="0" marR="0" indent="0" algn="l" defTabSz="914400" rtl="0" eaLnBrk="1" fontAlgn="auto" latinLnBrk="0" hangingPunct="1">
+                        <a:lnSpc>
+                          <a:spcPct val="100000"/>
+                        </a:lnSpc>
+                        <a:spcBef>
+                          <a:spcPts val="0"/>
+                        </a:spcBef>
+                        <a:spcAft>
+                          <a:spcPts val="0"/>
+                        </a:spcAft>
+                        <a:buClrTx/>
+                        <a:buSzTx/>
+                        <a:buFontTx/>
+                        <a:buNone/>
+                        <a:tabLst/>
+                        <a:defRPr/>
+                      </a:pPr>
+                      <a:r>
+                        <a:rPr lang="en-US" dirty="0"/>
+                        <a:t>Each run is different</a:t>
+                      </a:r>
+                      <a:r>
+                        <a:rPr lang="en-US" baseline="0" dirty="0"/>
+                        <a:t> and missions sometimes work. </a:t>
+                      </a:r>
+                      <a:endParaRPr lang="en-US" dirty="0"/>
+                    </a:p>
+                  </a:txBody>
+                  <a:tcPr/>
+                </a:tc>
+                <a:extLst>
+                  <a:ext uri="{0D108BD9-81ED-4DB2-BD59-A6C34878D82A}">
+                    <a16:rowId xmlns:a16="http://schemas.microsoft.com/office/drawing/2014/main" val="10001"/>
+                  </a:ext>
+                </a:extLst>
+              </a:tr>
+              <a:tr h="370840">
+                <a:tc>
+                  <a:txBody>
+                    <a:bodyPr/>
+                    <a:lstStyle/>
+                    <a:p>
+                      <a:pPr marL="0" marR="0" indent="0" algn="l" defTabSz="914400" rtl="0" eaLnBrk="1" fontAlgn="auto" latinLnBrk="0" hangingPunct="1">
+                        <a:lnSpc>
+                          <a:spcPct val="100000"/>
+                        </a:lnSpc>
+                        <a:spcBef>
+                          <a:spcPts val="0"/>
+                        </a:spcBef>
+                        <a:spcAft>
+                          <a:spcPts val="0"/>
+                        </a:spcAft>
+                        <a:buClrTx/>
+                        <a:buSzTx/>
+                        <a:buFontTx/>
+                        <a:buNone/>
+                        <a:tabLst/>
+                        <a:defRPr/>
+                      </a:pPr>
+                      <a:r>
+                        <a:rPr lang="en-US" b="0" dirty="0">
+                          <a:solidFill>
+                            <a:schemeClr val="tx1"/>
+                          </a:solidFill>
+                        </a:rPr>
+                        <a:t>Robots don’t travel straight for long or turn exactly the same amount</a:t>
+                      </a:r>
+                    </a:p>
+                  </a:txBody>
+                  <a:tcPr/>
+                </a:tc>
+                <a:tc>
+                  <a:txBody>
+                    <a:bodyPr/>
+                    <a:lstStyle/>
+                    <a:p>
+                      <a:r>
+                        <a:rPr lang="en-US" dirty="0"/>
+                        <a:t>It is hard</a:t>
+                      </a:r>
+                      <a:r>
+                        <a:rPr lang="en-US" baseline="0" dirty="0"/>
+                        <a:t> to predict the robot location exactly.</a:t>
+                      </a:r>
+                      <a:endParaRPr lang="en-US" dirty="0"/>
+                    </a:p>
+                  </a:txBody>
+                  <a:tcPr/>
+                </a:tc>
+                <a:extLst>
+                  <a:ext uri="{0D108BD9-81ED-4DB2-BD59-A6C34878D82A}">
+                    <a16:rowId xmlns:a16="http://schemas.microsoft.com/office/drawing/2014/main" val="10002"/>
+                  </a:ext>
+                </a:extLst>
+              </a:tr>
+              <a:tr h="370840">
+                <a:tc>
+                  <a:txBody>
+                    <a:bodyPr/>
+                    <a:lstStyle/>
+                    <a:p>
+                      <a:r>
+                        <a:rPr lang="en-US" b="0" dirty="0">
+                          <a:solidFill>
+                            <a:schemeClr val="tx1"/>
+                          </a:solidFill>
+                        </a:rPr>
+                        <a:t>Errors accumulate as you travel</a:t>
+                      </a:r>
+                    </a:p>
+                  </a:txBody>
+                  <a:tcPr/>
+                </a:tc>
+                <a:tc>
+                  <a:txBody>
+                    <a:bodyPr/>
+                    <a:lstStyle/>
+                    <a:p>
+                      <a:r>
+                        <a:rPr lang="en-US" dirty="0"/>
+                        <a:t>Long missions tend to fail. It is hard</a:t>
+                      </a:r>
+                      <a:r>
+                        <a:rPr lang="en-US" baseline="0" dirty="0"/>
+                        <a:t> to do missions far from Launch/Home</a:t>
+                      </a:r>
+                      <a:endParaRPr lang="en-US" dirty="0"/>
+                    </a:p>
+                  </a:txBody>
+                  <a:tcPr/>
+                </a:tc>
+                <a:extLst>
+                  <a:ext uri="{0D108BD9-81ED-4DB2-BD59-A6C34878D82A}">
+                    <a16:rowId xmlns:a16="http://schemas.microsoft.com/office/drawing/2014/main" val="10003"/>
+                  </a:ext>
+                </a:extLst>
+              </a:tr>
+              <a:tr h="370840">
+                <a:tc>
+                  <a:txBody>
+                    <a:bodyPr/>
+                    <a:lstStyle/>
+                    <a:p>
+                      <a:r>
+                        <a:rPr lang="en-US" b="0" dirty="0">
+                          <a:solidFill>
+                            <a:schemeClr val="tx1"/>
+                          </a:solidFill>
+                        </a:rPr>
+                        <a:t>Battery levels impact motor performance</a:t>
+                      </a:r>
+                    </a:p>
+                  </a:txBody>
+                  <a:tcPr/>
+                </a:tc>
+                <a:tc>
+                  <a:txBody>
+                    <a:bodyPr/>
+                    <a:lstStyle/>
+                    <a:p>
+                      <a:pPr marL="0" marR="0" indent="0" algn="l" defTabSz="914400" rtl="0" eaLnBrk="1" fontAlgn="auto" latinLnBrk="0" hangingPunct="1">
+                        <a:lnSpc>
+                          <a:spcPct val="100000"/>
+                        </a:lnSpc>
+                        <a:spcBef>
+                          <a:spcPts val="0"/>
+                        </a:spcBef>
+                        <a:spcAft>
+                          <a:spcPts val="0"/>
+                        </a:spcAft>
+                        <a:buClrTx/>
+                        <a:buSzTx/>
+                        <a:buFontTx/>
+                        <a:buNone/>
+                        <a:tabLst/>
+                        <a:defRPr/>
+                      </a:pPr>
+                      <a:r>
+                        <a:rPr lang="en-US" dirty="0"/>
+                        <a:t>Tweaks that work today fail</a:t>
+                      </a:r>
+                      <a:r>
+                        <a:rPr lang="en-US" baseline="0" dirty="0"/>
+                        <a:t> tomorrow</a:t>
+                      </a:r>
+                      <a:endParaRPr lang="en-US" dirty="0"/>
+                    </a:p>
+                  </a:txBody>
+                  <a:tcPr/>
+                </a:tc>
+                <a:extLst>
+                  <a:ext uri="{0D108BD9-81ED-4DB2-BD59-A6C34878D82A}">
+                    <a16:rowId xmlns:a16="http://schemas.microsoft.com/office/drawing/2014/main" val="10005"/>
+                  </a:ext>
+                </a:extLst>
+              </a:tr>
+            </a:tbl>
+          </a:graphicData>
+        </a:graphic>
+      </p:graphicFrame>
+      <p:sp>
+        <p:nvSpPr>
+          <p:cNvPr id="4" name="Footer Placeholder 3"/>
+          <p:cNvSpPr>
+            <a:spLocks noGrp="1"/>
+          </p:cNvSpPr>
+          <p:nvPr>
+            <p:ph type="ftr" sz="quarter" idx="11"/>
           </p:nvPr>
         </p:nvSpPr>
         <p:spPr/>
@@ -8955,124 +9249,15 @@
           <a:p>
             <a:r>
               <a:rPr lang="en-US"/>
-              <a:t>Battery life</a:t>
-            </a:r>
-          </a:p>
-          <a:p>
-            <a:pPr lvl="1"/>
-            <a:r>
-              <a:rPr lang="en-US"/>
-              <a:t>If you program your robot when the battery life is low, it won’t run the same when fully charged</a:t>
-            </a:r>
-          </a:p>
-          <a:p>
-            <a:pPr lvl="2"/>
-            <a:r>
-              <a:rPr lang="en-US"/>
-              <a:t>Motors behave differently with low battery</a:t>
-            </a:r>
-          </a:p>
-          <a:p>
-            <a:pPr lvl="2"/>
-            <a:r>
-              <a:rPr lang="en-US"/>
-              <a:t>But using sensors makes you not as dependent on battery</a:t>
-            </a:r>
-          </a:p>
-          <a:p>
-            <a:r>
-              <a:rPr lang="en-US"/>
-              <a:t>LEGO pieces come apart over time:</a:t>
-            </a:r>
-          </a:p>
-          <a:p>
-            <a:pPr lvl="1"/>
-            <a:r>
-              <a:rPr lang="en-US"/>
-              <a:t>Squeeze in LEGO pieces in key areas before a run – the pegs get loose which means the sensors may not be in the same place as a previous run</a:t>
-            </a:r>
-          </a:p>
-          <a:p>
-            <a:pPr lvl="1"/>
-            <a:r>
-              <a:rPr lang="en-US"/>
-              <a:t>Push wires in for sensors and motors.  They come out!</a:t>
-            </a:r>
-          </a:p>
-          <a:p>
-            <a:r>
-              <a:rPr lang="en-US"/>
-              <a:t>Motors and sensors don’t always match:</a:t>
-            </a:r>
-          </a:p>
-          <a:p>
-            <a:pPr lvl="1"/>
-            <a:r>
-              <a:rPr lang="en-US"/>
-              <a:t>Some teams test motors, sensors and wheels to make sure that they match</a:t>
-            </a:r>
-          </a:p>
-          <a:p>
-            <a:pPr lvl="1"/>
-            <a:r>
-              <a:rPr lang="en-US"/>
-              <a:t>You will never get a perfect match so we recommend use other techniques and accept that they will be different</a:t>
-            </a:r>
-          </a:p>
-          <a:p>
-            <a:endParaRPr lang="en-US" dirty="0"/>
-          </a:p>
-        </p:txBody>
-      </p:sp>
-      <p:sp>
-        <p:nvSpPr>
-          <p:cNvPr id="4" name="Footer Placeholder 3"/>
-          <p:cNvSpPr>
-            <a:spLocks noGrp="1"/>
-          </p:cNvSpPr>
-          <p:nvPr>
-            <p:ph type="ftr" sz="quarter" idx="11"/>
-          </p:nvPr>
-        </p:nvSpPr>
-        <p:spPr/>
-        <p:txBody>
-          <a:bodyPr/>
-          <a:lstStyle/>
-          <a:p>
-            <a:r>
-              <a:rPr lang="en-US"/>
-              <a:t>© 2016 EV3Lessons.com, Last edit 7/06/2016</a:t>
-            </a:r>
-          </a:p>
-        </p:txBody>
-      </p:sp>
-      <p:sp>
-        <p:nvSpPr>
-          <p:cNvPr id="5" name="Slide Number Placeholder 4"/>
-          <p:cNvSpPr>
-            <a:spLocks noGrp="1"/>
-          </p:cNvSpPr>
-          <p:nvPr>
-            <p:ph type="sldNum" sz="quarter" idx="12"/>
-          </p:nvPr>
-        </p:nvSpPr>
-        <p:spPr/>
-        <p:txBody>
-          <a:bodyPr/>
-          <a:lstStyle/>
-          <a:p>
-            <a:fld id="{4382A7F7-08BF-4252-8141-63FB96055BBB}" type="slidenum">
-              <a:rPr lang="en-US" smtClean="0"/>
-              <a:t>11</a:t>
-            </a:fld>
-            <a:endParaRPr lang="en-US"/>
+              <a:t>© 2016 EV3Lessons.com, Last edit 12/25/2019</a:t>
+            </a:r>
           </a:p>
         </p:txBody>
       </p:sp>
     </p:spTree>
     <p:extLst>
       <p:ext uri="{BB962C8B-B14F-4D97-AF65-F5344CB8AC3E}">
-        <p14:creationId xmlns:p14="http://schemas.microsoft.com/office/powerpoint/2010/main" val="3749712085"/>
+        <p14:creationId xmlns:p14="http://schemas.microsoft.com/office/powerpoint/2010/main" val="2313108619"/>
       </p:ext>
     </p:extLst>
   </p:cSld>
@@ -9082,7 +9267,7 @@
 </p:sld>
 </file>
 
-<file path=ppt/slides/slide12.xml><?xml version="1.0" encoding="utf-8"?>
+<file path=ppt/slides/slide4.xml><?xml version="1.0" encoding="utf-8"?>
 <p:sld xmlns:a="http://schemas.openxmlformats.org/drawingml/2006/main" xmlns:r="http://schemas.openxmlformats.org/officeDocument/2006/relationships" xmlns:p="http://schemas.openxmlformats.org/presentationml/2006/main">
   <p:cSld>
     <p:spTree>
@@ -9099,6 +9284,2182 @@
           <a:chExt cx="0" cy="0"/>
         </a:xfrm>
       </p:grpSpPr>
+      <p:pic>
+        <p:nvPicPr>
+          <p:cNvPr id="37" name="Picture 36">
+            <a:extLst>
+              <a:ext uri="{FF2B5EF4-FFF2-40B4-BE49-F238E27FC236}">
+                <a16:creationId xmlns:a16="http://schemas.microsoft.com/office/drawing/2014/main" id="{07C6A7D9-E99F-AC44-8200-7BF0B221005E}"/>
+              </a:ext>
+            </a:extLst>
+          </p:cNvPr>
+          <p:cNvPicPr>
+            <a:picLocks noChangeAspect="1"/>
+          </p:cNvPicPr>
+          <p:nvPr/>
+        </p:nvPicPr>
+        <p:blipFill>
+          <a:blip r:embed="rId2"/>
+          <a:stretch>
+            <a:fillRect/>
+          </a:stretch>
+        </p:blipFill>
+        <p:spPr>
+          <a:xfrm>
+            <a:off x="6608288" y="3823602"/>
+            <a:ext cx="2217933" cy="2236889"/>
+          </a:xfrm>
+          <a:prstGeom prst="rect">
+            <a:avLst/>
+          </a:prstGeom>
+        </p:spPr>
+      </p:pic>
+      <p:pic>
+        <p:nvPicPr>
+          <p:cNvPr id="6" name="Picture 5">
+            <a:extLst>
+              <a:ext uri="{FF2B5EF4-FFF2-40B4-BE49-F238E27FC236}">
+                <a16:creationId xmlns:a16="http://schemas.microsoft.com/office/drawing/2014/main" id="{929F6269-1D59-D644-9DDE-B69B69E613B4}"/>
+              </a:ext>
+            </a:extLst>
+          </p:cNvPr>
+          <p:cNvPicPr>
+            <a:picLocks noChangeAspect="1"/>
+          </p:cNvPicPr>
+          <p:nvPr/>
+        </p:nvPicPr>
+        <p:blipFill>
+          <a:blip r:embed="rId2"/>
+          <a:stretch>
+            <a:fillRect/>
+          </a:stretch>
+        </p:blipFill>
+        <p:spPr>
+          <a:xfrm>
+            <a:off x="6567320" y="1369307"/>
+            <a:ext cx="2217933" cy="2236889"/>
+          </a:xfrm>
+          <a:prstGeom prst="rect">
+            <a:avLst/>
+          </a:prstGeom>
+        </p:spPr>
+      </p:pic>
+      <p:sp>
+        <p:nvSpPr>
+          <p:cNvPr id="2" name="Title 1"/>
+          <p:cNvSpPr>
+            <a:spLocks noGrp="1"/>
+          </p:cNvSpPr>
+          <p:nvPr>
+            <p:ph type="title"/>
+          </p:nvPr>
+        </p:nvSpPr>
+        <p:spPr/>
+        <p:txBody>
+          <a:bodyPr>
+            <a:normAutofit fontScale="90000"/>
+          </a:bodyPr>
+          <a:lstStyle/>
+          <a:p>
+            <a:r>
+              <a:rPr lang="en-US" dirty="0"/>
+              <a:t>Starting Points in Launch are Critical</a:t>
+            </a:r>
+          </a:p>
+        </p:txBody>
+      </p:sp>
+      <p:sp>
+        <p:nvSpPr>
+          <p:cNvPr id="3" name="Content Placeholder 2"/>
+          <p:cNvSpPr>
+            <a:spLocks noGrp="1"/>
+          </p:cNvSpPr>
+          <p:nvPr>
+            <p:ph idx="1"/>
+          </p:nvPr>
+        </p:nvSpPr>
+        <p:spPr>
+          <a:xfrm>
+            <a:off x="227874" y="1505616"/>
+            <a:ext cx="5955475" cy="4654528"/>
+          </a:xfrm>
+        </p:spPr>
+        <p:txBody>
+          <a:bodyPr>
+            <a:normAutofit/>
+          </a:bodyPr>
+          <a:lstStyle/>
+          <a:p>
+            <a:r>
+              <a:rPr lang="en-US" dirty="0"/>
+              <a:t>In FIRST LEGO League, teams need to figure out where to start in base</a:t>
+            </a:r>
+          </a:p>
+          <a:p>
+            <a:pPr lvl="1"/>
+            <a:r>
+              <a:rPr lang="en-US" dirty="0"/>
+              <a:t>Jigs: a LEGO ruler/wall that your robot can align against them in base</a:t>
+            </a:r>
+          </a:p>
+          <a:p>
+            <a:pPr lvl="1"/>
+            <a:r>
+              <a:rPr lang="en-US" dirty="0"/>
+              <a:t>Same start each time: pick one spot and start there no matter what the mission for easy starts</a:t>
+            </a:r>
+          </a:p>
+          <a:p>
+            <a:pPr lvl="1"/>
+            <a:r>
+              <a:rPr lang="en-US" dirty="0"/>
+              <a:t>Grid/Radial Lines: Use the grid lines to pick a starting spot for each run</a:t>
+            </a:r>
+          </a:p>
+          <a:p>
+            <a:pPr lvl="1"/>
+            <a:r>
+              <a:rPr lang="en-US" dirty="0"/>
+              <a:t>Words: Launch has grid lines and a FIRST LEGO League logo. If you aren’t near an inch mark, pick a word or letter to start on.	</a:t>
+            </a:r>
+          </a:p>
+          <a:p>
+            <a:r>
+              <a:rPr lang="en-US" dirty="0"/>
+              <a:t>Even better, try to find a way to align the robot using other techniques (see next page)</a:t>
+            </a:r>
+          </a:p>
+        </p:txBody>
+      </p:sp>
+      <p:sp>
+        <p:nvSpPr>
+          <p:cNvPr id="4" name="Footer Placeholder 3"/>
+          <p:cNvSpPr>
+            <a:spLocks noGrp="1"/>
+          </p:cNvSpPr>
+          <p:nvPr>
+            <p:ph type="ftr" sz="quarter" idx="11"/>
+          </p:nvPr>
+        </p:nvSpPr>
+        <p:spPr/>
+        <p:txBody>
+          <a:bodyPr/>
+          <a:lstStyle/>
+          <a:p>
+            <a:r>
+              <a:rPr lang="en-US"/>
+              <a:t>© 2016 EV3Lessons.com, Last edit 12/25/2019</a:t>
+            </a:r>
+          </a:p>
+        </p:txBody>
+      </p:sp>
+      <p:grpSp>
+        <p:nvGrpSpPr>
+          <p:cNvPr id="7" name="Group 6">
+            <a:extLst>
+              <a:ext uri="{FF2B5EF4-FFF2-40B4-BE49-F238E27FC236}">
+                <a16:creationId xmlns:a16="http://schemas.microsoft.com/office/drawing/2014/main" id="{668BC7B2-E05F-2F45-9DE1-A787AAC953FD}"/>
+              </a:ext>
+            </a:extLst>
+          </p:cNvPr>
+          <p:cNvGrpSpPr/>
+          <p:nvPr/>
+        </p:nvGrpSpPr>
+        <p:grpSpPr>
+          <a:xfrm>
+            <a:off x="6648208" y="1892691"/>
+            <a:ext cx="1667101" cy="1723897"/>
+            <a:chOff x="6897180" y="1875179"/>
+            <a:chExt cx="1667101" cy="1723897"/>
+          </a:xfrm>
+        </p:grpSpPr>
+        <p:sp>
+          <p:nvSpPr>
+            <p:cNvPr id="8" name="Right Triangle 7"/>
+            <p:cNvSpPr/>
+            <p:nvPr/>
+          </p:nvSpPr>
+          <p:spPr>
+            <a:xfrm>
+              <a:off x="6920065" y="2492912"/>
+              <a:ext cx="768731" cy="980312"/>
+            </a:xfrm>
+            <a:prstGeom prst="rtTriangle">
+              <a:avLst/>
+            </a:prstGeom>
+            <a:solidFill>
+              <a:srgbClr val="FFFFFF"/>
+            </a:solidFill>
+            <a:ln w="38100" cmpd="sng">
+              <a:prstDash val="sysDash"/>
+            </a:ln>
+          </p:spPr>
+          <p:style>
+            <a:lnRef idx="1">
+              <a:schemeClr val="accent1"/>
+            </a:lnRef>
+            <a:fillRef idx="3">
+              <a:schemeClr val="accent1"/>
+            </a:fillRef>
+            <a:effectRef idx="2">
+              <a:schemeClr val="accent1"/>
+            </a:effectRef>
+            <a:fontRef idx="minor">
+              <a:schemeClr val="lt1"/>
+            </a:fontRef>
+          </p:style>
+          <p:txBody>
+            <a:bodyPr rtlCol="0" anchor="ctr"/>
+            <a:lstStyle/>
+            <a:p>
+              <a:pPr algn="ctr"/>
+              <a:endParaRPr lang="en-US"/>
+            </a:p>
+          </p:txBody>
+        </p:sp>
+        <p:grpSp>
+          <p:nvGrpSpPr>
+            <p:cNvPr id="9" name="Group 8"/>
+            <p:cNvGrpSpPr/>
+            <p:nvPr/>
+          </p:nvGrpSpPr>
+          <p:grpSpPr>
+            <a:xfrm rot="13627525">
+              <a:off x="7351439" y="2374897"/>
+              <a:ext cx="674712" cy="701814"/>
+              <a:chOff x="7631605" y="3030052"/>
+              <a:chExt cx="674712" cy="701814"/>
+            </a:xfrm>
+          </p:grpSpPr>
+          <p:sp>
+            <p:nvSpPr>
+              <p:cNvPr id="10" name="Rounded Rectangle 9"/>
+              <p:cNvSpPr/>
+              <p:nvPr/>
+            </p:nvSpPr>
+            <p:spPr>
+              <a:xfrm>
+                <a:off x="7765298" y="3030052"/>
+                <a:ext cx="412218" cy="701814"/>
+              </a:xfrm>
+              <a:prstGeom prst="roundRect">
+                <a:avLst/>
+              </a:prstGeom>
+            </p:spPr>
+            <p:style>
+              <a:lnRef idx="2">
+                <a:schemeClr val="accent5">
+                  <a:shade val="50000"/>
+                </a:schemeClr>
+              </a:lnRef>
+              <a:fillRef idx="1">
+                <a:schemeClr val="accent5"/>
+              </a:fillRef>
+              <a:effectRef idx="0">
+                <a:schemeClr val="accent5"/>
+              </a:effectRef>
+              <a:fontRef idx="minor">
+                <a:schemeClr val="lt1"/>
+              </a:fontRef>
+            </p:style>
+            <p:txBody>
+              <a:bodyPr rtlCol="0" anchor="ctr"/>
+              <a:lstStyle/>
+              <a:p>
+                <a:pPr algn="ctr"/>
+                <a:endParaRPr lang="en-US"/>
+              </a:p>
+            </p:txBody>
+          </p:sp>
+          <p:sp>
+            <p:nvSpPr>
+              <p:cNvPr id="11" name="Oval 10"/>
+              <p:cNvSpPr/>
+              <p:nvPr/>
+            </p:nvSpPr>
+            <p:spPr>
+              <a:xfrm>
+                <a:off x="7631605" y="3319690"/>
+                <a:ext cx="111410" cy="412176"/>
+              </a:xfrm>
+              <a:prstGeom prst="ellipse">
+                <a:avLst/>
+              </a:prstGeom>
+            </p:spPr>
+            <p:style>
+              <a:lnRef idx="1">
+                <a:schemeClr val="dk1"/>
+              </a:lnRef>
+              <a:fillRef idx="3">
+                <a:schemeClr val="dk1"/>
+              </a:fillRef>
+              <a:effectRef idx="2">
+                <a:schemeClr val="dk1"/>
+              </a:effectRef>
+              <a:fontRef idx="minor">
+                <a:schemeClr val="lt1"/>
+              </a:fontRef>
+            </p:style>
+            <p:txBody>
+              <a:bodyPr rtlCol="0" anchor="ctr"/>
+              <a:lstStyle/>
+              <a:p>
+                <a:pPr algn="ctr"/>
+                <a:endParaRPr lang="en-US"/>
+              </a:p>
+            </p:txBody>
+          </p:sp>
+          <p:sp>
+            <p:nvSpPr>
+              <p:cNvPr id="12" name="Oval 11"/>
+              <p:cNvSpPr/>
+              <p:nvPr/>
+            </p:nvSpPr>
+            <p:spPr>
+              <a:xfrm>
+                <a:off x="8194907" y="3319690"/>
+                <a:ext cx="111410" cy="412176"/>
+              </a:xfrm>
+              <a:prstGeom prst="ellipse">
+                <a:avLst/>
+              </a:prstGeom>
+            </p:spPr>
+            <p:style>
+              <a:lnRef idx="1">
+                <a:schemeClr val="dk1"/>
+              </a:lnRef>
+              <a:fillRef idx="3">
+                <a:schemeClr val="dk1"/>
+              </a:fillRef>
+              <a:effectRef idx="2">
+                <a:schemeClr val="dk1"/>
+              </a:effectRef>
+              <a:fontRef idx="minor">
+                <a:schemeClr val="lt1"/>
+              </a:fontRef>
+            </p:style>
+            <p:txBody>
+              <a:bodyPr rtlCol="0" anchor="ctr"/>
+              <a:lstStyle/>
+              <a:p>
+                <a:pPr algn="ctr"/>
+                <a:endParaRPr lang="en-US"/>
+              </a:p>
+            </p:txBody>
+          </p:sp>
+        </p:grpSp>
+        <p:sp>
+          <p:nvSpPr>
+            <p:cNvPr id="13" name="TextBox 12"/>
+            <p:cNvSpPr txBox="1"/>
+            <p:nvPr/>
+          </p:nvSpPr>
+          <p:spPr>
+            <a:xfrm rot="16200000">
+              <a:off x="6578897" y="3003794"/>
+              <a:ext cx="913565" cy="276999"/>
+            </a:xfrm>
+            <a:prstGeom prst="rect">
+              <a:avLst/>
+            </a:prstGeom>
+            <a:noFill/>
+          </p:spPr>
+          <p:txBody>
+            <a:bodyPr wrap="square" rtlCol="0">
+              <a:spAutoFit/>
+            </a:bodyPr>
+            <a:lstStyle/>
+            <a:p>
+              <a:pPr algn="ctr"/>
+              <a:r>
+                <a:rPr lang="en-US" sz="1200" dirty="0"/>
+                <a:t>Use a jig</a:t>
+              </a:r>
+            </a:p>
+          </p:txBody>
+        </p:sp>
+        <p:cxnSp>
+          <p:nvCxnSpPr>
+            <p:cNvPr id="18" name="Straight Arrow Connector 17"/>
+            <p:cNvCxnSpPr/>
+            <p:nvPr/>
+          </p:nvCxnSpPr>
+          <p:spPr>
+            <a:xfrm rot="16200000">
+              <a:off x="7958415" y="1887046"/>
+              <a:ext cx="617733" cy="593999"/>
+            </a:xfrm>
+            <a:prstGeom prst="straightConnector1">
+              <a:avLst/>
+            </a:prstGeom>
+            <a:ln>
+              <a:tailEnd type="arrow"/>
+            </a:ln>
+          </p:spPr>
+          <p:style>
+            <a:lnRef idx="2">
+              <a:schemeClr val="accent1"/>
+            </a:lnRef>
+            <a:fillRef idx="0">
+              <a:schemeClr val="accent1"/>
+            </a:fillRef>
+            <a:effectRef idx="1">
+              <a:schemeClr val="accent1"/>
+            </a:effectRef>
+            <a:fontRef idx="minor">
+              <a:schemeClr val="tx1"/>
+            </a:fontRef>
+          </p:style>
+        </p:cxnSp>
+      </p:grpSp>
+      <p:grpSp>
+        <p:nvGrpSpPr>
+          <p:cNvPr id="24" name="Group 23"/>
+          <p:cNvGrpSpPr/>
+          <p:nvPr/>
+        </p:nvGrpSpPr>
+        <p:grpSpPr>
+          <a:xfrm rot="10800000">
+            <a:off x="7649203" y="4693283"/>
+            <a:ext cx="674712" cy="701814"/>
+            <a:chOff x="7631605" y="3030052"/>
+            <a:chExt cx="674712" cy="701814"/>
+          </a:xfrm>
+        </p:grpSpPr>
+        <p:sp>
+          <p:nvSpPr>
+            <p:cNvPr id="29" name="Rounded Rectangle 28"/>
+            <p:cNvSpPr/>
+            <p:nvPr/>
+          </p:nvSpPr>
+          <p:spPr>
+            <a:xfrm>
+              <a:off x="7765298" y="3030052"/>
+              <a:ext cx="412218" cy="701814"/>
+            </a:xfrm>
+            <a:prstGeom prst="roundRect">
+              <a:avLst/>
+            </a:prstGeom>
+          </p:spPr>
+          <p:style>
+            <a:lnRef idx="2">
+              <a:schemeClr val="accent5">
+                <a:shade val="50000"/>
+              </a:schemeClr>
+            </a:lnRef>
+            <a:fillRef idx="1">
+              <a:schemeClr val="accent5"/>
+            </a:fillRef>
+            <a:effectRef idx="0">
+              <a:schemeClr val="accent5"/>
+            </a:effectRef>
+            <a:fontRef idx="minor">
+              <a:schemeClr val="lt1"/>
+            </a:fontRef>
+          </p:style>
+          <p:txBody>
+            <a:bodyPr rtlCol="0" anchor="ctr"/>
+            <a:lstStyle/>
+            <a:p>
+              <a:pPr algn="ctr"/>
+              <a:endParaRPr lang="en-US"/>
+            </a:p>
+          </p:txBody>
+        </p:sp>
+        <p:sp>
+          <p:nvSpPr>
+            <p:cNvPr id="30" name="Oval 29"/>
+            <p:cNvSpPr/>
+            <p:nvPr/>
+          </p:nvSpPr>
+          <p:spPr>
+            <a:xfrm>
+              <a:off x="7631605" y="3319690"/>
+              <a:ext cx="111410" cy="412176"/>
+            </a:xfrm>
+            <a:prstGeom prst="ellipse">
+              <a:avLst/>
+            </a:prstGeom>
+          </p:spPr>
+          <p:style>
+            <a:lnRef idx="1">
+              <a:schemeClr val="dk1"/>
+            </a:lnRef>
+            <a:fillRef idx="3">
+              <a:schemeClr val="dk1"/>
+            </a:fillRef>
+            <a:effectRef idx="2">
+              <a:schemeClr val="dk1"/>
+            </a:effectRef>
+            <a:fontRef idx="minor">
+              <a:schemeClr val="lt1"/>
+            </a:fontRef>
+          </p:style>
+          <p:txBody>
+            <a:bodyPr rtlCol="0" anchor="ctr"/>
+            <a:lstStyle/>
+            <a:p>
+              <a:pPr algn="ctr"/>
+              <a:endParaRPr lang="en-US"/>
+            </a:p>
+          </p:txBody>
+        </p:sp>
+        <p:sp>
+          <p:nvSpPr>
+            <p:cNvPr id="31" name="Oval 30"/>
+            <p:cNvSpPr/>
+            <p:nvPr/>
+          </p:nvSpPr>
+          <p:spPr>
+            <a:xfrm>
+              <a:off x="8194907" y="3319690"/>
+              <a:ext cx="111410" cy="412176"/>
+            </a:xfrm>
+            <a:prstGeom prst="ellipse">
+              <a:avLst/>
+            </a:prstGeom>
+          </p:spPr>
+          <p:style>
+            <a:lnRef idx="1">
+              <a:schemeClr val="dk1"/>
+            </a:lnRef>
+            <a:fillRef idx="3">
+              <a:schemeClr val="dk1"/>
+            </a:fillRef>
+            <a:effectRef idx="2">
+              <a:schemeClr val="dk1"/>
+            </a:effectRef>
+            <a:fontRef idx="minor">
+              <a:schemeClr val="lt1"/>
+            </a:fontRef>
+          </p:style>
+          <p:txBody>
+            <a:bodyPr rtlCol="0" anchor="ctr"/>
+            <a:lstStyle/>
+            <a:p>
+              <a:pPr algn="ctr"/>
+              <a:endParaRPr lang="en-US"/>
+            </a:p>
+          </p:txBody>
+        </p:sp>
+      </p:grpSp>
+      <p:sp>
+        <p:nvSpPr>
+          <p:cNvPr id="25" name="TextBox 24"/>
+          <p:cNvSpPr txBox="1"/>
+          <p:nvPr/>
+        </p:nvSpPr>
+        <p:spPr>
+          <a:xfrm>
+            <a:off x="6916278" y="4657696"/>
+            <a:ext cx="821309" cy="830997"/>
+          </a:xfrm>
+          <a:prstGeom prst="rect">
+            <a:avLst/>
+          </a:prstGeom>
+          <a:noFill/>
+        </p:spPr>
+        <p:txBody>
+          <a:bodyPr wrap="square" rtlCol="0">
+            <a:spAutoFit/>
+          </a:bodyPr>
+          <a:lstStyle/>
+          <a:p>
+            <a:pPr algn="ctr"/>
+            <a:r>
+              <a:rPr lang="en-US" sz="1200" dirty="0"/>
+              <a:t>Use grid lines or logo border</a:t>
+            </a:r>
+          </a:p>
+        </p:txBody>
+      </p:sp>
+      <p:cxnSp>
+        <p:nvCxnSpPr>
+          <p:cNvPr id="53" name="Straight Connector 52"/>
+          <p:cNvCxnSpPr/>
+          <p:nvPr/>
+        </p:nvCxnSpPr>
+        <p:spPr>
+          <a:xfrm flipV="1">
+            <a:off x="6381742" y="1505616"/>
+            <a:ext cx="11141" cy="4745597"/>
+          </a:xfrm>
+          <a:prstGeom prst="line">
+            <a:avLst/>
+          </a:prstGeom>
+        </p:spPr>
+        <p:style>
+          <a:lnRef idx="2">
+            <a:schemeClr val="accent1"/>
+          </a:lnRef>
+          <a:fillRef idx="0">
+            <a:schemeClr val="accent1"/>
+          </a:fillRef>
+          <a:effectRef idx="1">
+            <a:schemeClr val="accent1"/>
+          </a:effectRef>
+          <a:fontRef idx="minor">
+            <a:schemeClr val="tx1"/>
+          </a:fontRef>
+        </p:style>
+      </p:cxnSp>
+      <p:cxnSp>
+        <p:nvCxnSpPr>
+          <p:cNvPr id="38" name="Straight Arrow Connector 37">
+            <a:extLst>
+              <a:ext uri="{FF2B5EF4-FFF2-40B4-BE49-F238E27FC236}">
+                <a16:creationId xmlns:a16="http://schemas.microsoft.com/office/drawing/2014/main" id="{2BD57FD3-F796-024A-85EB-ED165D93804D}"/>
+              </a:ext>
+            </a:extLst>
+          </p:cNvPr>
+          <p:cNvCxnSpPr>
+            <a:cxnSpLocks/>
+          </p:cNvCxnSpPr>
+          <p:nvPr/>
+        </p:nvCxnSpPr>
+        <p:spPr>
+          <a:xfrm flipV="1">
+            <a:off x="8022040" y="4078715"/>
+            <a:ext cx="0" cy="544510"/>
+          </a:xfrm>
+          <a:prstGeom prst="straightConnector1">
+            <a:avLst/>
+          </a:prstGeom>
+          <a:ln>
+            <a:tailEnd type="arrow"/>
+          </a:ln>
+        </p:spPr>
+        <p:style>
+          <a:lnRef idx="2">
+            <a:schemeClr val="accent1"/>
+          </a:lnRef>
+          <a:fillRef idx="0">
+            <a:schemeClr val="accent1"/>
+          </a:fillRef>
+          <a:effectRef idx="1">
+            <a:schemeClr val="accent1"/>
+          </a:effectRef>
+          <a:fontRef idx="minor">
+            <a:schemeClr val="tx1"/>
+          </a:fontRef>
+        </p:style>
+      </p:cxnSp>
+    </p:spTree>
+    <p:extLst>
+      <p:ext uri="{BB962C8B-B14F-4D97-AF65-F5344CB8AC3E}">
+        <p14:creationId xmlns:p14="http://schemas.microsoft.com/office/powerpoint/2010/main" val="653665381"/>
+      </p:ext>
+    </p:extLst>
+  </p:cSld>
+  <p:clrMapOvr>
+    <a:masterClrMapping/>
+  </p:clrMapOvr>
+</p:sld>
+</file>
+
+<file path=ppt/slides/slide5.xml><?xml version="1.0" encoding="utf-8"?>
+<p:sld xmlns:a="http://schemas.openxmlformats.org/drawingml/2006/main" xmlns:r="http://schemas.openxmlformats.org/officeDocument/2006/relationships" xmlns:p="http://schemas.openxmlformats.org/presentationml/2006/main">
+  <p:cSld>
+    <p:spTree>
+      <p:nvGrpSpPr>
+        <p:cNvPr id="1" name=""/>
+        <p:cNvGrpSpPr/>
+        <p:nvPr/>
+      </p:nvGrpSpPr>
+      <p:grpSpPr>
+        <a:xfrm>
+          <a:off x="0" y="0"/>
+          <a:ext cx="0" cy="0"/>
+          <a:chOff x="0" y="0"/>
+          <a:chExt cx="0" cy="0"/>
+        </a:xfrm>
+      </p:grpSpPr>
+      <p:sp>
+        <p:nvSpPr>
+          <p:cNvPr id="2" name="Title 1"/>
+          <p:cNvSpPr>
+            <a:spLocks noGrp="1"/>
+          </p:cNvSpPr>
+          <p:nvPr>
+            <p:ph type="title"/>
+          </p:nvPr>
+        </p:nvSpPr>
+        <p:spPr/>
+        <p:txBody>
+          <a:bodyPr>
+            <a:normAutofit/>
+          </a:bodyPr>
+          <a:lstStyle/>
+          <a:p>
+            <a:r>
+              <a:rPr lang="en-US" dirty="0"/>
+              <a:t>Errors Accumulate Over Time</a:t>
+            </a:r>
+          </a:p>
+        </p:txBody>
+      </p:sp>
+      <p:sp>
+        <p:nvSpPr>
+          <p:cNvPr id="3" name="Content Placeholder 2"/>
+          <p:cNvSpPr>
+            <a:spLocks noGrp="1"/>
+          </p:cNvSpPr>
+          <p:nvPr>
+            <p:ph idx="1"/>
+          </p:nvPr>
+        </p:nvSpPr>
+        <p:spPr/>
+        <p:txBody>
+          <a:bodyPr/>
+          <a:lstStyle/>
+          <a:p>
+            <a:r>
+              <a:rPr lang="en-US"/>
+              <a:t>By the time you get to the far side of the table, you are no longer in the right position</a:t>
+            </a:r>
+          </a:p>
+          <a:p>
+            <a:r>
+              <a:rPr lang="en-US"/>
+              <a:t>Solution: Repeat alignment techniques multiple times in a run for better reliability (see next slide)</a:t>
+            </a:r>
+          </a:p>
+          <a:p>
+            <a:endParaRPr lang="en-US" dirty="0"/>
+          </a:p>
+        </p:txBody>
+      </p:sp>
+      <p:sp>
+        <p:nvSpPr>
+          <p:cNvPr id="4" name="Footer Placeholder 3"/>
+          <p:cNvSpPr>
+            <a:spLocks noGrp="1"/>
+          </p:cNvSpPr>
+          <p:nvPr>
+            <p:ph type="ftr" sz="quarter" idx="11"/>
+          </p:nvPr>
+        </p:nvSpPr>
+        <p:spPr/>
+        <p:txBody>
+          <a:bodyPr/>
+          <a:lstStyle/>
+          <a:p>
+            <a:r>
+              <a:rPr lang="en-US"/>
+              <a:t>© 2016 EV3Lessons.com, Last edit 12/25/2019</a:t>
+            </a:r>
+          </a:p>
+        </p:txBody>
+      </p:sp>
+      <p:grpSp>
+        <p:nvGrpSpPr>
+          <p:cNvPr id="5" name="Group 4"/>
+          <p:cNvGrpSpPr/>
+          <p:nvPr/>
+        </p:nvGrpSpPr>
+        <p:grpSpPr>
+          <a:xfrm rot="5136764">
+            <a:off x="791013" y="3734291"/>
+            <a:ext cx="674712" cy="701814"/>
+            <a:chOff x="7631605" y="3030052"/>
+            <a:chExt cx="674712" cy="701814"/>
+          </a:xfrm>
+        </p:grpSpPr>
+        <p:sp>
+          <p:nvSpPr>
+            <p:cNvPr id="6" name="Rounded Rectangle 5"/>
+            <p:cNvSpPr/>
+            <p:nvPr/>
+          </p:nvSpPr>
+          <p:spPr>
+            <a:xfrm>
+              <a:off x="7765298" y="3030052"/>
+              <a:ext cx="412218" cy="701814"/>
+            </a:xfrm>
+            <a:prstGeom prst="roundRect">
+              <a:avLst/>
+            </a:prstGeom>
+          </p:spPr>
+          <p:style>
+            <a:lnRef idx="2">
+              <a:schemeClr val="accent5">
+                <a:shade val="50000"/>
+              </a:schemeClr>
+            </a:lnRef>
+            <a:fillRef idx="1">
+              <a:schemeClr val="accent5"/>
+            </a:fillRef>
+            <a:effectRef idx="0">
+              <a:schemeClr val="accent5"/>
+            </a:effectRef>
+            <a:fontRef idx="minor">
+              <a:schemeClr val="lt1"/>
+            </a:fontRef>
+          </p:style>
+          <p:txBody>
+            <a:bodyPr rtlCol="0" anchor="ctr"/>
+            <a:lstStyle/>
+            <a:p>
+              <a:pPr algn="ctr"/>
+              <a:endParaRPr lang="en-US"/>
+            </a:p>
+          </p:txBody>
+        </p:sp>
+        <p:sp>
+          <p:nvSpPr>
+            <p:cNvPr id="7" name="Oval 6"/>
+            <p:cNvSpPr/>
+            <p:nvPr/>
+          </p:nvSpPr>
+          <p:spPr>
+            <a:xfrm>
+              <a:off x="7631605" y="3319690"/>
+              <a:ext cx="111410" cy="412176"/>
+            </a:xfrm>
+            <a:prstGeom prst="ellipse">
+              <a:avLst/>
+            </a:prstGeom>
+          </p:spPr>
+          <p:style>
+            <a:lnRef idx="1">
+              <a:schemeClr val="dk1"/>
+            </a:lnRef>
+            <a:fillRef idx="3">
+              <a:schemeClr val="dk1"/>
+            </a:fillRef>
+            <a:effectRef idx="2">
+              <a:schemeClr val="dk1"/>
+            </a:effectRef>
+            <a:fontRef idx="minor">
+              <a:schemeClr val="lt1"/>
+            </a:fontRef>
+          </p:style>
+          <p:txBody>
+            <a:bodyPr rtlCol="0" anchor="ctr"/>
+            <a:lstStyle/>
+            <a:p>
+              <a:pPr algn="ctr"/>
+              <a:endParaRPr lang="en-US"/>
+            </a:p>
+          </p:txBody>
+        </p:sp>
+        <p:sp>
+          <p:nvSpPr>
+            <p:cNvPr id="8" name="Oval 7"/>
+            <p:cNvSpPr/>
+            <p:nvPr/>
+          </p:nvSpPr>
+          <p:spPr>
+            <a:xfrm>
+              <a:off x="8194907" y="3319690"/>
+              <a:ext cx="111410" cy="412176"/>
+            </a:xfrm>
+            <a:prstGeom prst="ellipse">
+              <a:avLst/>
+            </a:prstGeom>
+          </p:spPr>
+          <p:style>
+            <a:lnRef idx="1">
+              <a:schemeClr val="dk1"/>
+            </a:lnRef>
+            <a:fillRef idx="3">
+              <a:schemeClr val="dk1"/>
+            </a:fillRef>
+            <a:effectRef idx="2">
+              <a:schemeClr val="dk1"/>
+            </a:effectRef>
+            <a:fontRef idx="minor">
+              <a:schemeClr val="lt1"/>
+            </a:fontRef>
+          </p:style>
+          <p:txBody>
+            <a:bodyPr rtlCol="0" anchor="ctr"/>
+            <a:lstStyle/>
+            <a:p>
+              <a:pPr algn="ctr"/>
+              <a:endParaRPr lang="en-US"/>
+            </a:p>
+          </p:txBody>
+        </p:sp>
+      </p:grpSp>
+      <p:cxnSp>
+        <p:nvCxnSpPr>
+          <p:cNvPr id="10" name="Straight Connector 9"/>
+          <p:cNvCxnSpPr>
+            <a:stCxn id="6" idx="2"/>
+          </p:cNvCxnSpPr>
+          <p:nvPr/>
+        </p:nvCxnSpPr>
+        <p:spPr>
+          <a:xfrm flipV="1">
+            <a:off x="778677" y="3553628"/>
+            <a:ext cx="6351582" cy="560852"/>
+          </a:xfrm>
+          <a:prstGeom prst="line">
+            <a:avLst/>
+          </a:prstGeom>
+        </p:spPr>
+        <p:style>
+          <a:lnRef idx="2">
+            <a:schemeClr val="accent1"/>
+          </a:lnRef>
+          <a:fillRef idx="0">
+            <a:schemeClr val="accent1"/>
+          </a:fillRef>
+          <a:effectRef idx="1">
+            <a:schemeClr val="accent1"/>
+          </a:effectRef>
+          <a:fontRef idx="minor">
+            <a:schemeClr val="tx1"/>
+          </a:fontRef>
+        </p:style>
+      </p:cxnSp>
+      <p:sp>
+        <p:nvSpPr>
+          <p:cNvPr id="11" name="Rectangle 10"/>
+          <p:cNvSpPr/>
+          <p:nvPr/>
+        </p:nvSpPr>
+        <p:spPr>
+          <a:xfrm>
+            <a:off x="2016404" y="3744144"/>
+            <a:ext cx="1187198" cy="637693"/>
+          </a:xfrm>
+          <a:prstGeom prst="rect">
+            <a:avLst/>
+          </a:prstGeom>
+          <a:solidFill>
+            <a:schemeClr val="accent1"/>
+          </a:solidFill>
+        </p:spPr>
+        <p:style>
+          <a:lnRef idx="1">
+            <a:schemeClr val="accent4"/>
+          </a:lnRef>
+          <a:fillRef idx="3">
+            <a:schemeClr val="accent4"/>
+          </a:fillRef>
+          <a:effectRef idx="2">
+            <a:schemeClr val="accent4"/>
+          </a:effectRef>
+          <a:fontRef idx="minor">
+            <a:schemeClr val="lt1"/>
+          </a:fontRef>
+        </p:style>
+        <p:txBody>
+          <a:bodyPr rtlCol="0" anchor="ctr"/>
+          <a:lstStyle/>
+          <a:p>
+            <a:pPr algn="ctr"/>
+            <a:r>
+              <a:rPr lang="en-US" dirty="0"/>
+              <a:t>Mission Model 1</a:t>
+            </a:r>
+          </a:p>
+        </p:txBody>
+      </p:sp>
+      <p:grpSp>
+        <p:nvGrpSpPr>
+          <p:cNvPr id="13" name="Group 12"/>
+          <p:cNvGrpSpPr/>
+          <p:nvPr/>
+        </p:nvGrpSpPr>
+        <p:grpSpPr>
+          <a:xfrm rot="5136764">
+            <a:off x="834104" y="4726338"/>
+            <a:ext cx="674712" cy="701814"/>
+            <a:chOff x="7631605" y="3030052"/>
+            <a:chExt cx="674712" cy="701814"/>
+          </a:xfrm>
+        </p:grpSpPr>
+        <p:sp>
+          <p:nvSpPr>
+            <p:cNvPr id="14" name="Rounded Rectangle 13"/>
+            <p:cNvSpPr/>
+            <p:nvPr/>
+          </p:nvSpPr>
+          <p:spPr>
+            <a:xfrm>
+              <a:off x="7765298" y="3030052"/>
+              <a:ext cx="412218" cy="701814"/>
+            </a:xfrm>
+            <a:prstGeom prst="roundRect">
+              <a:avLst/>
+            </a:prstGeom>
+          </p:spPr>
+          <p:style>
+            <a:lnRef idx="2">
+              <a:schemeClr val="accent5">
+                <a:shade val="50000"/>
+              </a:schemeClr>
+            </a:lnRef>
+            <a:fillRef idx="1">
+              <a:schemeClr val="accent5"/>
+            </a:fillRef>
+            <a:effectRef idx="0">
+              <a:schemeClr val="accent5"/>
+            </a:effectRef>
+            <a:fontRef idx="minor">
+              <a:schemeClr val="lt1"/>
+            </a:fontRef>
+          </p:style>
+          <p:txBody>
+            <a:bodyPr rtlCol="0" anchor="ctr"/>
+            <a:lstStyle/>
+            <a:p>
+              <a:pPr algn="ctr"/>
+              <a:endParaRPr lang="en-US"/>
+            </a:p>
+          </p:txBody>
+        </p:sp>
+        <p:sp>
+          <p:nvSpPr>
+            <p:cNvPr id="15" name="Oval 14"/>
+            <p:cNvSpPr/>
+            <p:nvPr/>
+          </p:nvSpPr>
+          <p:spPr>
+            <a:xfrm>
+              <a:off x="7631605" y="3319690"/>
+              <a:ext cx="111410" cy="412176"/>
+            </a:xfrm>
+            <a:prstGeom prst="ellipse">
+              <a:avLst/>
+            </a:prstGeom>
+          </p:spPr>
+          <p:style>
+            <a:lnRef idx="1">
+              <a:schemeClr val="dk1"/>
+            </a:lnRef>
+            <a:fillRef idx="3">
+              <a:schemeClr val="dk1"/>
+            </a:fillRef>
+            <a:effectRef idx="2">
+              <a:schemeClr val="dk1"/>
+            </a:effectRef>
+            <a:fontRef idx="minor">
+              <a:schemeClr val="lt1"/>
+            </a:fontRef>
+          </p:style>
+          <p:txBody>
+            <a:bodyPr rtlCol="0" anchor="ctr"/>
+            <a:lstStyle/>
+            <a:p>
+              <a:pPr algn="ctr"/>
+              <a:endParaRPr lang="en-US"/>
+            </a:p>
+          </p:txBody>
+        </p:sp>
+        <p:sp>
+          <p:nvSpPr>
+            <p:cNvPr id="16" name="Oval 15"/>
+            <p:cNvSpPr/>
+            <p:nvPr/>
+          </p:nvSpPr>
+          <p:spPr>
+            <a:xfrm>
+              <a:off x="8194907" y="3319690"/>
+              <a:ext cx="111410" cy="412176"/>
+            </a:xfrm>
+            <a:prstGeom prst="ellipse">
+              <a:avLst/>
+            </a:prstGeom>
+          </p:spPr>
+          <p:style>
+            <a:lnRef idx="1">
+              <a:schemeClr val="dk1"/>
+            </a:lnRef>
+            <a:fillRef idx="3">
+              <a:schemeClr val="dk1"/>
+            </a:fillRef>
+            <a:effectRef idx="2">
+              <a:schemeClr val="dk1"/>
+            </a:effectRef>
+            <a:fontRef idx="minor">
+              <a:schemeClr val="lt1"/>
+            </a:fontRef>
+          </p:style>
+          <p:txBody>
+            <a:bodyPr rtlCol="0" anchor="ctr"/>
+            <a:lstStyle/>
+            <a:p>
+              <a:pPr algn="ctr"/>
+              <a:endParaRPr lang="en-US"/>
+            </a:p>
+          </p:txBody>
+        </p:sp>
+      </p:grpSp>
+      <p:cxnSp>
+        <p:nvCxnSpPr>
+          <p:cNvPr id="17" name="Straight Connector 16"/>
+          <p:cNvCxnSpPr>
+            <a:stCxn id="14" idx="2"/>
+          </p:cNvCxnSpPr>
+          <p:nvPr/>
+        </p:nvCxnSpPr>
+        <p:spPr>
+          <a:xfrm flipV="1">
+            <a:off x="821768" y="4545675"/>
+            <a:ext cx="6351582" cy="560852"/>
+          </a:xfrm>
+          <a:prstGeom prst="line">
+            <a:avLst/>
+          </a:prstGeom>
+        </p:spPr>
+        <p:style>
+          <a:lnRef idx="2">
+            <a:schemeClr val="accent1"/>
+          </a:lnRef>
+          <a:fillRef idx="0">
+            <a:schemeClr val="accent1"/>
+          </a:fillRef>
+          <a:effectRef idx="1">
+            <a:schemeClr val="accent1"/>
+          </a:effectRef>
+          <a:fontRef idx="minor">
+            <a:schemeClr val="tx1"/>
+          </a:fontRef>
+        </p:style>
+      </p:cxnSp>
+      <p:sp>
+        <p:nvSpPr>
+          <p:cNvPr id="19" name="Rectangle 18"/>
+          <p:cNvSpPr/>
+          <p:nvPr/>
+        </p:nvSpPr>
+        <p:spPr>
+          <a:xfrm>
+            <a:off x="5821469" y="4736191"/>
+            <a:ext cx="1187198" cy="637693"/>
+          </a:xfrm>
+          <a:prstGeom prst="rect">
+            <a:avLst/>
+          </a:prstGeom>
+          <a:solidFill>
+            <a:schemeClr val="accent1"/>
+          </a:solidFill>
+        </p:spPr>
+        <p:style>
+          <a:lnRef idx="1">
+            <a:schemeClr val="accent4"/>
+          </a:lnRef>
+          <a:fillRef idx="3">
+            <a:schemeClr val="accent4"/>
+          </a:fillRef>
+          <a:effectRef idx="2">
+            <a:schemeClr val="accent4"/>
+          </a:effectRef>
+          <a:fontRef idx="minor">
+            <a:schemeClr val="lt1"/>
+          </a:fontRef>
+        </p:style>
+        <p:txBody>
+          <a:bodyPr rtlCol="0" anchor="ctr"/>
+          <a:lstStyle/>
+          <a:p>
+            <a:pPr algn="ctr"/>
+            <a:r>
+              <a:rPr lang="en-US" dirty="0"/>
+              <a:t>Mission Model 2</a:t>
+            </a:r>
+          </a:p>
+        </p:txBody>
+      </p:sp>
+    </p:spTree>
+    <p:extLst>
+      <p:ext uri="{BB962C8B-B14F-4D97-AF65-F5344CB8AC3E}">
+        <p14:creationId xmlns:p14="http://schemas.microsoft.com/office/powerpoint/2010/main" val="2171012491"/>
+      </p:ext>
+    </p:extLst>
+  </p:cSld>
+  <p:clrMapOvr>
+    <a:masterClrMapping/>
+  </p:clrMapOvr>
+</p:sld>
+</file>
+
+<file path=ppt/slides/slide6.xml><?xml version="1.0" encoding="utf-8"?>
+<p:sld xmlns:a="http://schemas.openxmlformats.org/drawingml/2006/main" xmlns:r="http://schemas.openxmlformats.org/officeDocument/2006/relationships" xmlns:p="http://schemas.openxmlformats.org/presentationml/2006/main">
+  <p:cSld>
+    <p:spTree>
+      <p:nvGrpSpPr>
+        <p:cNvPr id="1" name=""/>
+        <p:cNvGrpSpPr/>
+        <p:nvPr/>
+      </p:nvGrpSpPr>
+      <p:grpSpPr>
+        <a:xfrm>
+          <a:off x="0" y="0"/>
+          <a:ext cx="0" cy="0"/>
+          <a:chOff x="0" y="0"/>
+          <a:chExt cx="0" cy="0"/>
+        </a:xfrm>
+      </p:grpSpPr>
+      <p:sp>
+        <p:nvSpPr>
+          <p:cNvPr id="2" name="Title 1"/>
+          <p:cNvSpPr>
+            <a:spLocks noGrp="1"/>
+          </p:cNvSpPr>
+          <p:nvPr>
+            <p:ph type="title"/>
+          </p:nvPr>
+        </p:nvSpPr>
+        <p:spPr/>
+        <p:txBody>
+          <a:bodyPr/>
+          <a:lstStyle/>
+          <a:p>
+            <a:r>
+              <a:rPr lang="en-US" dirty="0"/>
+              <a:t>Where Are You on the FLL table?</a:t>
+            </a:r>
+          </a:p>
+        </p:txBody>
+      </p:sp>
+      <p:sp>
+        <p:nvSpPr>
+          <p:cNvPr id="3" name="Content Placeholder 2"/>
+          <p:cNvSpPr>
+            <a:spLocks noGrp="1"/>
+          </p:cNvSpPr>
+          <p:nvPr>
+            <p:ph idx="1"/>
+          </p:nvPr>
+        </p:nvSpPr>
+        <p:spPr>
+          <a:xfrm>
+            <a:off x="227874" y="1505616"/>
+            <a:ext cx="5620055" cy="4654528"/>
+          </a:xfrm>
+        </p:spPr>
+        <p:txBody>
+          <a:bodyPr/>
+          <a:lstStyle/>
+          <a:p>
+            <a:r>
+              <a:rPr lang="en-US"/>
+              <a:t>Consider these alignment strategies that are commonly used:</a:t>
+            </a:r>
+          </a:p>
+          <a:p>
+            <a:pPr lvl="1"/>
+            <a:r>
+              <a:rPr lang="en-US" dirty="0"/>
+              <a:t>Align on walls – deliberately back into a wall to straighten out (note: You may stall doing this. See the Advanced: Stall Detection Lesson)</a:t>
+            </a:r>
+          </a:p>
+          <a:p>
+            <a:pPr lvl="1"/>
+            <a:r>
+              <a:rPr lang="en-US" dirty="0"/>
+              <a:t>Square/Align on lines –If you are moving angled, you can straighten out whenever you see a line. (See Advanced: Squaring Lesson)</a:t>
+            </a:r>
+          </a:p>
+          <a:p>
+            <a:pPr lvl="1"/>
+            <a:r>
+              <a:rPr lang="en-US" dirty="0"/>
+              <a:t>Move until a line – travel until you find a line so you know where you are on the mat (See Beginner: Color Sensor)</a:t>
+            </a:r>
+          </a:p>
+          <a:p>
+            <a:pPr lvl="1"/>
+            <a:r>
+              <a:rPr lang="en-US" dirty="0"/>
+              <a:t>Align on a mission model – Mission models that are stuck in one place can be used to align against</a:t>
+            </a:r>
+          </a:p>
+          <a:p>
+            <a:endParaRPr lang="en-US" dirty="0"/>
+          </a:p>
+          <a:p>
+            <a:endParaRPr lang="en-US" dirty="0"/>
+          </a:p>
+        </p:txBody>
+      </p:sp>
+      <p:sp>
+        <p:nvSpPr>
+          <p:cNvPr id="4" name="Footer Placeholder 3"/>
+          <p:cNvSpPr>
+            <a:spLocks noGrp="1"/>
+          </p:cNvSpPr>
+          <p:nvPr>
+            <p:ph type="ftr" sz="quarter" idx="11"/>
+          </p:nvPr>
+        </p:nvSpPr>
+        <p:spPr/>
+        <p:txBody>
+          <a:bodyPr/>
+          <a:lstStyle/>
+          <a:p>
+            <a:r>
+              <a:rPr lang="en-US"/>
+              <a:t>© 2016 EV3Lessons.com, Last edit 12/25/2019</a:t>
+            </a:r>
+            <a:endParaRPr lang="en-US" dirty="0"/>
+          </a:p>
+        </p:txBody>
+      </p:sp>
+      <p:cxnSp>
+        <p:nvCxnSpPr>
+          <p:cNvPr id="7" name="Straight Connector 6"/>
+          <p:cNvCxnSpPr/>
+          <p:nvPr/>
+        </p:nvCxnSpPr>
+        <p:spPr>
+          <a:xfrm flipH="1">
+            <a:off x="6716194" y="4019734"/>
+            <a:ext cx="1861911" cy="11139"/>
+          </a:xfrm>
+          <a:prstGeom prst="line">
+            <a:avLst/>
+          </a:prstGeom>
+          <a:ln w="57150" cmpd="sng">
+            <a:solidFill>
+              <a:schemeClr val="tx1"/>
+            </a:solidFill>
+          </a:ln>
+        </p:spPr>
+        <p:style>
+          <a:lnRef idx="2">
+            <a:schemeClr val="accent1"/>
+          </a:lnRef>
+          <a:fillRef idx="0">
+            <a:schemeClr val="accent1"/>
+          </a:fillRef>
+          <a:effectRef idx="1">
+            <a:schemeClr val="accent1"/>
+          </a:effectRef>
+          <a:fontRef idx="minor">
+            <a:schemeClr val="tx1"/>
+          </a:fontRef>
+        </p:style>
+      </p:cxnSp>
+      <p:sp>
+        <p:nvSpPr>
+          <p:cNvPr id="9" name="Rectangle 8"/>
+          <p:cNvSpPr/>
+          <p:nvPr/>
+        </p:nvSpPr>
+        <p:spPr>
+          <a:xfrm>
+            <a:off x="7359819" y="5090205"/>
+            <a:ext cx="1187198" cy="534714"/>
+          </a:xfrm>
+          <a:prstGeom prst="rect">
+            <a:avLst/>
+          </a:prstGeom>
+          <a:solidFill>
+            <a:schemeClr val="accent1"/>
+          </a:solidFill>
+        </p:spPr>
+        <p:style>
+          <a:lnRef idx="1">
+            <a:schemeClr val="accent4"/>
+          </a:lnRef>
+          <a:fillRef idx="3">
+            <a:schemeClr val="accent4"/>
+          </a:fillRef>
+          <a:effectRef idx="2">
+            <a:schemeClr val="accent4"/>
+          </a:effectRef>
+          <a:fontRef idx="minor">
+            <a:schemeClr val="lt1"/>
+          </a:fontRef>
+        </p:style>
+        <p:txBody>
+          <a:bodyPr rtlCol="0" anchor="ctr"/>
+          <a:lstStyle/>
+          <a:p>
+            <a:pPr algn="ctr"/>
+            <a:r>
+              <a:rPr lang="en-US" dirty="0"/>
+              <a:t>Mission Model</a:t>
+            </a:r>
+          </a:p>
+        </p:txBody>
+      </p:sp>
+      <p:grpSp>
+        <p:nvGrpSpPr>
+          <p:cNvPr id="13" name="Group 12"/>
+          <p:cNvGrpSpPr/>
+          <p:nvPr/>
+        </p:nvGrpSpPr>
+        <p:grpSpPr>
+          <a:xfrm rot="20696983">
+            <a:off x="7382223" y="3206523"/>
+            <a:ext cx="674712" cy="701814"/>
+            <a:chOff x="7631605" y="3030052"/>
+            <a:chExt cx="674712" cy="701814"/>
+          </a:xfrm>
+        </p:grpSpPr>
+        <p:sp>
+          <p:nvSpPr>
+            <p:cNvPr id="10" name="Rounded Rectangle 9"/>
+            <p:cNvSpPr/>
+            <p:nvPr/>
+          </p:nvSpPr>
+          <p:spPr>
+            <a:xfrm>
+              <a:off x="7765298" y="3030052"/>
+              <a:ext cx="412218" cy="701814"/>
+            </a:xfrm>
+            <a:prstGeom prst="roundRect">
+              <a:avLst/>
+            </a:prstGeom>
+          </p:spPr>
+          <p:style>
+            <a:lnRef idx="2">
+              <a:schemeClr val="accent5">
+                <a:shade val="50000"/>
+              </a:schemeClr>
+            </a:lnRef>
+            <a:fillRef idx="1">
+              <a:schemeClr val="accent5"/>
+            </a:fillRef>
+            <a:effectRef idx="0">
+              <a:schemeClr val="accent5"/>
+            </a:effectRef>
+            <a:fontRef idx="minor">
+              <a:schemeClr val="lt1"/>
+            </a:fontRef>
+          </p:style>
+          <p:txBody>
+            <a:bodyPr rtlCol="0" anchor="ctr"/>
+            <a:lstStyle/>
+            <a:p>
+              <a:pPr algn="ctr"/>
+              <a:endParaRPr lang="en-US"/>
+            </a:p>
+          </p:txBody>
+        </p:sp>
+        <p:sp>
+          <p:nvSpPr>
+            <p:cNvPr id="11" name="Oval 10"/>
+            <p:cNvSpPr/>
+            <p:nvPr/>
+          </p:nvSpPr>
+          <p:spPr>
+            <a:xfrm>
+              <a:off x="7631605" y="3319690"/>
+              <a:ext cx="111410" cy="412176"/>
+            </a:xfrm>
+            <a:prstGeom prst="ellipse">
+              <a:avLst/>
+            </a:prstGeom>
+          </p:spPr>
+          <p:style>
+            <a:lnRef idx="1">
+              <a:schemeClr val="dk1"/>
+            </a:lnRef>
+            <a:fillRef idx="3">
+              <a:schemeClr val="dk1"/>
+            </a:fillRef>
+            <a:effectRef idx="2">
+              <a:schemeClr val="dk1"/>
+            </a:effectRef>
+            <a:fontRef idx="minor">
+              <a:schemeClr val="lt1"/>
+            </a:fontRef>
+          </p:style>
+          <p:txBody>
+            <a:bodyPr rtlCol="0" anchor="ctr"/>
+            <a:lstStyle/>
+            <a:p>
+              <a:pPr algn="ctr"/>
+              <a:endParaRPr lang="en-US"/>
+            </a:p>
+          </p:txBody>
+        </p:sp>
+        <p:sp>
+          <p:nvSpPr>
+            <p:cNvPr id="12" name="Oval 11"/>
+            <p:cNvSpPr/>
+            <p:nvPr/>
+          </p:nvSpPr>
+          <p:spPr>
+            <a:xfrm>
+              <a:off x="8194907" y="3319690"/>
+              <a:ext cx="111410" cy="412176"/>
+            </a:xfrm>
+            <a:prstGeom prst="ellipse">
+              <a:avLst/>
+            </a:prstGeom>
+          </p:spPr>
+          <p:style>
+            <a:lnRef idx="1">
+              <a:schemeClr val="dk1"/>
+            </a:lnRef>
+            <a:fillRef idx="3">
+              <a:schemeClr val="dk1"/>
+            </a:fillRef>
+            <a:effectRef idx="2">
+              <a:schemeClr val="dk1"/>
+            </a:effectRef>
+            <a:fontRef idx="minor">
+              <a:schemeClr val="lt1"/>
+            </a:fontRef>
+          </p:style>
+          <p:txBody>
+            <a:bodyPr rtlCol="0" anchor="ctr"/>
+            <a:lstStyle/>
+            <a:p>
+              <a:pPr algn="ctr"/>
+              <a:endParaRPr lang="en-US"/>
+            </a:p>
+          </p:txBody>
+        </p:sp>
+      </p:grpSp>
+      <p:grpSp>
+        <p:nvGrpSpPr>
+          <p:cNvPr id="14" name="Group 13"/>
+          <p:cNvGrpSpPr/>
+          <p:nvPr/>
+        </p:nvGrpSpPr>
+        <p:grpSpPr>
+          <a:xfrm rot="10800000">
+            <a:off x="7584509" y="4388391"/>
+            <a:ext cx="674712" cy="701814"/>
+            <a:chOff x="7631605" y="3030052"/>
+            <a:chExt cx="674712" cy="701814"/>
+          </a:xfrm>
+        </p:grpSpPr>
+        <p:sp>
+          <p:nvSpPr>
+            <p:cNvPr id="15" name="Rounded Rectangle 14"/>
+            <p:cNvSpPr/>
+            <p:nvPr/>
+          </p:nvSpPr>
+          <p:spPr>
+            <a:xfrm>
+              <a:off x="7765298" y="3030052"/>
+              <a:ext cx="412218" cy="701814"/>
+            </a:xfrm>
+            <a:prstGeom prst="roundRect">
+              <a:avLst/>
+            </a:prstGeom>
+          </p:spPr>
+          <p:style>
+            <a:lnRef idx="2">
+              <a:schemeClr val="accent5">
+                <a:shade val="50000"/>
+              </a:schemeClr>
+            </a:lnRef>
+            <a:fillRef idx="1">
+              <a:schemeClr val="accent5"/>
+            </a:fillRef>
+            <a:effectRef idx="0">
+              <a:schemeClr val="accent5"/>
+            </a:effectRef>
+            <a:fontRef idx="minor">
+              <a:schemeClr val="lt1"/>
+            </a:fontRef>
+          </p:style>
+          <p:txBody>
+            <a:bodyPr rtlCol="0" anchor="ctr"/>
+            <a:lstStyle/>
+            <a:p>
+              <a:pPr algn="ctr"/>
+              <a:endParaRPr lang="en-US"/>
+            </a:p>
+          </p:txBody>
+        </p:sp>
+        <p:sp>
+          <p:nvSpPr>
+            <p:cNvPr id="16" name="Oval 15"/>
+            <p:cNvSpPr/>
+            <p:nvPr/>
+          </p:nvSpPr>
+          <p:spPr>
+            <a:xfrm>
+              <a:off x="7631605" y="3319690"/>
+              <a:ext cx="111410" cy="412176"/>
+            </a:xfrm>
+            <a:prstGeom prst="ellipse">
+              <a:avLst/>
+            </a:prstGeom>
+          </p:spPr>
+          <p:style>
+            <a:lnRef idx="1">
+              <a:schemeClr val="dk1"/>
+            </a:lnRef>
+            <a:fillRef idx="3">
+              <a:schemeClr val="dk1"/>
+            </a:fillRef>
+            <a:effectRef idx="2">
+              <a:schemeClr val="dk1"/>
+            </a:effectRef>
+            <a:fontRef idx="minor">
+              <a:schemeClr val="lt1"/>
+            </a:fontRef>
+          </p:style>
+          <p:txBody>
+            <a:bodyPr rtlCol="0" anchor="ctr"/>
+            <a:lstStyle/>
+            <a:p>
+              <a:pPr algn="ctr"/>
+              <a:endParaRPr lang="en-US"/>
+            </a:p>
+          </p:txBody>
+        </p:sp>
+        <p:sp>
+          <p:nvSpPr>
+            <p:cNvPr id="17" name="Oval 16"/>
+            <p:cNvSpPr/>
+            <p:nvPr/>
+          </p:nvSpPr>
+          <p:spPr>
+            <a:xfrm>
+              <a:off x="8194907" y="3319690"/>
+              <a:ext cx="111410" cy="412176"/>
+            </a:xfrm>
+            <a:prstGeom prst="ellipse">
+              <a:avLst/>
+            </a:prstGeom>
+          </p:spPr>
+          <p:style>
+            <a:lnRef idx="1">
+              <a:schemeClr val="dk1"/>
+            </a:lnRef>
+            <a:fillRef idx="3">
+              <a:schemeClr val="dk1"/>
+            </a:fillRef>
+            <a:effectRef idx="2">
+              <a:schemeClr val="dk1"/>
+            </a:effectRef>
+            <a:fontRef idx="minor">
+              <a:schemeClr val="lt1"/>
+            </a:fontRef>
+          </p:style>
+          <p:txBody>
+            <a:bodyPr rtlCol="0" anchor="ctr"/>
+            <a:lstStyle/>
+            <a:p>
+              <a:pPr algn="ctr"/>
+              <a:endParaRPr lang="en-US"/>
+            </a:p>
+          </p:txBody>
+        </p:sp>
+      </p:grpSp>
+      <p:sp>
+        <p:nvSpPr>
+          <p:cNvPr id="18" name="Rectangle 17"/>
+          <p:cNvSpPr/>
+          <p:nvPr/>
+        </p:nvSpPr>
+        <p:spPr>
+          <a:xfrm>
+            <a:off x="7049862" y="2699659"/>
+            <a:ext cx="1483679" cy="66840"/>
+          </a:xfrm>
+          <a:prstGeom prst="rect">
+            <a:avLst/>
+          </a:prstGeom>
+        </p:spPr>
+        <p:style>
+          <a:lnRef idx="1">
+            <a:schemeClr val="dk1"/>
+          </a:lnRef>
+          <a:fillRef idx="2">
+            <a:schemeClr val="dk1"/>
+          </a:fillRef>
+          <a:effectRef idx="1">
+            <a:schemeClr val="dk1"/>
+          </a:effectRef>
+          <a:fontRef idx="minor">
+            <a:schemeClr val="dk1"/>
+          </a:fontRef>
+        </p:style>
+        <p:txBody>
+          <a:bodyPr rtlCol="0" anchor="ctr"/>
+          <a:lstStyle/>
+          <a:p>
+            <a:pPr algn="ctr"/>
+            <a:endParaRPr lang="en-US"/>
+          </a:p>
+        </p:txBody>
+      </p:sp>
+      <p:sp>
+        <p:nvSpPr>
+          <p:cNvPr id="19" name="Rectangle 18"/>
+          <p:cNvSpPr/>
+          <p:nvPr/>
+        </p:nvSpPr>
+        <p:spPr>
+          <a:xfrm rot="5400000">
+            <a:off x="7907452" y="2132015"/>
+            <a:ext cx="1202134" cy="66840"/>
+          </a:xfrm>
+          <a:prstGeom prst="rect">
+            <a:avLst/>
+          </a:prstGeom>
+        </p:spPr>
+        <p:style>
+          <a:lnRef idx="1">
+            <a:schemeClr val="dk1"/>
+          </a:lnRef>
+          <a:fillRef idx="2">
+            <a:schemeClr val="dk1"/>
+          </a:fillRef>
+          <a:effectRef idx="1">
+            <a:schemeClr val="dk1"/>
+          </a:effectRef>
+          <a:fontRef idx="minor">
+            <a:schemeClr val="dk1"/>
+          </a:fontRef>
+        </p:style>
+        <p:txBody>
+          <a:bodyPr rtlCol="0" anchor="ctr"/>
+          <a:lstStyle/>
+          <a:p>
+            <a:pPr algn="ctr"/>
+            <a:endParaRPr lang="en-US"/>
+          </a:p>
+        </p:txBody>
+      </p:sp>
+      <p:grpSp>
+        <p:nvGrpSpPr>
+          <p:cNvPr id="20" name="Group 19"/>
+          <p:cNvGrpSpPr/>
+          <p:nvPr/>
+        </p:nvGrpSpPr>
+        <p:grpSpPr>
+          <a:xfrm rot="10800000">
+            <a:off x="7478093" y="1983133"/>
+            <a:ext cx="674712" cy="701814"/>
+            <a:chOff x="7631605" y="3030052"/>
+            <a:chExt cx="674712" cy="701814"/>
+          </a:xfrm>
+        </p:grpSpPr>
+        <p:sp>
+          <p:nvSpPr>
+            <p:cNvPr id="21" name="Rounded Rectangle 20"/>
+            <p:cNvSpPr/>
+            <p:nvPr/>
+          </p:nvSpPr>
+          <p:spPr>
+            <a:xfrm>
+              <a:off x="7765298" y="3030052"/>
+              <a:ext cx="412218" cy="701814"/>
+            </a:xfrm>
+            <a:prstGeom prst="roundRect">
+              <a:avLst/>
+            </a:prstGeom>
+          </p:spPr>
+          <p:style>
+            <a:lnRef idx="2">
+              <a:schemeClr val="accent5">
+                <a:shade val="50000"/>
+              </a:schemeClr>
+            </a:lnRef>
+            <a:fillRef idx="1">
+              <a:schemeClr val="accent5"/>
+            </a:fillRef>
+            <a:effectRef idx="0">
+              <a:schemeClr val="accent5"/>
+            </a:effectRef>
+            <a:fontRef idx="minor">
+              <a:schemeClr val="lt1"/>
+            </a:fontRef>
+          </p:style>
+          <p:txBody>
+            <a:bodyPr rtlCol="0" anchor="ctr"/>
+            <a:lstStyle/>
+            <a:p>
+              <a:pPr algn="ctr"/>
+              <a:endParaRPr lang="en-US"/>
+            </a:p>
+          </p:txBody>
+        </p:sp>
+        <p:sp>
+          <p:nvSpPr>
+            <p:cNvPr id="22" name="Oval 21"/>
+            <p:cNvSpPr/>
+            <p:nvPr/>
+          </p:nvSpPr>
+          <p:spPr>
+            <a:xfrm>
+              <a:off x="7631605" y="3319690"/>
+              <a:ext cx="111410" cy="412176"/>
+            </a:xfrm>
+            <a:prstGeom prst="ellipse">
+              <a:avLst/>
+            </a:prstGeom>
+          </p:spPr>
+          <p:style>
+            <a:lnRef idx="1">
+              <a:schemeClr val="dk1"/>
+            </a:lnRef>
+            <a:fillRef idx="3">
+              <a:schemeClr val="dk1"/>
+            </a:fillRef>
+            <a:effectRef idx="2">
+              <a:schemeClr val="dk1"/>
+            </a:effectRef>
+            <a:fontRef idx="minor">
+              <a:schemeClr val="lt1"/>
+            </a:fontRef>
+          </p:style>
+          <p:txBody>
+            <a:bodyPr rtlCol="0" anchor="ctr"/>
+            <a:lstStyle/>
+            <a:p>
+              <a:pPr algn="ctr"/>
+              <a:endParaRPr lang="en-US"/>
+            </a:p>
+          </p:txBody>
+        </p:sp>
+        <p:sp>
+          <p:nvSpPr>
+            <p:cNvPr id="23" name="Oval 22"/>
+            <p:cNvSpPr/>
+            <p:nvPr/>
+          </p:nvSpPr>
+          <p:spPr>
+            <a:xfrm>
+              <a:off x="8194907" y="3319690"/>
+              <a:ext cx="111410" cy="412176"/>
+            </a:xfrm>
+            <a:prstGeom prst="ellipse">
+              <a:avLst/>
+            </a:prstGeom>
+          </p:spPr>
+          <p:style>
+            <a:lnRef idx="1">
+              <a:schemeClr val="dk1"/>
+            </a:lnRef>
+            <a:fillRef idx="3">
+              <a:schemeClr val="dk1"/>
+            </a:fillRef>
+            <a:effectRef idx="2">
+              <a:schemeClr val="dk1"/>
+            </a:effectRef>
+            <a:fontRef idx="minor">
+              <a:schemeClr val="lt1"/>
+            </a:fontRef>
+          </p:style>
+          <p:txBody>
+            <a:bodyPr rtlCol="0" anchor="ctr"/>
+            <a:lstStyle/>
+            <a:p>
+              <a:pPr algn="ctr"/>
+              <a:endParaRPr lang="en-US"/>
+            </a:p>
+          </p:txBody>
+        </p:sp>
+      </p:grpSp>
+      <p:sp>
+        <p:nvSpPr>
+          <p:cNvPr id="24" name="TextBox 23"/>
+          <p:cNvSpPr txBox="1"/>
+          <p:nvPr/>
+        </p:nvSpPr>
+        <p:spPr>
+          <a:xfrm>
+            <a:off x="6490940" y="2220642"/>
+            <a:ext cx="913565" cy="461665"/>
+          </a:xfrm>
+          <a:prstGeom prst="rect">
+            <a:avLst/>
+          </a:prstGeom>
+          <a:noFill/>
+        </p:spPr>
+        <p:txBody>
+          <a:bodyPr wrap="square" rtlCol="0">
+            <a:spAutoFit/>
+          </a:bodyPr>
+          <a:lstStyle/>
+          <a:p>
+            <a:pPr algn="ctr"/>
+            <a:r>
+              <a:rPr lang="en-US" sz="1200" dirty="0"/>
+              <a:t>Back into walls</a:t>
+            </a:r>
+          </a:p>
+        </p:txBody>
+      </p:sp>
+      <p:sp>
+        <p:nvSpPr>
+          <p:cNvPr id="25" name="TextBox 24"/>
+          <p:cNvSpPr txBox="1"/>
+          <p:nvPr/>
+        </p:nvSpPr>
+        <p:spPr>
+          <a:xfrm>
+            <a:off x="6399906" y="3522236"/>
+            <a:ext cx="913565" cy="461665"/>
+          </a:xfrm>
+          <a:prstGeom prst="rect">
+            <a:avLst/>
+          </a:prstGeom>
+          <a:noFill/>
+        </p:spPr>
+        <p:txBody>
+          <a:bodyPr wrap="square" rtlCol="0">
+            <a:spAutoFit/>
+          </a:bodyPr>
+          <a:lstStyle/>
+          <a:p>
+            <a:pPr algn="ctr"/>
+            <a:r>
+              <a:rPr lang="en-US" sz="1200" dirty="0"/>
+              <a:t>Square on a line</a:t>
+            </a:r>
+          </a:p>
+        </p:txBody>
+      </p:sp>
+      <p:sp>
+        <p:nvSpPr>
+          <p:cNvPr id="26" name="TextBox 25"/>
+          <p:cNvSpPr txBox="1"/>
+          <p:nvPr/>
+        </p:nvSpPr>
+        <p:spPr>
+          <a:xfrm>
+            <a:off x="6446903" y="4569735"/>
+            <a:ext cx="913565" cy="646331"/>
+          </a:xfrm>
+          <a:prstGeom prst="rect">
+            <a:avLst/>
+          </a:prstGeom>
+          <a:noFill/>
+        </p:spPr>
+        <p:txBody>
+          <a:bodyPr wrap="square" rtlCol="0">
+            <a:spAutoFit/>
+          </a:bodyPr>
+          <a:lstStyle/>
+          <a:p>
+            <a:pPr algn="ctr"/>
+            <a:r>
+              <a:rPr lang="en-US" sz="1200" dirty="0"/>
+              <a:t>Align on a mission model</a:t>
+            </a:r>
+          </a:p>
+        </p:txBody>
+      </p:sp>
+      <p:cxnSp>
+        <p:nvCxnSpPr>
+          <p:cNvPr id="27" name="Straight Connector 26"/>
+          <p:cNvCxnSpPr/>
+          <p:nvPr/>
+        </p:nvCxnSpPr>
+        <p:spPr>
+          <a:xfrm flipV="1">
+            <a:off x="6054534" y="1508948"/>
+            <a:ext cx="11141" cy="4745597"/>
+          </a:xfrm>
+          <a:prstGeom prst="line">
+            <a:avLst/>
+          </a:prstGeom>
+        </p:spPr>
+        <p:style>
+          <a:lnRef idx="2">
+            <a:schemeClr val="accent1"/>
+          </a:lnRef>
+          <a:fillRef idx="0">
+            <a:schemeClr val="accent1"/>
+          </a:fillRef>
+          <a:effectRef idx="1">
+            <a:schemeClr val="accent1"/>
+          </a:effectRef>
+          <a:fontRef idx="minor">
+            <a:schemeClr val="tx1"/>
+          </a:fontRef>
+        </p:style>
+      </p:cxnSp>
+    </p:spTree>
+    <p:extLst>
+      <p:ext uri="{BB962C8B-B14F-4D97-AF65-F5344CB8AC3E}">
+        <p14:creationId xmlns:p14="http://schemas.microsoft.com/office/powerpoint/2010/main" val="3987123837"/>
+      </p:ext>
+    </p:extLst>
+  </p:cSld>
+  <p:clrMapOvr>
+    <a:masterClrMapping/>
+  </p:clrMapOvr>
+</p:sld>
+</file>
+
+<file path=ppt/slides/slide7.xml><?xml version="1.0" encoding="utf-8"?>
+<p:sld xmlns:a="http://schemas.openxmlformats.org/drawingml/2006/main" xmlns:r="http://schemas.openxmlformats.org/officeDocument/2006/relationships" xmlns:p="http://schemas.openxmlformats.org/presentationml/2006/main">
+  <p:cSld>
+    <p:spTree>
+      <p:nvGrpSpPr>
+        <p:cNvPr id="1" name=""/>
+        <p:cNvGrpSpPr/>
+        <p:nvPr/>
+      </p:nvGrpSpPr>
+      <p:grpSpPr>
+        <a:xfrm>
+          <a:off x="0" y="0"/>
+          <a:ext cx="0" cy="0"/>
+          <a:chOff x="0" y="0"/>
+          <a:chExt cx="0" cy="0"/>
+        </a:xfrm>
+      </p:grpSpPr>
+      <p:sp>
+        <p:nvSpPr>
+          <p:cNvPr id="2" name="Title 1"/>
+          <p:cNvSpPr>
+            <a:spLocks noGrp="1"/>
+          </p:cNvSpPr>
+          <p:nvPr>
+            <p:ph type="title"/>
+          </p:nvPr>
+        </p:nvSpPr>
+        <p:spPr/>
+        <p:txBody>
+          <a:bodyPr/>
+          <a:lstStyle/>
+          <a:p>
+            <a:r>
+              <a:rPr lang="en-US"/>
+              <a:t>Other Factors in Reliability</a:t>
+            </a:r>
+            <a:endParaRPr lang="en-US" dirty="0"/>
+          </a:p>
+        </p:txBody>
+      </p:sp>
+      <p:sp>
+        <p:nvSpPr>
+          <p:cNvPr id="3" name="Content Placeholder 2"/>
+          <p:cNvSpPr>
+            <a:spLocks noGrp="1"/>
+          </p:cNvSpPr>
+          <p:nvPr>
+            <p:ph idx="1"/>
+          </p:nvPr>
+        </p:nvSpPr>
+        <p:spPr/>
+        <p:txBody>
+          <a:bodyPr/>
+          <a:lstStyle/>
+          <a:p>
+            <a:r>
+              <a:rPr lang="en-US"/>
+              <a:t>Battery life</a:t>
+            </a:r>
+          </a:p>
+          <a:p>
+            <a:pPr lvl="1"/>
+            <a:r>
+              <a:rPr lang="en-US"/>
+              <a:t>If you program your robot when the battery life is low, it won’t run the same when fully charged</a:t>
+            </a:r>
+          </a:p>
+          <a:p>
+            <a:pPr lvl="2"/>
+            <a:r>
+              <a:rPr lang="en-US"/>
+              <a:t>Motors behave differently with low battery</a:t>
+            </a:r>
+          </a:p>
+          <a:p>
+            <a:pPr lvl="2"/>
+            <a:r>
+              <a:rPr lang="en-US"/>
+              <a:t>But using sensors makes you not as dependent on battery</a:t>
+            </a:r>
+          </a:p>
+          <a:p>
+            <a:r>
+              <a:rPr lang="en-US"/>
+              <a:t>LEGO pieces come apart over time:</a:t>
+            </a:r>
+          </a:p>
+          <a:p>
+            <a:pPr lvl="1"/>
+            <a:r>
+              <a:rPr lang="en-US"/>
+              <a:t>Squeeze in LEGO pieces in key areas before a run – the pegs get loose which means the sensors may not be in the same place as a previous run</a:t>
+            </a:r>
+          </a:p>
+          <a:p>
+            <a:pPr lvl="1"/>
+            <a:r>
+              <a:rPr lang="en-US"/>
+              <a:t>Push wires in for sensors and motors.  They come out!</a:t>
+            </a:r>
+          </a:p>
+          <a:p>
+            <a:r>
+              <a:rPr lang="en-US"/>
+              <a:t>Motors and sensors don’t always match:</a:t>
+            </a:r>
+          </a:p>
+          <a:p>
+            <a:pPr lvl="1"/>
+            <a:r>
+              <a:rPr lang="en-US"/>
+              <a:t>Some teams test motors, sensors and wheels to make sure that they match</a:t>
+            </a:r>
+          </a:p>
+          <a:p>
+            <a:pPr lvl="1"/>
+            <a:r>
+              <a:rPr lang="en-US"/>
+              <a:t>You will never get a perfect match so we recommend use other techniques and accept that they will be different</a:t>
+            </a:r>
+          </a:p>
+          <a:p>
+            <a:endParaRPr lang="en-US" dirty="0"/>
+          </a:p>
+        </p:txBody>
+      </p:sp>
+      <p:sp>
+        <p:nvSpPr>
+          <p:cNvPr id="4" name="Footer Placeholder 3"/>
+          <p:cNvSpPr>
+            <a:spLocks noGrp="1"/>
+          </p:cNvSpPr>
+          <p:nvPr>
+            <p:ph type="ftr" sz="quarter" idx="11"/>
+          </p:nvPr>
+        </p:nvSpPr>
+        <p:spPr/>
+        <p:txBody>
+          <a:bodyPr/>
+          <a:lstStyle/>
+          <a:p>
+            <a:r>
+              <a:rPr lang="en-US"/>
+              <a:t>© 2016 EV3Lessons.com, Last edit 12/25/2019</a:t>
+            </a:r>
+          </a:p>
+        </p:txBody>
+      </p:sp>
+    </p:spTree>
+    <p:extLst>
+      <p:ext uri="{BB962C8B-B14F-4D97-AF65-F5344CB8AC3E}">
+        <p14:creationId xmlns:p14="http://schemas.microsoft.com/office/powerpoint/2010/main" val="3749712085"/>
+      </p:ext>
+    </p:extLst>
+  </p:cSld>
+  <p:clrMapOvr>
+    <a:masterClrMapping/>
+  </p:clrMapOvr>
+</p:sld>
+</file>
+
+<file path=ppt/slides/slide8.xml><?xml version="1.0" encoding="utf-8"?>
+<p:sld xmlns:a="http://schemas.openxmlformats.org/drawingml/2006/main" xmlns:r="http://schemas.openxmlformats.org/officeDocument/2006/relationships" xmlns:p="http://schemas.openxmlformats.org/presentationml/2006/main">
+  <p:cSld>
+    <p:spTree>
+      <p:nvGrpSpPr>
+        <p:cNvPr id="1" name=""/>
+        <p:cNvGrpSpPr/>
+        <p:nvPr/>
+      </p:nvGrpSpPr>
+      <p:grpSpPr>
+        <a:xfrm>
+          <a:off x="0" y="0"/>
+          <a:ext cx="0" cy="0"/>
+          <a:chOff x="0" y="0"/>
+          <a:chExt cx="0" cy="0"/>
+        </a:xfrm>
+      </p:grpSpPr>
       <p:sp>
         <p:nvSpPr>
           <p:cNvPr id="2" name="Title 1"/>
@@ -9177,7 +11538,7 @@
           <a:p>
             <a:r>
               <a:rPr lang="en-US"/>
-              <a:t>© 2016 EV3Lessons.com, Last edit 7/06/2016</a:t>
+              <a:t>© 2016 EV3Lessons.com, Last edit 12/25/2019</a:t>
             </a:r>
           </a:p>
         </p:txBody>
@@ -9231,7 +11592,7 @@
           <a:effectLst/>
           <a:extLst>
             <a:ext uri="{91240B29-F687-4f45-9708-019B960494DF}">
-              <a14:hiddenLine xmlns:a14="http://schemas.microsoft.com/office/drawing/2010/main" xmlns="" w="9525">
+              <a14:hiddenLine xmlns="" xmlns:a14="http://schemas.microsoft.com/office/drawing/2010/main" w="9525">
                 <a:solidFill>
                   <a:schemeClr val="tx1"/>
                 </a:solidFill>
@@ -9241,7 +11602,7 @@
               </a14:hiddenLine>
             </a:ext>
             <a:ext uri="{AF507438-7753-43e0-B8FC-AC1667EBCBE1}">
-              <a14:hiddenEffects xmlns:a14="http://schemas.microsoft.com/office/drawing/2010/main" xmlns="">
+              <a14:hiddenEffects xmlns="" xmlns:a14="http://schemas.microsoft.com/office/drawing/2010/main">
                 <a:effectLst>
                   <a:outerShdw dist="35921" dir="2700000" algn="ctr" rotWithShape="0">
                     <a:schemeClr val="bg2"/>
@@ -9416,18 +11777,6 @@
               </a:rPr>
               <a:t>                         </a:t>
             </a:r>
-            <a:r>
-              <a:rPr kumimoji="0" lang="en-US" altLang="en-US" sz="1600" b="0" i="0" u="none" strike="noStrike" cap="none" normalizeH="0" baseline="0" dirty="0">
-                <a:ln>
-                  <a:noFill/>
-                </a:ln>
-                <a:solidFill>
-                  <a:schemeClr val="tx1"/>
-                </a:solidFill>
-                <a:effectLst/>
-              </a:rPr>
-              <a:t/>
-            </a:r>
             <a:br>
               <a:rPr kumimoji="0" lang="en-US" altLang="en-US" sz="1600" b="0" i="0" u="none" strike="noStrike" cap="none" normalizeH="0" baseline="0" dirty="0">
                 <a:ln>
@@ -9560,3812 +11909,10 @@
           </a:p>
         </p:txBody>
       </p:sp>
-      <p:sp>
-        <p:nvSpPr>
-          <p:cNvPr id="6" name="Slide Number Placeholder 5"/>
-          <p:cNvSpPr>
-            <a:spLocks noGrp="1"/>
-          </p:cNvSpPr>
-          <p:nvPr>
-            <p:ph type="sldNum" sz="quarter" idx="12"/>
-          </p:nvPr>
-        </p:nvSpPr>
-        <p:spPr/>
-        <p:txBody>
-          <a:bodyPr/>
-          <a:lstStyle/>
-          <a:p>
-            <a:fld id="{4382A7F7-08BF-4252-8141-63FB96055BBB}" type="slidenum">
-              <a:rPr lang="en-US" smtClean="0"/>
-              <a:t>12</a:t>
-            </a:fld>
-            <a:endParaRPr lang="en-US"/>
-          </a:p>
-        </p:txBody>
-      </p:sp>
     </p:spTree>
     <p:extLst>
       <p:ext uri="{BB962C8B-B14F-4D97-AF65-F5344CB8AC3E}">
         <p14:creationId xmlns:p14="http://schemas.microsoft.com/office/powerpoint/2010/main" val="3189205572"/>
-      </p:ext>
-    </p:extLst>
-  </p:cSld>
-  <p:clrMapOvr>
-    <a:masterClrMapping/>
-  </p:clrMapOvr>
-</p:sld>
-</file>
-
-<file path=ppt/slides/slide2.xml><?xml version="1.0" encoding="utf-8"?>
-<p:sld xmlns:a="http://schemas.openxmlformats.org/drawingml/2006/main" xmlns:r="http://schemas.openxmlformats.org/officeDocument/2006/relationships" xmlns:p="http://schemas.openxmlformats.org/presentationml/2006/main">
-  <p:cSld>
-    <p:spTree>
-      <p:nvGrpSpPr>
-        <p:cNvPr id="1" name=""/>
-        <p:cNvGrpSpPr/>
-        <p:nvPr/>
-      </p:nvGrpSpPr>
-      <p:grpSpPr>
-        <a:xfrm>
-          <a:off x="0" y="0"/>
-          <a:ext cx="0" cy="0"/>
-          <a:chOff x="0" y="0"/>
-          <a:chExt cx="0" cy="0"/>
-        </a:xfrm>
-      </p:grpSpPr>
-      <p:sp>
-        <p:nvSpPr>
-          <p:cNvPr id="2" name="Title 1"/>
-          <p:cNvSpPr>
-            <a:spLocks noGrp="1"/>
-          </p:cNvSpPr>
-          <p:nvPr>
-            <p:ph type="title"/>
-          </p:nvPr>
-        </p:nvSpPr>
-        <p:spPr/>
-        <p:txBody>
-          <a:bodyPr/>
-          <a:lstStyle/>
-          <a:p>
-            <a:r>
-              <a:rPr lang="en-US"/>
-              <a:t>Lesson Objectives</a:t>
-            </a:r>
-            <a:endParaRPr lang="en-US" dirty="0"/>
-          </a:p>
-        </p:txBody>
-      </p:sp>
-      <p:sp>
-        <p:nvSpPr>
-          <p:cNvPr id="3" name="Content Placeholder 2"/>
-          <p:cNvSpPr>
-            <a:spLocks noGrp="1"/>
-          </p:cNvSpPr>
-          <p:nvPr>
-            <p:ph idx="1"/>
-          </p:nvPr>
-        </p:nvSpPr>
-        <p:spPr/>
-        <p:txBody>
-          <a:bodyPr/>
-          <a:lstStyle/>
-          <a:p>
-            <a:pPr marL="457200" indent="-457200">
-              <a:buFont typeface="+mj-lt"/>
-              <a:buAutoNum type="arabicPeriod"/>
-            </a:pPr>
-            <a:r>
-              <a:rPr lang="en-US" dirty="0"/>
-              <a:t>Learn how to make your robot more reliable</a:t>
-            </a:r>
-          </a:p>
-          <a:p>
-            <a:pPr marL="457200" indent="-457200">
-              <a:buFont typeface="+mj-lt"/>
-              <a:buAutoNum type="arabicPeriod"/>
-            </a:pPr>
-            <a:r>
-              <a:rPr lang="en-US" dirty="0"/>
-              <a:t>Learn about common problems you might face</a:t>
-            </a:r>
-          </a:p>
-          <a:p>
-            <a:pPr marL="457200" indent="-457200">
-              <a:buFont typeface="+mj-lt"/>
-              <a:buAutoNum type="arabicPeriod"/>
-            </a:pPr>
-            <a:r>
-              <a:rPr lang="en-US" dirty="0"/>
-              <a:t>Learn some possible solutions</a:t>
-            </a:r>
-          </a:p>
-          <a:p>
-            <a:pPr marL="457200" indent="-457200">
-              <a:buFont typeface="+mj-lt"/>
-              <a:buAutoNum type="arabicPeriod"/>
-            </a:pPr>
-            <a:endParaRPr lang="en-US" dirty="0"/>
-          </a:p>
-          <a:p>
-            <a:pPr marL="457200" indent="-457200">
-              <a:buFont typeface="+mj-lt"/>
-              <a:buAutoNum type="arabicPeriod"/>
-            </a:pPr>
-            <a:endParaRPr lang="en-US" dirty="0"/>
-          </a:p>
-          <a:p>
-            <a:pPr marL="0" indent="0">
-              <a:buNone/>
-            </a:pPr>
-            <a:r>
-              <a:rPr lang="en-US" dirty="0"/>
-              <a:t>Note: This lesson focuses on reliability issues faced by FIRST LEGO League teams. Many concepts are applicable to non-competition situations, but the terminology in the lesson and the main focus is for competition robots.</a:t>
-            </a:r>
-          </a:p>
-        </p:txBody>
-      </p:sp>
-      <p:sp>
-        <p:nvSpPr>
-          <p:cNvPr id="4" name="Footer Placeholder 3"/>
-          <p:cNvSpPr>
-            <a:spLocks noGrp="1"/>
-          </p:cNvSpPr>
-          <p:nvPr>
-            <p:ph type="ftr" sz="quarter" idx="11"/>
-          </p:nvPr>
-        </p:nvSpPr>
-        <p:spPr/>
-        <p:txBody>
-          <a:bodyPr/>
-          <a:lstStyle/>
-          <a:p>
-            <a:r>
-              <a:rPr lang="en-US"/>
-              <a:t>© 2016 EV3Lessons.com, Last edit 7/06/2016</a:t>
-            </a:r>
-          </a:p>
-        </p:txBody>
-      </p:sp>
-      <p:sp>
-        <p:nvSpPr>
-          <p:cNvPr id="5" name="Slide Number Placeholder 4"/>
-          <p:cNvSpPr>
-            <a:spLocks noGrp="1"/>
-          </p:cNvSpPr>
-          <p:nvPr>
-            <p:ph type="sldNum" sz="quarter" idx="12"/>
-          </p:nvPr>
-        </p:nvSpPr>
-        <p:spPr/>
-        <p:txBody>
-          <a:bodyPr/>
-          <a:lstStyle/>
-          <a:p>
-            <a:fld id="{4382A7F7-08BF-4252-8141-63FB96055BBB}" type="slidenum">
-              <a:rPr lang="en-US" smtClean="0"/>
-              <a:t>2</a:t>
-            </a:fld>
-            <a:endParaRPr lang="en-US"/>
-          </a:p>
-        </p:txBody>
-      </p:sp>
-    </p:spTree>
-    <p:extLst>
-      <p:ext uri="{BB962C8B-B14F-4D97-AF65-F5344CB8AC3E}">
-        <p14:creationId xmlns:p14="http://schemas.microsoft.com/office/powerpoint/2010/main" val="1731185385"/>
-      </p:ext>
-    </p:extLst>
-  </p:cSld>
-  <p:clrMapOvr>
-    <a:masterClrMapping/>
-  </p:clrMapOvr>
-</p:sld>
-</file>
-
-<file path=ppt/slides/slide3.xml><?xml version="1.0" encoding="utf-8"?>
-<p:sld xmlns:a="http://schemas.openxmlformats.org/drawingml/2006/main" xmlns:r="http://schemas.openxmlformats.org/officeDocument/2006/relationships" xmlns:p="http://schemas.openxmlformats.org/presentationml/2006/main">
-  <p:cSld>
-    <p:spTree>
-      <p:nvGrpSpPr>
-        <p:cNvPr id="1" name=""/>
-        <p:cNvGrpSpPr/>
-        <p:nvPr/>
-      </p:nvGrpSpPr>
-      <p:grpSpPr>
-        <a:xfrm>
-          <a:off x="0" y="0"/>
-          <a:ext cx="0" cy="0"/>
-          <a:chOff x="0" y="0"/>
-          <a:chExt cx="0" cy="0"/>
-        </a:xfrm>
-      </p:grpSpPr>
-      <p:sp>
-        <p:nvSpPr>
-          <p:cNvPr id="2" name="Title 1"/>
-          <p:cNvSpPr>
-            <a:spLocks noGrp="1"/>
-          </p:cNvSpPr>
-          <p:nvPr>
-            <p:ph type="title"/>
-          </p:nvPr>
-        </p:nvSpPr>
-        <p:spPr/>
-        <p:txBody>
-          <a:bodyPr/>
-          <a:lstStyle/>
-          <a:p>
-            <a:r>
-              <a:rPr lang="en-US"/>
-              <a:t>Sources of Problems</a:t>
-            </a:r>
-            <a:endParaRPr lang="en-US" dirty="0"/>
-          </a:p>
-        </p:txBody>
-      </p:sp>
-      <p:graphicFrame>
-        <p:nvGraphicFramePr>
-          <p:cNvPr id="5" name="Content Placeholder 4"/>
-          <p:cNvGraphicFramePr>
-            <a:graphicFrameLocks noGrp="1"/>
-          </p:cNvGraphicFramePr>
-          <p:nvPr>
-            <p:ph idx="1"/>
-            <p:extLst>
-              <p:ext uri="{D42A27DB-BD31-4B8C-83A1-F6EECF244321}">
-                <p14:modId xmlns:p14="http://schemas.microsoft.com/office/powerpoint/2010/main" val="3390963493"/>
-              </p:ext>
-            </p:extLst>
-          </p:nvPr>
-        </p:nvGraphicFramePr>
-        <p:xfrm>
-          <a:off x="477666" y="1657350"/>
-          <a:ext cx="8191048" cy="3850640"/>
-        </p:xfrm>
-        <a:graphic>
-          <a:graphicData uri="http://schemas.openxmlformats.org/drawingml/2006/table">
-            <a:tbl>
-              <a:tblPr firstRow="1" bandRow="1">
-                <a:tableStyleId>{5C22544A-7EE6-4342-B048-85BDC9FD1C3A}</a:tableStyleId>
-              </a:tblPr>
-              <a:tblGrid>
-                <a:gridCol w="4095524">
-                  <a:extLst>
-                    <a:ext uri="{9D8B030D-6E8A-4147-A177-3AD203B41FA5}">
-                      <a16:colId xmlns:a16="http://schemas.microsoft.com/office/drawing/2014/main" xmlns="" val="20000"/>
-                    </a:ext>
-                  </a:extLst>
-                </a:gridCol>
-                <a:gridCol w="4095524">
-                  <a:extLst>
-                    <a:ext uri="{9D8B030D-6E8A-4147-A177-3AD203B41FA5}">
-                      <a16:colId xmlns:a16="http://schemas.microsoft.com/office/drawing/2014/main" xmlns="" val="20001"/>
-                    </a:ext>
-                  </a:extLst>
-                </a:gridCol>
-              </a:tblGrid>
-              <a:tr h="370840">
-                <a:tc>
-                  <a:txBody>
-                    <a:bodyPr/>
-                    <a:lstStyle/>
-                    <a:p>
-                      <a:pPr algn="ctr"/>
-                      <a:r>
-                        <a:rPr lang="en-US" dirty="0"/>
-                        <a:t>Problem</a:t>
-                      </a:r>
-                    </a:p>
-                  </a:txBody>
-                  <a:tcPr/>
-                </a:tc>
-                <a:tc>
-                  <a:txBody>
-                    <a:bodyPr/>
-                    <a:lstStyle/>
-                    <a:p>
-                      <a:pPr algn="ctr"/>
-                      <a:r>
-                        <a:rPr lang="en-US" dirty="0"/>
-                        <a:t>Impact</a:t>
-                      </a:r>
-                    </a:p>
-                  </a:txBody>
-                  <a:tcPr/>
-                </a:tc>
-                <a:extLst>
-                  <a:ext uri="{0D108BD9-81ED-4DB2-BD59-A6C34878D82A}">
-                    <a16:rowId xmlns:a16="http://schemas.microsoft.com/office/drawing/2014/main" xmlns="" val="10000"/>
-                  </a:ext>
-                </a:extLst>
-              </a:tr>
-              <a:tr h="370840">
-                <a:tc>
-                  <a:txBody>
-                    <a:bodyPr/>
-                    <a:lstStyle/>
-                    <a:p>
-                      <a:r>
-                        <a:rPr lang="en-US" b="0" dirty="0">
-                          <a:solidFill>
-                            <a:schemeClr val="tx1"/>
-                          </a:solidFill>
-                        </a:rPr>
-                        <a:t>Starting</a:t>
-                      </a:r>
-                      <a:r>
-                        <a:rPr lang="en-US" b="0" baseline="0" dirty="0">
-                          <a:solidFill>
-                            <a:schemeClr val="tx1"/>
-                          </a:solidFill>
-                        </a:rPr>
-                        <a:t> alignment</a:t>
-                      </a:r>
-                      <a:r>
-                        <a:rPr lang="en-US" b="0" dirty="0">
-                          <a:solidFill>
-                            <a:schemeClr val="tx1"/>
-                          </a:solidFill>
-                        </a:rPr>
-                        <a:t> varies from run to run</a:t>
-                      </a:r>
-                    </a:p>
-                  </a:txBody>
-                  <a:tcPr/>
-                </a:tc>
-                <a:tc>
-                  <a:txBody>
-                    <a:bodyPr/>
-                    <a:lstStyle/>
-                    <a:p>
-                      <a:pPr marL="0" marR="0" indent="0" algn="l" defTabSz="914400" rtl="0" eaLnBrk="1" fontAlgn="auto" latinLnBrk="0" hangingPunct="1">
-                        <a:lnSpc>
-                          <a:spcPct val="100000"/>
-                        </a:lnSpc>
-                        <a:spcBef>
-                          <a:spcPts val="0"/>
-                        </a:spcBef>
-                        <a:spcAft>
-                          <a:spcPts val="0"/>
-                        </a:spcAft>
-                        <a:buClrTx/>
-                        <a:buSzTx/>
-                        <a:buFontTx/>
-                        <a:buNone/>
-                        <a:tabLst/>
-                        <a:defRPr/>
-                      </a:pPr>
-                      <a:r>
-                        <a:rPr lang="en-US" dirty="0"/>
-                        <a:t>Each run is different</a:t>
-                      </a:r>
-                      <a:r>
-                        <a:rPr lang="en-US" baseline="0" dirty="0"/>
-                        <a:t> and missions sometimes work. </a:t>
-                      </a:r>
-                      <a:endParaRPr lang="en-US" dirty="0"/>
-                    </a:p>
-                  </a:txBody>
-                  <a:tcPr/>
-                </a:tc>
-                <a:extLst>
-                  <a:ext uri="{0D108BD9-81ED-4DB2-BD59-A6C34878D82A}">
-                    <a16:rowId xmlns:a16="http://schemas.microsoft.com/office/drawing/2014/main" xmlns="" val="10001"/>
-                  </a:ext>
-                </a:extLst>
-              </a:tr>
-              <a:tr h="370840">
-                <a:tc>
-                  <a:txBody>
-                    <a:bodyPr/>
-                    <a:lstStyle/>
-                    <a:p>
-                      <a:pPr marL="0" marR="0" indent="0" algn="l" defTabSz="914400" rtl="0" eaLnBrk="1" fontAlgn="auto" latinLnBrk="0" hangingPunct="1">
-                        <a:lnSpc>
-                          <a:spcPct val="100000"/>
-                        </a:lnSpc>
-                        <a:spcBef>
-                          <a:spcPts val="0"/>
-                        </a:spcBef>
-                        <a:spcAft>
-                          <a:spcPts val="0"/>
-                        </a:spcAft>
-                        <a:buClrTx/>
-                        <a:buSzTx/>
-                        <a:buFontTx/>
-                        <a:buNone/>
-                        <a:tabLst/>
-                        <a:defRPr/>
-                      </a:pPr>
-                      <a:r>
-                        <a:rPr lang="en-US" b="0" dirty="0">
-                          <a:solidFill>
-                            <a:schemeClr val="tx1"/>
-                          </a:solidFill>
-                        </a:rPr>
-                        <a:t>Robots don’t travel straight for long or turn exactly the same amount</a:t>
-                      </a:r>
-                    </a:p>
-                  </a:txBody>
-                  <a:tcPr/>
-                </a:tc>
-                <a:tc>
-                  <a:txBody>
-                    <a:bodyPr/>
-                    <a:lstStyle/>
-                    <a:p>
-                      <a:r>
-                        <a:rPr lang="en-US" dirty="0"/>
-                        <a:t>It is hard</a:t>
-                      </a:r>
-                      <a:r>
-                        <a:rPr lang="en-US" baseline="0" dirty="0"/>
-                        <a:t> to predict the robot location exactly.</a:t>
-                      </a:r>
-                      <a:endParaRPr lang="en-US" dirty="0"/>
-                    </a:p>
-                  </a:txBody>
-                  <a:tcPr/>
-                </a:tc>
-                <a:extLst>
-                  <a:ext uri="{0D108BD9-81ED-4DB2-BD59-A6C34878D82A}">
-                    <a16:rowId xmlns:a16="http://schemas.microsoft.com/office/drawing/2014/main" xmlns="" val="10002"/>
-                  </a:ext>
-                </a:extLst>
-              </a:tr>
-              <a:tr h="370840">
-                <a:tc>
-                  <a:txBody>
-                    <a:bodyPr/>
-                    <a:lstStyle/>
-                    <a:p>
-                      <a:r>
-                        <a:rPr lang="en-US" b="0" dirty="0">
-                          <a:solidFill>
-                            <a:schemeClr val="tx1"/>
-                          </a:solidFill>
-                        </a:rPr>
-                        <a:t>Errors accumulate as you travel</a:t>
-                      </a:r>
-                    </a:p>
-                  </a:txBody>
-                  <a:tcPr/>
-                </a:tc>
-                <a:tc>
-                  <a:txBody>
-                    <a:bodyPr/>
-                    <a:lstStyle/>
-                    <a:p>
-                      <a:r>
-                        <a:rPr lang="en-US" dirty="0"/>
-                        <a:t>Long missions tend to fail. It is hard</a:t>
-                      </a:r>
-                      <a:r>
-                        <a:rPr lang="en-US" baseline="0" dirty="0"/>
-                        <a:t> to do missions far from base</a:t>
-                      </a:r>
-                      <a:endParaRPr lang="en-US" dirty="0"/>
-                    </a:p>
-                  </a:txBody>
-                  <a:tcPr/>
-                </a:tc>
-                <a:extLst>
-                  <a:ext uri="{0D108BD9-81ED-4DB2-BD59-A6C34878D82A}">
-                    <a16:rowId xmlns:a16="http://schemas.microsoft.com/office/drawing/2014/main" xmlns="" val="10003"/>
-                  </a:ext>
-                </a:extLst>
-              </a:tr>
-              <a:tr h="370840">
-                <a:tc>
-                  <a:txBody>
-                    <a:bodyPr/>
-                    <a:lstStyle/>
-                    <a:p>
-                      <a:r>
-                        <a:rPr lang="en-US" b="0" dirty="0">
-                          <a:solidFill>
-                            <a:schemeClr val="tx1"/>
-                          </a:solidFill>
-                        </a:rPr>
-                        <a:t>Adjusting</a:t>
-                      </a:r>
-                      <a:r>
-                        <a:rPr lang="en-US" b="0" baseline="0" dirty="0">
-                          <a:solidFill>
-                            <a:schemeClr val="tx1"/>
-                          </a:solidFill>
-                        </a:rPr>
-                        <a:t> motors/attachments in base</a:t>
-                      </a:r>
-                      <a:endParaRPr lang="en-US" b="0" dirty="0">
-                        <a:solidFill>
-                          <a:schemeClr val="tx1"/>
-                        </a:solidFill>
-                      </a:endParaRPr>
-                    </a:p>
-                  </a:txBody>
-                  <a:tcPr/>
-                </a:tc>
-                <a:tc>
-                  <a:txBody>
-                    <a:bodyPr/>
-                    <a:lstStyle/>
-                    <a:p>
-                      <a:pPr marL="0" marR="0" indent="0" algn="l" defTabSz="914400" rtl="0" eaLnBrk="1" fontAlgn="auto" latinLnBrk="0" hangingPunct="1">
-                        <a:lnSpc>
-                          <a:spcPct val="100000"/>
-                        </a:lnSpc>
-                        <a:spcBef>
-                          <a:spcPts val="0"/>
-                        </a:spcBef>
-                        <a:spcAft>
-                          <a:spcPts val="0"/>
-                        </a:spcAft>
-                        <a:buClrTx/>
-                        <a:buSzTx/>
-                        <a:buFontTx/>
-                        <a:buNone/>
-                        <a:tabLst/>
-                        <a:defRPr/>
-                      </a:pPr>
-                      <a:r>
-                        <a:rPr lang="en-US" dirty="0"/>
-                        <a:t>First</a:t>
-                      </a:r>
-                      <a:r>
-                        <a:rPr lang="en-US" baseline="0" dirty="0"/>
-                        <a:t> move out of base may behave differently each time.</a:t>
-                      </a:r>
-                    </a:p>
-                    <a:p>
-                      <a:pPr marL="0" marR="0" indent="0" algn="l" defTabSz="914400" rtl="0" eaLnBrk="1" fontAlgn="auto" latinLnBrk="0" hangingPunct="1">
-                        <a:lnSpc>
-                          <a:spcPct val="100000"/>
-                        </a:lnSpc>
-                        <a:spcBef>
-                          <a:spcPts val="0"/>
-                        </a:spcBef>
-                        <a:spcAft>
-                          <a:spcPts val="0"/>
-                        </a:spcAft>
-                        <a:buClrTx/>
-                        <a:buSzTx/>
-                        <a:buFontTx/>
-                        <a:buNone/>
-                        <a:tabLst/>
-                        <a:defRPr/>
-                      </a:pPr>
-                      <a:r>
-                        <a:rPr lang="en-US" baseline="0" dirty="0"/>
-                        <a:t>Attachments don’t work the same each time</a:t>
-                      </a:r>
-                      <a:endParaRPr lang="en-US" dirty="0"/>
-                    </a:p>
-                  </a:txBody>
-                  <a:tcPr/>
-                </a:tc>
-                <a:extLst>
-                  <a:ext uri="{0D108BD9-81ED-4DB2-BD59-A6C34878D82A}">
-                    <a16:rowId xmlns:a16="http://schemas.microsoft.com/office/drawing/2014/main" xmlns="" val="10004"/>
-                  </a:ext>
-                </a:extLst>
-              </a:tr>
-              <a:tr h="370840">
-                <a:tc>
-                  <a:txBody>
-                    <a:bodyPr/>
-                    <a:lstStyle/>
-                    <a:p>
-                      <a:r>
-                        <a:rPr lang="en-US" b="0" dirty="0">
-                          <a:solidFill>
-                            <a:schemeClr val="tx1"/>
-                          </a:solidFill>
-                        </a:rPr>
-                        <a:t>Battery levels impact motor performance</a:t>
-                      </a:r>
-                    </a:p>
-                  </a:txBody>
-                  <a:tcPr/>
-                </a:tc>
-                <a:tc>
-                  <a:txBody>
-                    <a:bodyPr/>
-                    <a:lstStyle/>
-                    <a:p>
-                      <a:pPr marL="0" marR="0" indent="0" algn="l" defTabSz="914400" rtl="0" eaLnBrk="1" fontAlgn="auto" latinLnBrk="0" hangingPunct="1">
-                        <a:lnSpc>
-                          <a:spcPct val="100000"/>
-                        </a:lnSpc>
-                        <a:spcBef>
-                          <a:spcPts val="0"/>
-                        </a:spcBef>
-                        <a:spcAft>
-                          <a:spcPts val="0"/>
-                        </a:spcAft>
-                        <a:buClrTx/>
-                        <a:buSzTx/>
-                        <a:buFontTx/>
-                        <a:buNone/>
-                        <a:tabLst/>
-                        <a:defRPr/>
-                      </a:pPr>
-                      <a:r>
-                        <a:rPr lang="en-US" dirty="0"/>
-                        <a:t>Tweaks that work today fail</a:t>
-                      </a:r>
-                      <a:r>
-                        <a:rPr lang="en-US" baseline="0" dirty="0"/>
-                        <a:t> tomorrow</a:t>
-                      </a:r>
-                      <a:endParaRPr lang="en-US" dirty="0"/>
-                    </a:p>
-                  </a:txBody>
-                  <a:tcPr/>
-                </a:tc>
-                <a:extLst>
-                  <a:ext uri="{0D108BD9-81ED-4DB2-BD59-A6C34878D82A}">
-                    <a16:rowId xmlns:a16="http://schemas.microsoft.com/office/drawing/2014/main" xmlns="" val="10005"/>
-                  </a:ext>
-                </a:extLst>
-              </a:tr>
-            </a:tbl>
-          </a:graphicData>
-        </a:graphic>
-      </p:graphicFrame>
-      <p:sp>
-        <p:nvSpPr>
-          <p:cNvPr id="4" name="Footer Placeholder 3"/>
-          <p:cNvSpPr>
-            <a:spLocks noGrp="1"/>
-          </p:cNvSpPr>
-          <p:nvPr>
-            <p:ph type="ftr" sz="quarter" idx="11"/>
-          </p:nvPr>
-        </p:nvSpPr>
-        <p:spPr/>
-        <p:txBody>
-          <a:bodyPr/>
-          <a:lstStyle/>
-          <a:p>
-            <a:r>
-              <a:rPr lang="en-US"/>
-              <a:t>© 2016 EV3Lessons.com, Last edit 7/06/2016</a:t>
-            </a:r>
-          </a:p>
-        </p:txBody>
-      </p:sp>
-      <p:sp>
-        <p:nvSpPr>
-          <p:cNvPr id="3" name="Slide Number Placeholder 2"/>
-          <p:cNvSpPr>
-            <a:spLocks noGrp="1"/>
-          </p:cNvSpPr>
-          <p:nvPr>
-            <p:ph type="sldNum" sz="quarter" idx="12"/>
-          </p:nvPr>
-        </p:nvSpPr>
-        <p:spPr/>
-        <p:txBody>
-          <a:bodyPr/>
-          <a:lstStyle/>
-          <a:p>
-            <a:fld id="{4382A7F7-08BF-4252-8141-63FB96055BBB}" type="slidenum">
-              <a:rPr lang="en-US" smtClean="0"/>
-              <a:t>3</a:t>
-            </a:fld>
-            <a:endParaRPr lang="en-US"/>
-          </a:p>
-        </p:txBody>
-      </p:sp>
-    </p:spTree>
-    <p:extLst>
-      <p:ext uri="{BB962C8B-B14F-4D97-AF65-F5344CB8AC3E}">
-        <p14:creationId xmlns:p14="http://schemas.microsoft.com/office/powerpoint/2010/main" val="2313108619"/>
-      </p:ext>
-    </p:extLst>
-  </p:cSld>
-  <p:clrMapOvr>
-    <a:masterClrMapping/>
-  </p:clrMapOvr>
-</p:sld>
-</file>
-
-<file path=ppt/slides/slide4.xml><?xml version="1.0" encoding="utf-8"?>
-<p:sld xmlns:a="http://schemas.openxmlformats.org/drawingml/2006/main" xmlns:r="http://schemas.openxmlformats.org/officeDocument/2006/relationships" xmlns:p="http://schemas.openxmlformats.org/presentationml/2006/main">
-  <p:cSld>
-    <p:spTree>
-      <p:nvGrpSpPr>
-        <p:cNvPr id="1" name=""/>
-        <p:cNvGrpSpPr/>
-        <p:nvPr/>
-      </p:nvGrpSpPr>
-      <p:grpSpPr>
-        <a:xfrm>
-          <a:off x="0" y="0"/>
-          <a:ext cx="0" cy="0"/>
-          <a:chOff x="0" y="0"/>
-          <a:chExt cx="0" cy="0"/>
-        </a:xfrm>
-      </p:grpSpPr>
-      <p:sp>
-        <p:nvSpPr>
-          <p:cNvPr id="2" name="Title 1"/>
-          <p:cNvSpPr>
-            <a:spLocks noGrp="1"/>
-          </p:cNvSpPr>
-          <p:nvPr>
-            <p:ph type="title"/>
-          </p:nvPr>
-        </p:nvSpPr>
-        <p:spPr/>
-        <p:txBody>
-          <a:bodyPr/>
-          <a:lstStyle/>
-          <a:p>
-            <a:r>
-              <a:rPr lang="en-US"/>
-              <a:t>Starting Points in Base are Critical</a:t>
-            </a:r>
-            <a:endParaRPr lang="en-US" dirty="0"/>
-          </a:p>
-        </p:txBody>
-      </p:sp>
-      <p:sp>
-        <p:nvSpPr>
-          <p:cNvPr id="3" name="Content Placeholder 2"/>
-          <p:cNvSpPr>
-            <a:spLocks noGrp="1"/>
-          </p:cNvSpPr>
-          <p:nvPr>
-            <p:ph idx="1"/>
-          </p:nvPr>
-        </p:nvSpPr>
-        <p:spPr>
-          <a:xfrm>
-            <a:off x="227874" y="1505616"/>
-            <a:ext cx="5955475" cy="4654528"/>
-          </a:xfrm>
-        </p:spPr>
-        <p:txBody>
-          <a:bodyPr>
-            <a:normAutofit/>
-          </a:bodyPr>
-          <a:lstStyle/>
-          <a:p>
-            <a:r>
-              <a:rPr lang="en-US" dirty="0"/>
-              <a:t>In FIRST LEGO League, teams need to figure out where to start in base</a:t>
-            </a:r>
-          </a:p>
-          <a:p>
-            <a:pPr lvl="1"/>
-            <a:r>
-              <a:rPr lang="en-US" dirty="0"/>
-              <a:t>Jigs: a LEGO ruler/wall that your robot can align against them in base</a:t>
-            </a:r>
-          </a:p>
-          <a:p>
-            <a:pPr lvl="1"/>
-            <a:r>
-              <a:rPr lang="en-US" dirty="0"/>
-              <a:t>Same start each time: pick one spot and start there no matter what the mission for easy starts</a:t>
-            </a:r>
-          </a:p>
-          <a:p>
-            <a:pPr lvl="1"/>
-            <a:r>
-              <a:rPr lang="en-US" dirty="0"/>
-              <a:t>Inch marks: Use the inch marks to pick a starting spot for each run</a:t>
-            </a:r>
-          </a:p>
-          <a:p>
-            <a:pPr lvl="1"/>
-            <a:r>
-              <a:rPr lang="en-US" dirty="0"/>
-              <a:t>Words: Base has words. If you aren’t near an inch mark, pick a word or letter to start on.	</a:t>
-            </a:r>
-          </a:p>
-          <a:p>
-            <a:r>
-              <a:rPr lang="en-US" dirty="0"/>
-              <a:t>Even better, try to find a way to align the robot using other techniques (see next page)</a:t>
-            </a:r>
-          </a:p>
-        </p:txBody>
-      </p:sp>
-      <p:sp>
-        <p:nvSpPr>
-          <p:cNvPr id="4" name="Footer Placeholder 3"/>
-          <p:cNvSpPr>
-            <a:spLocks noGrp="1"/>
-          </p:cNvSpPr>
-          <p:nvPr>
-            <p:ph type="ftr" sz="quarter" idx="11"/>
-          </p:nvPr>
-        </p:nvSpPr>
-        <p:spPr/>
-        <p:txBody>
-          <a:bodyPr/>
-          <a:lstStyle/>
-          <a:p>
-            <a:r>
-              <a:rPr lang="en-US"/>
-              <a:t>© 2016 EV3Lessons.com, Last edit 7/06/2016</a:t>
-            </a:r>
-          </a:p>
-        </p:txBody>
-      </p:sp>
-      <p:grpSp>
-        <p:nvGrpSpPr>
-          <p:cNvPr id="20" name="Group 19"/>
-          <p:cNvGrpSpPr/>
-          <p:nvPr/>
-        </p:nvGrpSpPr>
-        <p:grpSpPr>
-          <a:xfrm rot="16200000">
-            <a:off x="6769557" y="1615877"/>
-            <a:ext cx="1929324" cy="2080962"/>
-            <a:chOff x="7130258" y="2305921"/>
-            <a:chExt cx="1929324" cy="2080962"/>
-          </a:xfrm>
-        </p:grpSpPr>
-        <p:sp>
-          <p:nvSpPr>
-            <p:cNvPr id="14" name="Rectangle 13"/>
-            <p:cNvSpPr/>
-            <p:nvPr/>
-          </p:nvSpPr>
-          <p:spPr>
-            <a:xfrm>
-              <a:off x="7218332" y="2437400"/>
-              <a:ext cx="1793706" cy="1949482"/>
-            </a:xfrm>
-            <a:prstGeom prst="rect">
-              <a:avLst/>
-            </a:prstGeom>
-            <a:solidFill>
-              <a:srgbClr val="FFFFFF"/>
-            </a:solidFill>
-          </p:spPr>
-          <p:style>
-            <a:lnRef idx="1">
-              <a:schemeClr val="accent1"/>
-            </a:lnRef>
-            <a:fillRef idx="3">
-              <a:schemeClr val="accent1"/>
-            </a:fillRef>
-            <a:effectRef idx="2">
-              <a:schemeClr val="accent1"/>
-            </a:effectRef>
-            <a:fontRef idx="minor">
-              <a:schemeClr val="lt1"/>
-            </a:fontRef>
-          </p:style>
-          <p:txBody>
-            <a:bodyPr rtlCol="0" anchor="ctr"/>
-            <a:lstStyle/>
-            <a:p>
-              <a:pPr algn="ctr"/>
-              <a:endParaRPr lang="en-US"/>
-            </a:p>
-          </p:txBody>
-        </p:sp>
-        <p:sp>
-          <p:nvSpPr>
-            <p:cNvPr id="8" name="Right Triangle 7"/>
-            <p:cNvSpPr/>
-            <p:nvPr/>
-          </p:nvSpPr>
-          <p:spPr>
-            <a:xfrm rot="5400000">
-              <a:off x="7374307" y="2381700"/>
-              <a:ext cx="768731" cy="980312"/>
-            </a:xfrm>
-            <a:prstGeom prst="rtTriangle">
-              <a:avLst/>
-            </a:prstGeom>
-            <a:solidFill>
-              <a:srgbClr val="FFFFFF"/>
-            </a:solidFill>
-            <a:ln w="38100" cmpd="sng">
-              <a:prstDash val="sysDash"/>
-            </a:ln>
-          </p:spPr>
-          <p:style>
-            <a:lnRef idx="1">
-              <a:schemeClr val="accent1"/>
-            </a:lnRef>
-            <a:fillRef idx="3">
-              <a:schemeClr val="accent1"/>
-            </a:fillRef>
-            <a:effectRef idx="2">
-              <a:schemeClr val="accent1"/>
-            </a:effectRef>
-            <a:fontRef idx="minor">
-              <a:schemeClr val="lt1"/>
-            </a:fontRef>
-          </p:style>
-          <p:txBody>
-            <a:bodyPr rtlCol="0" anchor="ctr"/>
-            <a:lstStyle/>
-            <a:p>
-              <a:pPr algn="ctr"/>
-              <a:endParaRPr lang="en-US"/>
-            </a:p>
-          </p:txBody>
-        </p:sp>
-        <p:grpSp>
-          <p:nvGrpSpPr>
-            <p:cNvPr id="9" name="Group 8"/>
-            <p:cNvGrpSpPr/>
-            <p:nvPr/>
-          </p:nvGrpSpPr>
-          <p:grpSpPr>
-            <a:xfrm rot="19027525">
-              <a:off x="7678581" y="2905314"/>
-              <a:ext cx="674712" cy="701814"/>
-              <a:chOff x="7631605" y="3030052"/>
-              <a:chExt cx="674712" cy="701814"/>
-            </a:xfrm>
-          </p:grpSpPr>
-          <p:sp>
-            <p:nvSpPr>
-              <p:cNvPr id="10" name="Rounded Rectangle 9"/>
-              <p:cNvSpPr/>
-              <p:nvPr/>
-            </p:nvSpPr>
-            <p:spPr>
-              <a:xfrm>
-                <a:off x="7765298" y="3030052"/>
-                <a:ext cx="412218" cy="701814"/>
-              </a:xfrm>
-              <a:prstGeom prst="roundRect">
-                <a:avLst/>
-              </a:prstGeom>
-            </p:spPr>
-            <p:style>
-              <a:lnRef idx="2">
-                <a:schemeClr val="accent5">
-                  <a:shade val="50000"/>
-                </a:schemeClr>
-              </a:lnRef>
-              <a:fillRef idx="1">
-                <a:schemeClr val="accent5"/>
-              </a:fillRef>
-              <a:effectRef idx="0">
-                <a:schemeClr val="accent5"/>
-              </a:effectRef>
-              <a:fontRef idx="minor">
-                <a:schemeClr val="lt1"/>
-              </a:fontRef>
-            </p:style>
-            <p:txBody>
-              <a:bodyPr rtlCol="0" anchor="ctr"/>
-              <a:lstStyle/>
-              <a:p>
-                <a:pPr algn="ctr"/>
-                <a:endParaRPr lang="en-US"/>
-              </a:p>
-            </p:txBody>
-          </p:sp>
-          <p:sp>
-            <p:nvSpPr>
-              <p:cNvPr id="11" name="Oval 10"/>
-              <p:cNvSpPr/>
-              <p:nvPr/>
-            </p:nvSpPr>
-            <p:spPr>
-              <a:xfrm>
-                <a:off x="7631605" y="3319690"/>
-                <a:ext cx="111410" cy="412176"/>
-              </a:xfrm>
-              <a:prstGeom prst="ellipse">
-                <a:avLst/>
-              </a:prstGeom>
-            </p:spPr>
-            <p:style>
-              <a:lnRef idx="1">
-                <a:schemeClr val="dk1"/>
-              </a:lnRef>
-              <a:fillRef idx="3">
-                <a:schemeClr val="dk1"/>
-              </a:fillRef>
-              <a:effectRef idx="2">
-                <a:schemeClr val="dk1"/>
-              </a:effectRef>
-              <a:fontRef idx="minor">
-                <a:schemeClr val="lt1"/>
-              </a:fontRef>
-            </p:style>
-            <p:txBody>
-              <a:bodyPr rtlCol="0" anchor="ctr"/>
-              <a:lstStyle/>
-              <a:p>
-                <a:pPr algn="ctr"/>
-                <a:endParaRPr lang="en-US"/>
-              </a:p>
-            </p:txBody>
-          </p:sp>
-          <p:sp>
-            <p:nvSpPr>
-              <p:cNvPr id="12" name="Oval 11"/>
-              <p:cNvSpPr/>
-              <p:nvPr/>
-            </p:nvSpPr>
-            <p:spPr>
-              <a:xfrm>
-                <a:off x="8194907" y="3319690"/>
-                <a:ext cx="111410" cy="412176"/>
-              </a:xfrm>
-              <a:prstGeom prst="ellipse">
-                <a:avLst/>
-              </a:prstGeom>
-            </p:spPr>
-            <p:style>
-              <a:lnRef idx="1">
-                <a:schemeClr val="dk1"/>
-              </a:lnRef>
-              <a:fillRef idx="3">
-                <a:schemeClr val="dk1"/>
-              </a:fillRef>
-              <a:effectRef idx="2">
-                <a:schemeClr val="dk1"/>
-              </a:effectRef>
-              <a:fontRef idx="minor">
-                <a:schemeClr val="lt1"/>
-              </a:fontRef>
-            </p:style>
-            <p:txBody>
-              <a:bodyPr rtlCol="0" anchor="ctr"/>
-              <a:lstStyle/>
-              <a:p>
-                <a:pPr algn="ctr"/>
-                <a:endParaRPr lang="en-US"/>
-              </a:p>
-            </p:txBody>
-          </p:sp>
-        </p:grpSp>
-        <p:sp>
-          <p:nvSpPr>
-            <p:cNvPr id="13" name="TextBox 12"/>
-            <p:cNvSpPr txBox="1"/>
-            <p:nvPr/>
-          </p:nvSpPr>
-          <p:spPr>
-            <a:xfrm>
-              <a:off x="7142665" y="2464606"/>
-              <a:ext cx="913565" cy="276999"/>
-            </a:xfrm>
-            <a:prstGeom prst="rect">
-              <a:avLst/>
-            </a:prstGeom>
-            <a:noFill/>
-          </p:spPr>
-          <p:txBody>
-            <a:bodyPr wrap="square" rtlCol="0">
-              <a:spAutoFit/>
-            </a:bodyPr>
-            <a:lstStyle/>
-            <a:p>
-              <a:pPr algn="ctr"/>
-              <a:r>
-                <a:rPr lang="en-US" sz="1200" dirty="0"/>
-                <a:t>Use a jig</a:t>
-              </a:r>
-            </a:p>
-          </p:txBody>
-        </p:sp>
-        <p:sp>
-          <p:nvSpPr>
-            <p:cNvPr id="15" name="Rectangle 14"/>
-            <p:cNvSpPr/>
-            <p:nvPr/>
-          </p:nvSpPr>
-          <p:spPr>
-            <a:xfrm>
-              <a:off x="7130259" y="2305921"/>
-              <a:ext cx="1929323" cy="132676"/>
-            </a:xfrm>
-            <a:prstGeom prst="rect">
-              <a:avLst/>
-            </a:prstGeom>
-          </p:spPr>
-          <p:style>
-            <a:lnRef idx="1">
-              <a:schemeClr val="dk1"/>
-            </a:lnRef>
-            <a:fillRef idx="2">
-              <a:schemeClr val="dk1"/>
-            </a:fillRef>
-            <a:effectRef idx="1">
-              <a:schemeClr val="dk1"/>
-            </a:effectRef>
-            <a:fontRef idx="minor">
-              <a:schemeClr val="dk1"/>
-            </a:fontRef>
-          </p:style>
-          <p:txBody>
-            <a:bodyPr rtlCol="0" anchor="ctr"/>
-            <a:lstStyle/>
-            <a:p>
-              <a:pPr algn="ctr"/>
-              <a:endParaRPr lang="en-US"/>
-            </a:p>
-          </p:txBody>
-        </p:sp>
-        <p:sp>
-          <p:nvSpPr>
-            <p:cNvPr id="16" name="Rectangle 15"/>
-            <p:cNvSpPr/>
-            <p:nvPr/>
-          </p:nvSpPr>
-          <p:spPr>
-            <a:xfrm rot="5400000">
-              <a:off x="6182844" y="3351395"/>
-              <a:ext cx="1982902" cy="88073"/>
-            </a:xfrm>
-            <a:prstGeom prst="rect">
-              <a:avLst/>
-            </a:prstGeom>
-          </p:spPr>
-          <p:style>
-            <a:lnRef idx="1">
-              <a:schemeClr val="dk1"/>
-            </a:lnRef>
-            <a:fillRef idx="2">
-              <a:schemeClr val="dk1"/>
-            </a:fillRef>
-            <a:effectRef idx="1">
-              <a:schemeClr val="dk1"/>
-            </a:effectRef>
-            <a:fontRef idx="minor">
-              <a:schemeClr val="dk1"/>
-            </a:fontRef>
-          </p:style>
-          <p:txBody>
-            <a:bodyPr rtlCol="0" anchor="ctr"/>
-            <a:lstStyle/>
-            <a:p>
-              <a:pPr algn="ctr"/>
-              <a:endParaRPr lang="en-US"/>
-            </a:p>
-          </p:txBody>
-        </p:sp>
-        <p:cxnSp>
-          <p:nvCxnSpPr>
-            <p:cNvPr id="18" name="Straight Arrow Connector 17"/>
-            <p:cNvCxnSpPr/>
-            <p:nvPr/>
-          </p:nvCxnSpPr>
-          <p:spPr>
-            <a:xfrm>
-              <a:off x="8248829" y="3662395"/>
-              <a:ext cx="617733" cy="593999"/>
-            </a:xfrm>
-            <a:prstGeom prst="straightConnector1">
-              <a:avLst/>
-            </a:prstGeom>
-            <a:ln>
-              <a:tailEnd type="arrow"/>
-            </a:ln>
-          </p:spPr>
-          <p:style>
-            <a:lnRef idx="2">
-              <a:schemeClr val="accent1"/>
-            </a:lnRef>
-            <a:fillRef idx="0">
-              <a:schemeClr val="accent1"/>
-            </a:fillRef>
-            <a:effectRef idx="1">
-              <a:schemeClr val="accent1"/>
-            </a:effectRef>
-            <a:fontRef idx="minor">
-              <a:schemeClr val="tx1"/>
-            </a:fontRef>
-          </p:style>
-        </p:cxnSp>
-      </p:grpSp>
-      <p:sp>
-        <p:nvSpPr>
-          <p:cNvPr id="22" name="Rectangle 21"/>
-          <p:cNvSpPr/>
-          <p:nvPr/>
-        </p:nvSpPr>
-        <p:spPr>
-          <a:xfrm rot="16200000">
-            <a:off x="6953091" y="3969564"/>
-            <a:ext cx="1793706" cy="1949482"/>
-          </a:xfrm>
-          <a:prstGeom prst="rect">
-            <a:avLst/>
-          </a:prstGeom>
-          <a:solidFill>
-            <a:srgbClr val="FFFFFF"/>
-          </a:solidFill>
-        </p:spPr>
-        <p:style>
-          <a:lnRef idx="1">
-            <a:schemeClr val="accent1"/>
-          </a:lnRef>
-          <a:fillRef idx="3">
-            <a:schemeClr val="accent1"/>
-          </a:fillRef>
-          <a:effectRef idx="2">
-            <a:schemeClr val="accent1"/>
-          </a:effectRef>
-          <a:fontRef idx="minor">
-            <a:schemeClr val="lt1"/>
-          </a:fontRef>
-        </p:style>
-        <p:txBody>
-          <a:bodyPr rtlCol="0" anchor="ctr"/>
-          <a:lstStyle/>
-          <a:p>
-            <a:pPr algn="ctr"/>
-            <a:endParaRPr lang="en-US"/>
-          </a:p>
-        </p:txBody>
-      </p:sp>
-      <p:grpSp>
-        <p:nvGrpSpPr>
-          <p:cNvPr id="24" name="Group 23"/>
-          <p:cNvGrpSpPr/>
-          <p:nvPr/>
-        </p:nvGrpSpPr>
-        <p:grpSpPr>
-          <a:xfrm rot="10800000">
-            <a:off x="7667566" y="4107411"/>
-            <a:ext cx="674712" cy="701814"/>
-            <a:chOff x="7631605" y="3030052"/>
-            <a:chExt cx="674712" cy="701814"/>
-          </a:xfrm>
-        </p:grpSpPr>
-        <p:sp>
-          <p:nvSpPr>
-            <p:cNvPr id="29" name="Rounded Rectangle 28"/>
-            <p:cNvSpPr/>
-            <p:nvPr/>
-          </p:nvSpPr>
-          <p:spPr>
-            <a:xfrm>
-              <a:off x="7765298" y="3030052"/>
-              <a:ext cx="412218" cy="701814"/>
-            </a:xfrm>
-            <a:prstGeom prst="roundRect">
-              <a:avLst/>
-            </a:prstGeom>
-          </p:spPr>
-          <p:style>
-            <a:lnRef idx="2">
-              <a:schemeClr val="accent5">
-                <a:shade val="50000"/>
-              </a:schemeClr>
-            </a:lnRef>
-            <a:fillRef idx="1">
-              <a:schemeClr val="accent5"/>
-            </a:fillRef>
-            <a:effectRef idx="0">
-              <a:schemeClr val="accent5"/>
-            </a:effectRef>
-            <a:fontRef idx="minor">
-              <a:schemeClr val="lt1"/>
-            </a:fontRef>
-          </p:style>
-          <p:txBody>
-            <a:bodyPr rtlCol="0" anchor="ctr"/>
-            <a:lstStyle/>
-            <a:p>
-              <a:pPr algn="ctr"/>
-              <a:endParaRPr lang="en-US"/>
-            </a:p>
-          </p:txBody>
-        </p:sp>
-        <p:sp>
-          <p:nvSpPr>
-            <p:cNvPr id="30" name="Oval 29"/>
-            <p:cNvSpPr/>
-            <p:nvPr/>
-          </p:nvSpPr>
-          <p:spPr>
-            <a:xfrm>
-              <a:off x="7631605" y="3319690"/>
-              <a:ext cx="111410" cy="412176"/>
-            </a:xfrm>
-            <a:prstGeom prst="ellipse">
-              <a:avLst/>
-            </a:prstGeom>
-          </p:spPr>
-          <p:style>
-            <a:lnRef idx="1">
-              <a:schemeClr val="dk1"/>
-            </a:lnRef>
-            <a:fillRef idx="3">
-              <a:schemeClr val="dk1"/>
-            </a:fillRef>
-            <a:effectRef idx="2">
-              <a:schemeClr val="dk1"/>
-            </a:effectRef>
-            <a:fontRef idx="minor">
-              <a:schemeClr val="lt1"/>
-            </a:fontRef>
-          </p:style>
-          <p:txBody>
-            <a:bodyPr rtlCol="0" anchor="ctr"/>
-            <a:lstStyle/>
-            <a:p>
-              <a:pPr algn="ctr"/>
-              <a:endParaRPr lang="en-US"/>
-            </a:p>
-          </p:txBody>
-        </p:sp>
-        <p:sp>
-          <p:nvSpPr>
-            <p:cNvPr id="31" name="Oval 30"/>
-            <p:cNvSpPr/>
-            <p:nvPr/>
-          </p:nvSpPr>
-          <p:spPr>
-            <a:xfrm>
-              <a:off x="8194907" y="3319690"/>
-              <a:ext cx="111410" cy="412176"/>
-            </a:xfrm>
-            <a:prstGeom prst="ellipse">
-              <a:avLst/>
-            </a:prstGeom>
-          </p:spPr>
-          <p:style>
-            <a:lnRef idx="1">
-              <a:schemeClr val="dk1"/>
-            </a:lnRef>
-            <a:fillRef idx="3">
-              <a:schemeClr val="dk1"/>
-            </a:fillRef>
-            <a:effectRef idx="2">
-              <a:schemeClr val="dk1"/>
-            </a:effectRef>
-            <a:fontRef idx="minor">
-              <a:schemeClr val="lt1"/>
-            </a:fontRef>
-          </p:style>
-          <p:txBody>
-            <a:bodyPr rtlCol="0" anchor="ctr"/>
-            <a:lstStyle/>
-            <a:p>
-              <a:pPr algn="ctr"/>
-              <a:endParaRPr lang="en-US"/>
-            </a:p>
-          </p:txBody>
-        </p:sp>
-      </p:grpSp>
-      <p:sp>
-        <p:nvSpPr>
-          <p:cNvPr id="25" name="TextBox 24"/>
-          <p:cNvSpPr txBox="1"/>
-          <p:nvPr/>
-        </p:nvSpPr>
-        <p:spPr>
-          <a:xfrm>
-            <a:off x="7798240" y="5472998"/>
-            <a:ext cx="913565" cy="276999"/>
-          </a:xfrm>
-          <a:prstGeom prst="rect">
-            <a:avLst/>
-          </a:prstGeom>
-          <a:noFill/>
-        </p:spPr>
-        <p:txBody>
-          <a:bodyPr wrap="square" rtlCol="0">
-            <a:spAutoFit/>
-          </a:bodyPr>
-          <a:lstStyle/>
-          <a:p>
-            <a:pPr algn="ctr"/>
-            <a:r>
-              <a:rPr lang="en-US" sz="1200" dirty="0"/>
-              <a:t>Use marks</a:t>
-            </a:r>
-          </a:p>
-        </p:txBody>
-      </p:sp>
-      <p:sp>
-        <p:nvSpPr>
-          <p:cNvPr id="26" name="Rectangle 25"/>
-          <p:cNvSpPr/>
-          <p:nvPr/>
-        </p:nvSpPr>
-        <p:spPr>
-          <a:xfrm rot="16200000">
-            <a:off x="5845401" y="4898232"/>
-            <a:ext cx="1929323" cy="132676"/>
-          </a:xfrm>
-          <a:prstGeom prst="rect">
-            <a:avLst/>
-          </a:prstGeom>
-        </p:spPr>
-        <p:style>
-          <a:lnRef idx="1">
-            <a:schemeClr val="dk1"/>
-          </a:lnRef>
-          <a:fillRef idx="2">
-            <a:schemeClr val="dk1"/>
-          </a:fillRef>
-          <a:effectRef idx="1">
-            <a:schemeClr val="dk1"/>
-          </a:effectRef>
-          <a:fontRef idx="minor">
-            <a:schemeClr val="dk1"/>
-          </a:fontRef>
-        </p:style>
-        <p:txBody>
-          <a:bodyPr rtlCol="0" anchor="ctr"/>
-          <a:lstStyle/>
-          <a:p>
-            <a:pPr algn="ctr"/>
-            <a:endParaRPr lang="en-US"/>
-          </a:p>
-        </p:txBody>
-      </p:sp>
-      <p:sp>
-        <p:nvSpPr>
-          <p:cNvPr id="27" name="Rectangle 26"/>
-          <p:cNvSpPr/>
-          <p:nvPr/>
-        </p:nvSpPr>
-        <p:spPr>
-          <a:xfrm>
-            <a:off x="6841784" y="5841158"/>
-            <a:ext cx="1982902" cy="88073"/>
-          </a:xfrm>
-          <a:prstGeom prst="rect">
-            <a:avLst/>
-          </a:prstGeom>
-        </p:spPr>
-        <p:style>
-          <a:lnRef idx="1">
-            <a:schemeClr val="dk1"/>
-          </a:lnRef>
-          <a:fillRef idx="2">
-            <a:schemeClr val="dk1"/>
-          </a:fillRef>
-          <a:effectRef idx="1">
-            <a:schemeClr val="dk1"/>
-          </a:effectRef>
-          <a:fontRef idx="minor">
-            <a:schemeClr val="dk1"/>
-          </a:fontRef>
-        </p:style>
-        <p:txBody>
-          <a:bodyPr rtlCol="0" anchor="ctr"/>
-          <a:lstStyle/>
-          <a:p>
-            <a:pPr algn="ctr"/>
-            <a:endParaRPr lang="en-US"/>
-          </a:p>
-        </p:txBody>
-      </p:sp>
-      <p:cxnSp>
-        <p:nvCxnSpPr>
-          <p:cNvPr id="35" name="Straight Connector 34"/>
-          <p:cNvCxnSpPr/>
-          <p:nvPr/>
-        </p:nvCxnSpPr>
-        <p:spPr>
-          <a:xfrm>
-            <a:off x="7053945" y="4047451"/>
-            <a:ext cx="0" cy="121070"/>
-          </a:xfrm>
-          <a:prstGeom prst="line">
-            <a:avLst/>
-          </a:prstGeom>
-        </p:spPr>
-        <p:style>
-          <a:lnRef idx="2">
-            <a:schemeClr val="accent1"/>
-          </a:lnRef>
-          <a:fillRef idx="0">
-            <a:schemeClr val="accent1"/>
-          </a:fillRef>
-          <a:effectRef idx="1">
-            <a:schemeClr val="accent1"/>
-          </a:effectRef>
-          <a:fontRef idx="minor">
-            <a:schemeClr val="tx1"/>
-          </a:fontRef>
-        </p:style>
-      </p:cxnSp>
-      <p:cxnSp>
-        <p:nvCxnSpPr>
-          <p:cNvPr id="45" name="Straight Connector 44"/>
-          <p:cNvCxnSpPr/>
-          <p:nvPr/>
-        </p:nvCxnSpPr>
-        <p:spPr>
-          <a:xfrm>
-            <a:off x="7217486" y="4055031"/>
-            <a:ext cx="0" cy="121070"/>
-          </a:xfrm>
-          <a:prstGeom prst="line">
-            <a:avLst/>
-          </a:prstGeom>
-        </p:spPr>
-        <p:style>
-          <a:lnRef idx="2">
-            <a:schemeClr val="accent1"/>
-          </a:lnRef>
-          <a:fillRef idx="0">
-            <a:schemeClr val="accent1"/>
-          </a:fillRef>
-          <a:effectRef idx="1">
-            <a:schemeClr val="accent1"/>
-          </a:effectRef>
-          <a:fontRef idx="minor">
-            <a:schemeClr val="tx1"/>
-          </a:fontRef>
-        </p:style>
-      </p:cxnSp>
-      <p:cxnSp>
-        <p:nvCxnSpPr>
-          <p:cNvPr id="46" name="Straight Connector 45"/>
-          <p:cNvCxnSpPr/>
-          <p:nvPr/>
-        </p:nvCxnSpPr>
-        <p:spPr>
-          <a:xfrm>
-            <a:off x="7369886" y="4040331"/>
-            <a:ext cx="0" cy="121070"/>
-          </a:xfrm>
-          <a:prstGeom prst="line">
-            <a:avLst/>
-          </a:prstGeom>
-        </p:spPr>
-        <p:style>
-          <a:lnRef idx="2">
-            <a:schemeClr val="accent1"/>
-          </a:lnRef>
-          <a:fillRef idx="0">
-            <a:schemeClr val="accent1"/>
-          </a:fillRef>
-          <a:effectRef idx="1">
-            <a:schemeClr val="accent1"/>
-          </a:effectRef>
-          <a:fontRef idx="minor">
-            <a:schemeClr val="tx1"/>
-          </a:fontRef>
-        </p:style>
-      </p:cxnSp>
-      <p:cxnSp>
-        <p:nvCxnSpPr>
-          <p:cNvPr id="47" name="Straight Connector 46"/>
-          <p:cNvCxnSpPr/>
-          <p:nvPr/>
-        </p:nvCxnSpPr>
-        <p:spPr>
-          <a:xfrm>
-            <a:off x="7529434" y="4055031"/>
-            <a:ext cx="0" cy="121070"/>
-          </a:xfrm>
-          <a:prstGeom prst="line">
-            <a:avLst/>
-          </a:prstGeom>
-        </p:spPr>
-        <p:style>
-          <a:lnRef idx="2">
-            <a:schemeClr val="accent1"/>
-          </a:lnRef>
-          <a:fillRef idx="0">
-            <a:schemeClr val="accent1"/>
-          </a:fillRef>
-          <a:effectRef idx="1">
-            <a:schemeClr val="accent1"/>
-          </a:effectRef>
-          <a:fontRef idx="minor">
-            <a:schemeClr val="tx1"/>
-          </a:fontRef>
-        </p:style>
-      </p:cxnSp>
-      <p:cxnSp>
-        <p:nvCxnSpPr>
-          <p:cNvPr id="48" name="Straight Connector 47"/>
-          <p:cNvCxnSpPr/>
-          <p:nvPr/>
-        </p:nvCxnSpPr>
-        <p:spPr>
-          <a:xfrm>
-            <a:off x="7692975" y="4062611"/>
-            <a:ext cx="0" cy="121070"/>
-          </a:xfrm>
-          <a:prstGeom prst="line">
-            <a:avLst/>
-          </a:prstGeom>
-        </p:spPr>
-        <p:style>
-          <a:lnRef idx="2">
-            <a:schemeClr val="accent1"/>
-          </a:lnRef>
-          <a:fillRef idx="0">
-            <a:schemeClr val="accent1"/>
-          </a:fillRef>
-          <a:effectRef idx="1">
-            <a:schemeClr val="accent1"/>
-          </a:effectRef>
-          <a:fontRef idx="minor">
-            <a:schemeClr val="tx1"/>
-          </a:fontRef>
-        </p:style>
-      </p:cxnSp>
-      <p:cxnSp>
-        <p:nvCxnSpPr>
-          <p:cNvPr id="49" name="Straight Connector 48"/>
-          <p:cNvCxnSpPr/>
-          <p:nvPr/>
-        </p:nvCxnSpPr>
-        <p:spPr>
-          <a:xfrm>
-            <a:off x="7845375" y="4047911"/>
-            <a:ext cx="0" cy="121070"/>
-          </a:xfrm>
-          <a:prstGeom prst="line">
-            <a:avLst/>
-          </a:prstGeom>
-        </p:spPr>
-        <p:style>
-          <a:lnRef idx="2">
-            <a:schemeClr val="accent1"/>
-          </a:lnRef>
-          <a:fillRef idx="0">
-            <a:schemeClr val="accent1"/>
-          </a:fillRef>
-          <a:effectRef idx="1">
-            <a:schemeClr val="accent1"/>
-          </a:effectRef>
-          <a:fontRef idx="minor">
-            <a:schemeClr val="tx1"/>
-          </a:fontRef>
-        </p:style>
-      </p:cxnSp>
-      <p:cxnSp>
-        <p:nvCxnSpPr>
-          <p:cNvPr id="50" name="Straight Connector 49"/>
-          <p:cNvCxnSpPr/>
-          <p:nvPr/>
-        </p:nvCxnSpPr>
-        <p:spPr>
-          <a:xfrm>
-            <a:off x="8004923" y="4062611"/>
-            <a:ext cx="0" cy="121070"/>
-          </a:xfrm>
-          <a:prstGeom prst="line">
-            <a:avLst/>
-          </a:prstGeom>
-        </p:spPr>
-        <p:style>
-          <a:lnRef idx="2">
-            <a:schemeClr val="accent1"/>
-          </a:lnRef>
-          <a:fillRef idx="0">
-            <a:schemeClr val="accent1"/>
-          </a:fillRef>
-          <a:effectRef idx="1">
-            <a:schemeClr val="accent1"/>
-          </a:effectRef>
-          <a:fontRef idx="minor">
-            <a:schemeClr val="tx1"/>
-          </a:fontRef>
-        </p:style>
-      </p:cxnSp>
-      <p:cxnSp>
-        <p:nvCxnSpPr>
-          <p:cNvPr id="51" name="Straight Connector 50"/>
-          <p:cNvCxnSpPr/>
-          <p:nvPr/>
-        </p:nvCxnSpPr>
-        <p:spPr>
-          <a:xfrm>
-            <a:off x="8168464" y="4070191"/>
-            <a:ext cx="0" cy="121070"/>
-          </a:xfrm>
-          <a:prstGeom prst="line">
-            <a:avLst/>
-          </a:prstGeom>
-        </p:spPr>
-        <p:style>
-          <a:lnRef idx="2">
-            <a:schemeClr val="accent1"/>
-          </a:lnRef>
-          <a:fillRef idx="0">
-            <a:schemeClr val="accent1"/>
-          </a:fillRef>
-          <a:effectRef idx="1">
-            <a:schemeClr val="accent1"/>
-          </a:effectRef>
-          <a:fontRef idx="minor">
-            <a:schemeClr val="tx1"/>
-          </a:fontRef>
-        </p:style>
-      </p:cxnSp>
-      <p:cxnSp>
-        <p:nvCxnSpPr>
-          <p:cNvPr id="52" name="Straight Connector 51"/>
-          <p:cNvCxnSpPr/>
-          <p:nvPr/>
-        </p:nvCxnSpPr>
-        <p:spPr>
-          <a:xfrm>
-            <a:off x="8320864" y="4055491"/>
-            <a:ext cx="0" cy="121070"/>
-          </a:xfrm>
-          <a:prstGeom prst="line">
-            <a:avLst/>
-          </a:prstGeom>
-        </p:spPr>
-        <p:style>
-          <a:lnRef idx="2">
-            <a:schemeClr val="accent1"/>
-          </a:lnRef>
-          <a:fillRef idx="0">
-            <a:schemeClr val="accent1"/>
-          </a:fillRef>
-          <a:effectRef idx="1">
-            <a:schemeClr val="accent1"/>
-          </a:effectRef>
-          <a:fontRef idx="minor">
-            <a:schemeClr val="tx1"/>
-          </a:fontRef>
-        </p:style>
-      </p:cxnSp>
-      <p:cxnSp>
-        <p:nvCxnSpPr>
-          <p:cNvPr id="53" name="Straight Connector 52"/>
-          <p:cNvCxnSpPr/>
-          <p:nvPr/>
-        </p:nvCxnSpPr>
-        <p:spPr>
-          <a:xfrm flipV="1">
-            <a:off x="6381742" y="1505616"/>
-            <a:ext cx="11141" cy="4745597"/>
-          </a:xfrm>
-          <a:prstGeom prst="line">
-            <a:avLst/>
-          </a:prstGeom>
-        </p:spPr>
-        <p:style>
-          <a:lnRef idx="2">
-            <a:schemeClr val="accent1"/>
-          </a:lnRef>
-          <a:fillRef idx="0">
-            <a:schemeClr val="accent1"/>
-          </a:fillRef>
-          <a:effectRef idx="1">
-            <a:schemeClr val="accent1"/>
-          </a:effectRef>
-          <a:fontRef idx="minor">
-            <a:schemeClr val="tx1"/>
-          </a:fontRef>
-        </p:style>
-      </p:cxnSp>
-      <p:sp>
-        <p:nvSpPr>
-          <p:cNvPr id="5" name="Slide Number Placeholder 4"/>
-          <p:cNvSpPr>
-            <a:spLocks noGrp="1"/>
-          </p:cNvSpPr>
-          <p:nvPr>
-            <p:ph type="sldNum" sz="quarter" idx="12"/>
-          </p:nvPr>
-        </p:nvSpPr>
-        <p:spPr/>
-        <p:txBody>
-          <a:bodyPr/>
-          <a:lstStyle/>
-          <a:p>
-            <a:fld id="{4382A7F7-08BF-4252-8141-63FB96055BBB}" type="slidenum">
-              <a:rPr lang="en-US" smtClean="0"/>
-              <a:t>4</a:t>
-            </a:fld>
-            <a:endParaRPr lang="en-US"/>
-          </a:p>
-        </p:txBody>
-      </p:sp>
-    </p:spTree>
-    <p:extLst>
-      <p:ext uri="{BB962C8B-B14F-4D97-AF65-F5344CB8AC3E}">
-        <p14:creationId xmlns:p14="http://schemas.microsoft.com/office/powerpoint/2010/main" val="653665381"/>
-      </p:ext>
-    </p:extLst>
-  </p:cSld>
-  <p:clrMapOvr>
-    <a:masterClrMapping/>
-  </p:clrMapOvr>
-</p:sld>
-</file>
-
-<file path=ppt/slides/slide5.xml><?xml version="1.0" encoding="utf-8"?>
-<p:sld xmlns:a="http://schemas.openxmlformats.org/drawingml/2006/main" xmlns:r="http://schemas.openxmlformats.org/officeDocument/2006/relationships" xmlns:p="http://schemas.openxmlformats.org/presentationml/2006/main">
-  <p:cSld>
-    <p:spTree>
-      <p:nvGrpSpPr>
-        <p:cNvPr id="1" name=""/>
-        <p:cNvGrpSpPr/>
-        <p:nvPr/>
-      </p:nvGrpSpPr>
-      <p:grpSpPr>
-        <a:xfrm>
-          <a:off x="0" y="0"/>
-          <a:ext cx="0" cy="0"/>
-          <a:chOff x="0" y="0"/>
-          <a:chExt cx="0" cy="0"/>
-        </a:xfrm>
-      </p:grpSpPr>
-      <p:sp>
-        <p:nvSpPr>
-          <p:cNvPr id="2" name="Title 1"/>
-          <p:cNvSpPr>
-            <a:spLocks noGrp="1"/>
-          </p:cNvSpPr>
-          <p:nvPr>
-            <p:ph type="title"/>
-          </p:nvPr>
-        </p:nvSpPr>
-        <p:spPr/>
-        <p:txBody>
-          <a:bodyPr>
-            <a:normAutofit/>
-          </a:bodyPr>
-          <a:lstStyle/>
-          <a:p>
-            <a:r>
-              <a:rPr lang="en-US" dirty="0"/>
-              <a:t>Errors Accumulate Over Time</a:t>
-            </a:r>
-          </a:p>
-        </p:txBody>
-      </p:sp>
-      <p:sp>
-        <p:nvSpPr>
-          <p:cNvPr id="3" name="Content Placeholder 2"/>
-          <p:cNvSpPr>
-            <a:spLocks noGrp="1"/>
-          </p:cNvSpPr>
-          <p:nvPr>
-            <p:ph idx="1"/>
-          </p:nvPr>
-        </p:nvSpPr>
-        <p:spPr/>
-        <p:txBody>
-          <a:bodyPr/>
-          <a:lstStyle/>
-          <a:p>
-            <a:r>
-              <a:rPr lang="en-US"/>
-              <a:t>By the time you get to the far side of the table, you are no longer in the right position</a:t>
-            </a:r>
-          </a:p>
-          <a:p>
-            <a:r>
-              <a:rPr lang="en-US"/>
-              <a:t>Solution: Repeat alignment techniques multiple times in a run for better reliability (see next slide)</a:t>
-            </a:r>
-          </a:p>
-          <a:p>
-            <a:endParaRPr lang="en-US" dirty="0"/>
-          </a:p>
-        </p:txBody>
-      </p:sp>
-      <p:sp>
-        <p:nvSpPr>
-          <p:cNvPr id="4" name="Footer Placeholder 3"/>
-          <p:cNvSpPr>
-            <a:spLocks noGrp="1"/>
-          </p:cNvSpPr>
-          <p:nvPr>
-            <p:ph type="ftr" sz="quarter" idx="11"/>
-          </p:nvPr>
-        </p:nvSpPr>
-        <p:spPr/>
-        <p:txBody>
-          <a:bodyPr/>
-          <a:lstStyle/>
-          <a:p>
-            <a:r>
-              <a:rPr lang="en-US"/>
-              <a:t>© 2016 EV3Lessons.com, Last edit 7/06/2016</a:t>
-            </a:r>
-          </a:p>
-        </p:txBody>
-      </p:sp>
-      <p:grpSp>
-        <p:nvGrpSpPr>
-          <p:cNvPr id="5" name="Group 4"/>
-          <p:cNvGrpSpPr/>
-          <p:nvPr/>
-        </p:nvGrpSpPr>
-        <p:grpSpPr>
-          <a:xfrm rot="5136764">
-            <a:off x="791013" y="3734291"/>
-            <a:ext cx="674712" cy="701814"/>
-            <a:chOff x="7631605" y="3030052"/>
-            <a:chExt cx="674712" cy="701814"/>
-          </a:xfrm>
-        </p:grpSpPr>
-        <p:sp>
-          <p:nvSpPr>
-            <p:cNvPr id="6" name="Rounded Rectangle 5"/>
-            <p:cNvSpPr/>
-            <p:nvPr/>
-          </p:nvSpPr>
-          <p:spPr>
-            <a:xfrm>
-              <a:off x="7765298" y="3030052"/>
-              <a:ext cx="412218" cy="701814"/>
-            </a:xfrm>
-            <a:prstGeom prst="roundRect">
-              <a:avLst/>
-            </a:prstGeom>
-          </p:spPr>
-          <p:style>
-            <a:lnRef idx="2">
-              <a:schemeClr val="accent5">
-                <a:shade val="50000"/>
-              </a:schemeClr>
-            </a:lnRef>
-            <a:fillRef idx="1">
-              <a:schemeClr val="accent5"/>
-            </a:fillRef>
-            <a:effectRef idx="0">
-              <a:schemeClr val="accent5"/>
-            </a:effectRef>
-            <a:fontRef idx="minor">
-              <a:schemeClr val="lt1"/>
-            </a:fontRef>
-          </p:style>
-          <p:txBody>
-            <a:bodyPr rtlCol="0" anchor="ctr"/>
-            <a:lstStyle/>
-            <a:p>
-              <a:pPr algn="ctr"/>
-              <a:endParaRPr lang="en-US"/>
-            </a:p>
-          </p:txBody>
-        </p:sp>
-        <p:sp>
-          <p:nvSpPr>
-            <p:cNvPr id="7" name="Oval 6"/>
-            <p:cNvSpPr/>
-            <p:nvPr/>
-          </p:nvSpPr>
-          <p:spPr>
-            <a:xfrm>
-              <a:off x="7631605" y="3319690"/>
-              <a:ext cx="111410" cy="412176"/>
-            </a:xfrm>
-            <a:prstGeom prst="ellipse">
-              <a:avLst/>
-            </a:prstGeom>
-          </p:spPr>
-          <p:style>
-            <a:lnRef idx="1">
-              <a:schemeClr val="dk1"/>
-            </a:lnRef>
-            <a:fillRef idx="3">
-              <a:schemeClr val="dk1"/>
-            </a:fillRef>
-            <a:effectRef idx="2">
-              <a:schemeClr val="dk1"/>
-            </a:effectRef>
-            <a:fontRef idx="minor">
-              <a:schemeClr val="lt1"/>
-            </a:fontRef>
-          </p:style>
-          <p:txBody>
-            <a:bodyPr rtlCol="0" anchor="ctr"/>
-            <a:lstStyle/>
-            <a:p>
-              <a:pPr algn="ctr"/>
-              <a:endParaRPr lang="en-US"/>
-            </a:p>
-          </p:txBody>
-        </p:sp>
-        <p:sp>
-          <p:nvSpPr>
-            <p:cNvPr id="8" name="Oval 7"/>
-            <p:cNvSpPr/>
-            <p:nvPr/>
-          </p:nvSpPr>
-          <p:spPr>
-            <a:xfrm>
-              <a:off x="8194907" y="3319690"/>
-              <a:ext cx="111410" cy="412176"/>
-            </a:xfrm>
-            <a:prstGeom prst="ellipse">
-              <a:avLst/>
-            </a:prstGeom>
-          </p:spPr>
-          <p:style>
-            <a:lnRef idx="1">
-              <a:schemeClr val="dk1"/>
-            </a:lnRef>
-            <a:fillRef idx="3">
-              <a:schemeClr val="dk1"/>
-            </a:fillRef>
-            <a:effectRef idx="2">
-              <a:schemeClr val="dk1"/>
-            </a:effectRef>
-            <a:fontRef idx="minor">
-              <a:schemeClr val="lt1"/>
-            </a:fontRef>
-          </p:style>
-          <p:txBody>
-            <a:bodyPr rtlCol="0" anchor="ctr"/>
-            <a:lstStyle/>
-            <a:p>
-              <a:pPr algn="ctr"/>
-              <a:endParaRPr lang="en-US"/>
-            </a:p>
-          </p:txBody>
-        </p:sp>
-      </p:grpSp>
-      <p:cxnSp>
-        <p:nvCxnSpPr>
-          <p:cNvPr id="10" name="Straight Connector 9"/>
-          <p:cNvCxnSpPr>
-            <a:stCxn id="6" idx="2"/>
-          </p:cNvCxnSpPr>
-          <p:nvPr/>
-        </p:nvCxnSpPr>
-        <p:spPr>
-          <a:xfrm flipV="1">
-            <a:off x="778677" y="3553628"/>
-            <a:ext cx="6351582" cy="560852"/>
-          </a:xfrm>
-          <a:prstGeom prst="line">
-            <a:avLst/>
-          </a:prstGeom>
-        </p:spPr>
-        <p:style>
-          <a:lnRef idx="2">
-            <a:schemeClr val="accent1"/>
-          </a:lnRef>
-          <a:fillRef idx="0">
-            <a:schemeClr val="accent1"/>
-          </a:fillRef>
-          <a:effectRef idx="1">
-            <a:schemeClr val="accent1"/>
-          </a:effectRef>
-          <a:fontRef idx="minor">
-            <a:schemeClr val="tx1"/>
-          </a:fontRef>
-        </p:style>
-      </p:cxnSp>
-      <p:sp>
-        <p:nvSpPr>
-          <p:cNvPr id="11" name="Rectangle 10"/>
-          <p:cNvSpPr/>
-          <p:nvPr/>
-        </p:nvSpPr>
-        <p:spPr>
-          <a:xfrm>
-            <a:off x="2016404" y="3744144"/>
-            <a:ext cx="1187198" cy="637693"/>
-          </a:xfrm>
-          <a:prstGeom prst="rect">
-            <a:avLst/>
-          </a:prstGeom>
-          <a:solidFill>
-            <a:schemeClr val="accent1"/>
-          </a:solidFill>
-        </p:spPr>
-        <p:style>
-          <a:lnRef idx="1">
-            <a:schemeClr val="accent4"/>
-          </a:lnRef>
-          <a:fillRef idx="3">
-            <a:schemeClr val="accent4"/>
-          </a:fillRef>
-          <a:effectRef idx="2">
-            <a:schemeClr val="accent4"/>
-          </a:effectRef>
-          <a:fontRef idx="minor">
-            <a:schemeClr val="lt1"/>
-          </a:fontRef>
-        </p:style>
-        <p:txBody>
-          <a:bodyPr rtlCol="0" anchor="ctr"/>
-          <a:lstStyle/>
-          <a:p>
-            <a:pPr algn="ctr"/>
-            <a:r>
-              <a:rPr lang="en-US" dirty="0"/>
-              <a:t>Mission Model 1</a:t>
-            </a:r>
-          </a:p>
-        </p:txBody>
-      </p:sp>
-      <p:grpSp>
-        <p:nvGrpSpPr>
-          <p:cNvPr id="13" name="Group 12"/>
-          <p:cNvGrpSpPr/>
-          <p:nvPr/>
-        </p:nvGrpSpPr>
-        <p:grpSpPr>
-          <a:xfrm rot="5136764">
-            <a:off x="834104" y="4726338"/>
-            <a:ext cx="674712" cy="701814"/>
-            <a:chOff x="7631605" y="3030052"/>
-            <a:chExt cx="674712" cy="701814"/>
-          </a:xfrm>
-        </p:grpSpPr>
-        <p:sp>
-          <p:nvSpPr>
-            <p:cNvPr id="14" name="Rounded Rectangle 13"/>
-            <p:cNvSpPr/>
-            <p:nvPr/>
-          </p:nvSpPr>
-          <p:spPr>
-            <a:xfrm>
-              <a:off x="7765298" y="3030052"/>
-              <a:ext cx="412218" cy="701814"/>
-            </a:xfrm>
-            <a:prstGeom prst="roundRect">
-              <a:avLst/>
-            </a:prstGeom>
-          </p:spPr>
-          <p:style>
-            <a:lnRef idx="2">
-              <a:schemeClr val="accent5">
-                <a:shade val="50000"/>
-              </a:schemeClr>
-            </a:lnRef>
-            <a:fillRef idx="1">
-              <a:schemeClr val="accent5"/>
-            </a:fillRef>
-            <a:effectRef idx="0">
-              <a:schemeClr val="accent5"/>
-            </a:effectRef>
-            <a:fontRef idx="minor">
-              <a:schemeClr val="lt1"/>
-            </a:fontRef>
-          </p:style>
-          <p:txBody>
-            <a:bodyPr rtlCol="0" anchor="ctr"/>
-            <a:lstStyle/>
-            <a:p>
-              <a:pPr algn="ctr"/>
-              <a:endParaRPr lang="en-US"/>
-            </a:p>
-          </p:txBody>
-        </p:sp>
-        <p:sp>
-          <p:nvSpPr>
-            <p:cNvPr id="15" name="Oval 14"/>
-            <p:cNvSpPr/>
-            <p:nvPr/>
-          </p:nvSpPr>
-          <p:spPr>
-            <a:xfrm>
-              <a:off x="7631605" y="3319690"/>
-              <a:ext cx="111410" cy="412176"/>
-            </a:xfrm>
-            <a:prstGeom prst="ellipse">
-              <a:avLst/>
-            </a:prstGeom>
-          </p:spPr>
-          <p:style>
-            <a:lnRef idx="1">
-              <a:schemeClr val="dk1"/>
-            </a:lnRef>
-            <a:fillRef idx="3">
-              <a:schemeClr val="dk1"/>
-            </a:fillRef>
-            <a:effectRef idx="2">
-              <a:schemeClr val="dk1"/>
-            </a:effectRef>
-            <a:fontRef idx="minor">
-              <a:schemeClr val="lt1"/>
-            </a:fontRef>
-          </p:style>
-          <p:txBody>
-            <a:bodyPr rtlCol="0" anchor="ctr"/>
-            <a:lstStyle/>
-            <a:p>
-              <a:pPr algn="ctr"/>
-              <a:endParaRPr lang="en-US"/>
-            </a:p>
-          </p:txBody>
-        </p:sp>
-        <p:sp>
-          <p:nvSpPr>
-            <p:cNvPr id="16" name="Oval 15"/>
-            <p:cNvSpPr/>
-            <p:nvPr/>
-          </p:nvSpPr>
-          <p:spPr>
-            <a:xfrm>
-              <a:off x="8194907" y="3319690"/>
-              <a:ext cx="111410" cy="412176"/>
-            </a:xfrm>
-            <a:prstGeom prst="ellipse">
-              <a:avLst/>
-            </a:prstGeom>
-          </p:spPr>
-          <p:style>
-            <a:lnRef idx="1">
-              <a:schemeClr val="dk1"/>
-            </a:lnRef>
-            <a:fillRef idx="3">
-              <a:schemeClr val="dk1"/>
-            </a:fillRef>
-            <a:effectRef idx="2">
-              <a:schemeClr val="dk1"/>
-            </a:effectRef>
-            <a:fontRef idx="minor">
-              <a:schemeClr val="lt1"/>
-            </a:fontRef>
-          </p:style>
-          <p:txBody>
-            <a:bodyPr rtlCol="0" anchor="ctr"/>
-            <a:lstStyle/>
-            <a:p>
-              <a:pPr algn="ctr"/>
-              <a:endParaRPr lang="en-US"/>
-            </a:p>
-          </p:txBody>
-        </p:sp>
-      </p:grpSp>
-      <p:cxnSp>
-        <p:nvCxnSpPr>
-          <p:cNvPr id="17" name="Straight Connector 16"/>
-          <p:cNvCxnSpPr>
-            <a:stCxn id="14" idx="2"/>
-          </p:cNvCxnSpPr>
-          <p:nvPr/>
-        </p:nvCxnSpPr>
-        <p:spPr>
-          <a:xfrm flipV="1">
-            <a:off x="821768" y="4545675"/>
-            <a:ext cx="6351582" cy="560852"/>
-          </a:xfrm>
-          <a:prstGeom prst="line">
-            <a:avLst/>
-          </a:prstGeom>
-        </p:spPr>
-        <p:style>
-          <a:lnRef idx="2">
-            <a:schemeClr val="accent1"/>
-          </a:lnRef>
-          <a:fillRef idx="0">
-            <a:schemeClr val="accent1"/>
-          </a:fillRef>
-          <a:effectRef idx="1">
-            <a:schemeClr val="accent1"/>
-          </a:effectRef>
-          <a:fontRef idx="minor">
-            <a:schemeClr val="tx1"/>
-          </a:fontRef>
-        </p:style>
-      </p:cxnSp>
-      <p:sp>
-        <p:nvSpPr>
-          <p:cNvPr id="19" name="Rectangle 18"/>
-          <p:cNvSpPr/>
-          <p:nvPr/>
-        </p:nvSpPr>
-        <p:spPr>
-          <a:xfrm>
-            <a:off x="5821469" y="4736191"/>
-            <a:ext cx="1187198" cy="637693"/>
-          </a:xfrm>
-          <a:prstGeom prst="rect">
-            <a:avLst/>
-          </a:prstGeom>
-          <a:solidFill>
-            <a:schemeClr val="accent1"/>
-          </a:solidFill>
-        </p:spPr>
-        <p:style>
-          <a:lnRef idx="1">
-            <a:schemeClr val="accent4"/>
-          </a:lnRef>
-          <a:fillRef idx="3">
-            <a:schemeClr val="accent4"/>
-          </a:fillRef>
-          <a:effectRef idx="2">
-            <a:schemeClr val="accent4"/>
-          </a:effectRef>
-          <a:fontRef idx="minor">
-            <a:schemeClr val="lt1"/>
-          </a:fontRef>
-        </p:style>
-        <p:txBody>
-          <a:bodyPr rtlCol="0" anchor="ctr"/>
-          <a:lstStyle/>
-          <a:p>
-            <a:pPr algn="ctr"/>
-            <a:r>
-              <a:rPr lang="en-US" dirty="0"/>
-              <a:t>Mission Model 2</a:t>
-            </a:r>
-          </a:p>
-        </p:txBody>
-      </p:sp>
-      <p:sp>
-        <p:nvSpPr>
-          <p:cNvPr id="9" name="Slide Number Placeholder 8"/>
-          <p:cNvSpPr>
-            <a:spLocks noGrp="1"/>
-          </p:cNvSpPr>
-          <p:nvPr>
-            <p:ph type="sldNum" sz="quarter" idx="12"/>
-          </p:nvPr>
-        </p:nvSpPr>
-        <p:spPr/>
-        <p:txBody>
-          <a:bodyPr/>
-          <a:lstStyle/>
-          <a:p>
-            <a:fld id="{4382A7F7-08BF-4252-8141-63FB96055BBB}" type="slidenum">
-              <a:rPr lang="en-US" smtClean="0"/>
-              <a:t>5</a:t>
-            </a:fld>
-            <a:endParaRPr lang="en-US"/>
-          </a:p>
-        </p:txBody>
-      </p:sp>
-    </p:spTree>
-    <p:extLst>
-      <p:ext uri="{BB962C8B-B14F-4D97-AF65-F5344CB8AC3E}">
-        <p14:creationId xmlns:p14="http://schemas.microsoft.com/office/powerpoint/2010/main" val="2171012491"/>
-      </p:ext>
-    </p:extLst>
-  </p:cSld>
-  <p:clrMapOvr>
-    <a:masterClrMapping/>
-  </p:clrMapOvr>
-</p:sld>
-</file>
-
-<file path=ppt/slides/slide6.xml><?xml version="1.0" encoding="utf-8"?>
-<p:sld xmlns:a="http://schemas.openxmlformats.org/drawingml/2006/main" xmlns:r="http://schemas.openxmlformats.org/officeDocument/2006/relationships" xmlns:p="http://schemas.openxmlformats.org/presentationml/2006/main">
-  <p:cSld>
-    <p:spTree>
-      <p:nvGrpSpPr>
-        <p:cNvPr id="1" name=""/>
-        <p:cNvGrpSpPr/>
-        <p:nvPr/>
-      </p:nvGrpSpPr>
-      <p:grpSpPr>
-        <a:xfrm>
-          <a:off x="0" y="0"/>
-          <a:ext cx="0" cy="0"/>
-          <a:chOff x="0" y="0"/>
-          <a:chExt cx="0" cy="0"/>
-        </a:xfrm>
-      </p:grpSpPr>
-      <p:sp>
-        <p:nvSpPr>
-          <p:cNvPr id="2" name="Title 1"/>
-          <p:cNvSpPr>
-            <a:spLocks noGrp="1"/>
-          </p:cNvSpPr>
-          <p:nvPr>
-            <p:ph type="title"/>
-          </p:nvPr>
-        </p:nvSpPr>
-        <p:spPr/>
-        <p:txBody>
-          <a:bodyPr/>
-          <a:lstStyle/>
-          <a:p>
-            <a:r>
-              <a:rPr lang="en-US" dirty="0"/>
-              <a:t>Where Are You on the FLL table?</a:t>
-            </a:r>
-          </a:p>
-        </p:txBody>
-      </p:sp>
-      <p:sp>
-        <p:nvSpPr>
-          <p:cNvPr id="3" name="Content Placeholder 2"/>
-          <p:cNvSpPr>
-            <a:spLocks noGrp="1"/>
-          </p:cNvSpPr>
-          <p:nvPr>
-            <p:ph idx="1"/>
-          </p:nvPr>
-        </p:nvSpPr>
-        <p:spPr>
-          <a:xfrm>
-            <a:off x="227874" y="1505616"/>
-            <a:ext cx="5620055" cy="4654528"/>
-          </a:xfrm>
-        </p:spPr>
-        <p:txBody>
-          <a:bodyPr/>
-          <a:lstStyle/>
-          <a:p>
-            <a:r>
-              <a:rPr lang="en-US"/>
-              <a:t>Consider these alignment strategies that are commonly used:</a:t>
-            </a:r>
-          </a:p>
-          <a:p>
-            <a:pPr lvl="1"/>
-            <a:r>
-              <a:rPr lang="en-US" dirty="0"/>
-              <a:t>Align on walls – deliberately back into a wall to straighten out (note: You may stall doing this. See the Advanced: Stall Detection Lesson)</a:t>
-            </a:r>
-          </a:p>
-          <a:p>
-            <a:pPr lvl="1"/>
-            <a:r>
-              <a:rPr lang="en-US" dirty="0"/>
-              <a:t>Square/Align on lines –If you are moving angled, you can straighten out whenever you see a line. (See Advanced: Squaring Lesson)</a:t>
-            </a:r>
-          </a:p>
-          <a:p>
-            <a:pPr lvl="1"/>
-            <a:r>
-              <a:rPr lang="en-US" dirty="0"/>
-              <a:t>Move until a line – travel until you find a line so you know where you are on the mat (See Beginner: Color Sensor)</a:t>
-            </a:r>
-          </a:p>
-          <a:p>
-            <a:pPr lvl="1"/>
-            <a:r>
-              <a:rPr lang="en-US" dirty="0"/>
-              <a:t>Align on a mission model – Mission models that are stuck in one place can be used to align against</a:t>
-            </a:r>
-          </a:p>
-          <a:p>
-            <a:endParaRPr lang="en-US" dirty="0"/>
-          </a:p>
-          <a:p>
-            <a:endParaRPr lang="en-US" dirty="0"/>
-          </a:p>
-        </p:txBody>
-      </p:sp>
-      <p:sp>
-        <p:nvSpPr>
-          <p:cNvPr id="4" name="Footer Placeholder 3"/>
-          <p:cNvSpPr>
-            <a:spLocks noGrp="1"/>
-          </p:cNvSpPr>
-          <p:nvPr>
-            <p:ph type="ftr" sz="quarter" idx="11"/>
-          </p:nvPr>
-        </p:nvSpPr>
-        <p:spPr/>
-        <p:txBody>
-          <a:bodyPr/>
-          <a:lstStyle/>
-          <a:p>
-            <a:r>
-              <a:rPr lang="en-US"/>
-              <a:t>© 2016 EV3Lessons.com, Last edit 7/06/2016</a:t>
-            </a:r>
-            <a:endParaRPr lang="en-US" dirty="0"/>
-          </a:p>
-        </p:txBody>
-      </p:sp>
-      <p:cxnSp>
-        <p:nvCxnSpPr>
-          <p:cNvPr id="7" name="Straight Connector 6"/>
-          <p:cNvCxnSpPr/>
-          <p:nvPr/>
-        </p:nvCxnSpPr>
-        <p:spPr>
-          <a:xfrm flipH="1">
-            <a:off x="6716194" y="4019734"/>
-            <a:ext cx="1861911" cy="11139"/>
-          </a:xfrm>
-          <a:prstGeom prst="line">
-            <a:avLst/>
-          </a:prstGeom>
-          <a:ln w="57150" cmpd="sng">
-            <a:solidFill>
-              <a:srgbClr val="008000"/>
-            </a:solidFill>
-          </a:ln>
-        </p:spPr>
-        <p:style>
-          <a:lnRef idx="2">
-            <a:schemeClr val="accent1"/>
-          </a:lnRef>
-          <a:fillRef idx="0">
-            <a:schemeClr val="accent1"/>
-          </a:fillRef>
-          <a:effectRef idx="1">
-            <a:schemeClr val="accent1"/>
-          </a:effectRef>
-          <a:fontRef idx="minor">
-            <a:schemeClr val="tx1"/>
-          </a:fontRef>
-        </p:style>
-      </p:cxnSp>
-      <p:sp>
-        <p:nvSpPr>
-          <p:cNvPr id="9" name="Rectangle 8"/>
-          <p:cNvSpPr/>
-          <p:nvPr/>
-        </p:nvSpPr>
-        <p:spPr>
-          <a:xfrm>
-            <a:off x="7359819" y="5090205"/>
-            <a:ext cx="1187198" cy="534714"/>
-          </a:xfrm>
-          <a:prstGeom prst="rect">
-            <a:avLst/>
-          </a:prstGeom>
-          <a:solidFill>
-            <a:schemeClr val="accent1"/>
-          </a:solidFill>
-        </p:spPr>
-        <p:style>
-          <a:lnRef idx="1">
-            <a:schemeClr val="accent4"/>
-          </a:lnRef>
-          <a:fillRef idx="3">
-            <a:schemeClr val="accent4"/>
-          </a:fillRef>
-          <a:effectRef idx="2">
-            <a:schemeClr val="accent4"/>
-          </a:effectRef>
-          <a:fontRef idx="minor">
-            <a:schemeClr val="lt1"/>
-          </a:fontRef>
-        </p:style>
-        <p:txBody>
-          <a:bodyPr rtlCol="0" anchor="ctr"/>
-          <a:lstStyle/>
-          <a:p>
-            <a:pPr algn="ctr"/>
-            <a:r>
-              <a:rPr lang="en-US" dirty="0"/>
-              <a:t>Mission Model</a:t>
-            </a:r>
-          </a:p>
-        </p:txBody>
-      </p:sp>
-      <p:grpSp>
-        <p:nvGrpSpPr>
-          <p:cNvPr id="13" name="Group 12"/>
-          <p:cNvGrpSpPr/>
-          <p:nvPr/>
-        </p:nvGrpSpPr>
-        <p:grpSpPr>
-          <a:xfrm rot="20696983">
-            <a:off x="7382223" y="3206523"/>
-            <a:ext cx="674712" cy="701814"/>
-            <a:chOff x="7631605" y="3030052"/>
-            <a:chExt cx="674712" cy="701814"/>
-          </a:xfrm>
-        </p:grpSpPr>
-        <p:sp>
-          <p:nvSpPr>
-            <p:cNvPr id="10" name="Rounded Rectangle 9"/>
-            <p:cNvSpPr/>
-            <p:nvPr/>
-          </p:nvSpPr>
-          <p:spPr>
-            <a:xfrm>
-              <a:off x="7765298" y="3030052"/>
-              <a:ext cx="412218" cy="701814"/>
-            </a:xfrm>
-            <a:prstGeom prst="roundRect">
-              <a:avLst/>
-            </a:prstGeom>
-          </p:spPr>
-          <p:style>
-            <a:lnRef idx="2">
-              <a:schemeClr val="accent5">
-                <a:shade val="50000"/>
-              </a:schemeClr>
-            </a:lnRef>
-            <a:fillRef idx="1">
-              <a:schemeClr val="accent5"/>
-            </a:fillRef>
-            <a:effectRef idx="0">
-              <a:schemeClr val="accent5"/>
-            </a:effectRef>
-            <a:fontRef idx="minor">
-              <a:schemeClr val="lt1"/>
-            </a:fontRef>
-          </p:style>
-          <p:txBody>
-            <a:bodyPr rtlCol="0" anchor="ctr"/>
-            <a:lstStyle/>
-            <a:p>
-              <a:pPr algn="ctr"/>
-              <a:endParaRPr lang="en-US"/>
-            </a:p>
-          </p:txBody>
-        </p:sp>
-        <p:sp>
-          <p:nvSpPr>
-            <p:cNvPr id="11" name="Oval 10"/>
-            <p:cNvSpPr/>
-            <p:nvPr/>
-          </p:nvSpPr>
-          <p:spPr>
-            <a:xfrm>
-              <a:off x="7631605" y="3319690"/>
-              <a:ext cx="111410" cy="412176"/>
-            </a:xfrm>
-            <a:prstGeom prst="ellipse">
-              <a:avLst/>
-            </a:prstGeom>
-          </p:spPr>
-          <p:style>
-            <a:lnRef idx="1">
-              <a:schemeClr val="dk1"/>
-            </a:lnRef>
-            <a:fillRef idx="3">
-              <a:schemeClr val="dk1"/>
-            </a:fillRef>
-            <a:effectRef idx="2">
-              <a:schemeClr val="dk1"/>
-            </a:effectRef>
-            <a:fontRef idx="minor">
-              <a:schemeClr val="lt1"/>
-            </a:fontRef>
-          </p:style>
-          <p:txBody>
-            <a:bodyPr rtlCol="0" anchor="ctr"/>
-            <a:lstStyle/>
-            <a:p>
-              <a:pPr algn="ctr"/>
-              <a:endParaRPr lang="en-US"/>
-            </a:p>
-          </p:txBody>
-        </p:sp>
-        <p:sp>
-          <p:nvSpPr>
-            <p:cNvPr id="12" name="Oval 11"/>
-            <p:cNvSpPr/>
-            <p:nvPr/>
-          </p:nvSpPr>
-          <p:spPr>
-            <a:xfrm>
-              <a:off x="8194907" y="3319690"/>
-              <a:ext cx="111410" cy="412176"/>
-            </a:xfrm>
-            <a:prstGeom prst="ellipse">
-              <a:avLst/>
-            </a:prstGeom>
-          </p:spPr>
-          <p:style>
-            <a:lnRef idx="1">
-              <a:schemeClr val="dk1"/>
-            </a:lnRef>
-            <a:fillRef idx="3">
-              <a:schemeClr val="dk1"/>
-            </a:fillRef>
-            <a:effectRef idx="2">
-              <a:schemeClr val="dk1"/>
-            </a:effectRef>
-            <a:fontRef idx="minor">
-              <a:schemeClr val="lt1"/>
-            </a:fontRef>
-          </p:style>
-          <p:txBody>
-            <a:bodyPr rtlCol="0" anchor="ctr"/>
-            <a:lstStyle/>
-            <a:p>
-              <a:pPr algn="ctr"/>
-              <a:endParaRPr lang="en-US"/>
-            </a:p>
-          </p:txBody>
-        </p:sp>
-      </p:grpSp>
-      <p:grpSp>
-        <p:nvGrpSpPr>
-          <p:cNvPr id="14" name="Group 13"/>
-          <p:cNvGrpSpPr/>
-          <p:nvPr/>
-        </p:nvGrpSpPr>
-        <p:grpSpPr>
-          <a:xfrm rot="10800000">
-            <a:off x="7584509" y="4388391"/>
-            <a:ext cx="674712" cy="701814"/>
-            <a:chOff x="7631605" y="3030052"/>
-            <a:chExt cx="674712" cy="701814"/>
-          </a:xfrm>
-        </p:grpSpPr>
-        <p:sp>
-          <p:nvSpPr>
-            <p:cNvPr id="15" name="Rounded Rectangle 14"/>
-            <p:cNvSpPr/>
-            <p:nvPr/>
-          </p:nvSpPr>
-          <p:spPr>
-            <a:xfrm>
-              <a:off x="7765298" y="3030052"/>
-              <a:ext cx="412218" cy="701814"/>
-            </a:xfrm>
-            <a:prstGeom prst="roundRect">
-              <a:avLst/>
-            </a:prstGeom>
-          </p:spPr>
-          <p:style>
-            <a:lnRef idx="2">
-              <a:schemeClr val="accent5">
-                <a:shade val="50000"/>
-              </a:schemeClr>
-            </a:lnRef>
-            <a:fillRef idx="1">
-              <a:schemeClr val="accent5"/>
-            </a:fillRef>
-            <a:effectRef idx="0">
-              <a:schemeClr val="accent5"/>
-            </a:effectRef>
-            <a:fontRef idx="minor">
-              <a:schemeClr val="lt1"/>
-            </a:fontRef>
-          </p:style>
-          <p:txBody>
-            <a:bodyPr rtlCol="0" anchor="ctr"/>
-            <a:lstStyle/>
-            <a:p>
-              <a:pPr algn="ctr"/>
-              <a:endParaRPr lang="en-US"/>
-            </a:p>
-          </p:txBody>
-        </p:sp>
-        <p:sp>
-          <p:nvSpPr>
-            <p:cNvPr id="16" name="Oval 15"/>
-            <p:cNvSpPr/>
-            <p:nvPr/>
-          </p:nvSpPr>
-          <p:spPr>
-            <a:xfrm>
-              <a:off x="7631605" y="3319690"/>
-              <a:ext cx="111410" cy="412176"/>
-            </a:xfrm>
-            <a:prstGeom prst="ellipse">
-              <a:avLst/>
-            </a:prstGeom>
-          </p:spPr>
-          <p:style>
-            <a:lnRef idx="1">
-              <a:schemeClr val="dk1"/>
-            </a:lnRef>
-            <a:fillRef idx="3">
-              <a:schemeClr val="dk1"/>
-            </a:fillRef>
-            <a:effectRef idx="2">
-              <a:schemeClr val="dk1"/>
-            </a:effectRef>
-            <a:fontRef idx="minor">
-              <a:schemeClr val="lt1"/>
-            </a:fontRef>
-          </p:style>
-          <p:txBody>
-            <a:bodyPr rtlCol="0" anchor="ctr"/>
-            <a:lstStyle/>
-            <a:p>
-              <a:pPr algn="ctr"/>
-              <a:endParaRPr lang="en-US"/>
-            </a:p>
-          </p:txBody>
-        </p:sp>
-        <p:sp>
-          <p:nvSpPr>
-            <p:cNvPr id="17" name="Oval 16"/>
-            <p:cNvSpPr/>
-            <p:nvPr/>
-          </p:nvSpPr>
-          <p:spPr>
-            <a:xfrm>
-              <a:off x="8194907" y="3319690"/>
-              <a:ext cx="111410" cy="412176"/>
-            </a:xfrm>
-            <a:prstGeom prst="ellipse">
-              <a:avLst/>
-            </a:prstGeom>
-          </p:spPr>
-          <p:style>
-            <a:lnRef idx="1">
-              <a:schemeClr val="dk1"/>
-            </a:lnRef>
-            <a:fillRef idx="3">
-              <a:schemeClr val="dk1"/>
-            </a:fillRef>
-            <a:effectRef idx="2">
-              <a:schemeClr val="dk1"/>
-            </a:effectRef>
-            <a:fontRef idx="minor">
-              <a:schemeClr val="lt1"/>
-            </a:fontRef>
-          </p:style>
-          <p:txBody>
-            <a:bodyPr rtlCol="0" anchor="ctr"/>
-            <a:lstStyle/>
-            <a:p>
-              <a:pPr algn="ctr"/>
-              <a:endParaRPr lang="en-US"/>
-            </a:p>
-          </p:txBody>
-        </p:sp>
-      </p:grpSp>
-      <p:sp>
-        <p:nvSpPr>
-          <p:cNvPr id="18" name="Rectangle 17"/>
-          <p:cNvSpPr/>
-          <p:nvPr/>
-        </p:nvSpPr>
-        <p:spPr>
-          <a:xfrm>
-            <a:off x="7049862" y="2699659"/>
-            <a:ext cx="1483679" cy="66840"/>
-          </a:xfrm>
-          <a:prstGeom prst="rect">
-            <a:avLst/>
-          </a:prstGeom>
-        </p:spPr>
-        <p:style>
-          <a:lnRef idx="1">
-            <a:schemeClr val="dk1"/>
-          </a:lnRef>
-          <a:fillRef idx="2">
-            <a:schemeClr val="dk1"/>
-          </a:fillRef>
-          <a:effectRef idx="1">
-            <a:schemeClr val="dk1"/>
-          </a:effectRef>
-          <a:fontRef idx="minor">
-            <a:schemeClr val="dk1"/>
-          </a:fontRef>
-        </p:style>
-        <p:txBody>
-          <a:bodyPr rtlCol="0" anchor="ctr"/>
-          <a:lstStyle/>
-          <a:p>
-            <a:pPr algn="ctr"/>
-            <a:endParaRPr lang="en-US"/>
-          </a:p>
-        </p:txBody>
-      </p:sp>
-      <p:sp>
-        <p:nvSpPr>
-          <p:cNvPr id="19" name="Rectangle 18"/>
-          <p:cNvSpPr/>
-          <p:nvPr/>
-        </p:nvSpPr>
-        <p:spPr>
-          <a:xfrm rot="5400000">
-            <a:off x="7907452" y="2132015"/>
-            <a:ext cx="1202134" cy="66840"/>
-          </a:xfrm>
-          <a:prstGeom prst="rect">
-            <a:avLst/>
-          </a:prstGeom>
-        </p:spPr>
-        <p:style>
-          <a:lnRef idx="1">
-            <a:schemeClr val="dk1"/>
-          </a:lnRef>
-          <a:fillRef idx="2">
-            <a:schemeClr val="dk1"/>
-          </a:fillRef>
-          <a:effectRef idx="1">
-            <a:schemeClr val="dk1"/>
-          </a:effectRef>
-          <a:fontRef idx="minor">
-            <a:schemeClr val="dk1"/>
-          </a:fontRef>
-        </p:style>
-        <p:txBody>
-          <a:bodyPr rtlCol="0" anchor="ctr"/>
-          <a:lstStyle/>
-          <a:p>
-            <a:pPr algn="ctr"/>
-            <a:endParaRPr lang="en-US"/>
-          </a:p>
-        </p:txBody>
-      </p:sp>
-      <p:grpSp>
-        <p:nvGrpSpPr>
-          <p:cNvPr id="20" name="Group 19"/>
-          <p:cNvGrpSpPr/>
-          <p:nvPr/>
-        </p:nvGrpSpPr>
-        <p:grpSpPr>
-          <a:xfrm rot="10800000">
-            <a:off x="7478093" y="1983133"/>
-            <a:ext cx="674712" cy="701814"/>
-            <a:chOff x="7631605" y="3030052"/>
-            <a:chExt cx="674712" cy="701814"/>
-          </a:xfrm>
-        </p:grpSpPr>
-        <p:sp>
-          <p:nvSpPr>
-            <p:cNvPr id="21" name="Rounded Rectangle 20"/>
-            <p:cNvSpPr/>
-            <p:nvPr/>
-          </p:nvSpPr>
-          <p:spPr>
-            <a:xfrm>
-              <a:off x="7765298" y="3030052"/>
-              <a:ext cx="412218" cy="701814"/>
-            </a:xfrm>
-            <a:prstGeom prst="roundRect">
-              <a:avLst/>
-            </a:prstGeom>
-          </p:spPr>
-          <p:style>
-            <a:lnRef idx="2">
-              <a:schemeClr val="accent5">
-                <a:shade val="50000"/>
-              </a:schemeClr>
-            </a:lnRef>
-            <a:fillRef idx="1">
-              <a:schemeClr val="accent5"/>
-            </a:fillRef>
-            <a:effectRef idx="0">
-              <a:schemeClr val="accent5"/>
-            </a:effectRef>
-            <a:fontRef idx="minor">
-              <a:schemeClr val="lt1"/>
-            </a:fontRef>
-          </p:style>
-          <p:txBody>
-            <a:bodyPr rtlCol="0" anchor="ctr"/>
-            <a:lstStyle/>
-            <a:p>
-              <a:pPr algn="ctr"/>
-              <a:endParaRPr lang="en-US"/>
-            </a:p>
-          </p:txBody>
-        </p:sp>
-        <p:sp>
-          <p:nvSpPr>
-            <p:cNvPr id="22" name="Oval 21"/>
-            <p:cNvSpPr/>
-            <p:nvPr/>
-          </p:nvSpPr>
-          <p:spPr>
-            <a:xfrm>
-              <a:off x="7631605" y="3319690"/>
-              <a:ext cx="111410" cy="412176"/>
-            </a:xfrm>
-            <a:prstGeom prst="ellipse">
-              <a:avLst/>
-            </a:prstGeom>
-          </p:spPr>
-          <p:style>
-            <a:lnRef idx="1">
-              <a:schemeClr val="dk1"/>
-            </a:lnRef>
-            <a:fillRef idx="3">
-              <a:schemeClr val="dk1"/>
-            </a:fillRef>
-            <a:effectRef idx="2">
-              <a:schemeClr val="dk1"/>
-            </a:effectRef>
-            <a:fontRef idx="minor">
-              <a:schemeClr val="lt1"/>
-            </a:fontRef>
-          </p:style>
-          <p:txBody>
-            <a:bodyPr rtlCol="0" anchor="ctr"/>
-            <a:lstStyle/>
-            <a:p>
-              <a:pPr algn="ctr"/>
-              <a:endParaRPr lang="en-US"/>
-            </a:p>
-          </p:txBody>
-        </p:sp>
-        <p:sp>
-          <p:nvSpPr>
-            <p:cNvPr id="23" name="Oval 22"/>
-            <p:cNvSpPr/>
-            <p:nvPr/>
-          </p:nvSpPr>
-          <p:spPr>
-            <a:xfrm>
-              <a:off x="8194907" y="3319690"/>
-              <a:ext cx="111410" cy="412176"/>
-            </a:xfrm>
-            <a:prstGeom prst="ellipse">
-              <a:avLst/>
-            </a:prstGeom>
-          </p:spPr>
-          <p:style>
-            <a:lnRef idx="1">
-              <a:schemeClr val="dk1"/>
-            </a:lnRef>
-            <a:fillRef idx="3">
-              <a:schemeClr val="dk1"/>
-            </a:fillRef>
-            <a:effectRef idx="2">
-              <a:schemeClr val="dk1"/>
-            </a:effectRef>
-            <a:fontRef idx="minor">
-              <a:schemeClr val="lt1"/>
-            </a:fontRef>
-          </p:style>
-          <p:txBody>
-            <a:bodyPr rtlCol="0" anchor="ctr"/>
-            <a:lstStyle/>
-            <a:p>
-              <a:pPr algn="ctr"/>
-              <a:endParaRPr lang="en-US"/>
-            </a:p>
-          </p:txBody>
-        </p:sp>
-      </p:grpSp>
-      <p:sp>
-        <p:nvSpPr>
-          <p:cNvPr id="24" name="TextBox 23"/>
-          <p:cNvSpPr txBox="1"/>
-          <p:nvPr/>
-        </p:nvSpPr>
-        <p:spPr>
-          <a:xfrm>
-            <a:off x="6490940" y="2220642"/>
-            <a:ext cx="913565" cy="461665"/>
-          </a:xfrm>
-          <a:prstGeom prst="rect">
-            <a:avLst/>
-          </a:prstGeom>
-          <a:noFill/>
-        </p:spPr>
-        <p:txBody>
-          <a:bodyPr wrap="square" rtlCol="0">
-            <a:spAutoFit/>
-          </a:bodyPr>
-          <a:lstStyle/>
-          <a:p>
-            <a:pPr algn="ctr"/>
-            <a:r>
-              <a:rPr lang="en-US" sz="1200" dirty="0"/>
-              <a:t>Back into walls</a:t>
-            </a:r>
-          </a:p>
-        </p:txBody>
-      </p:sp>
-      <p:sp>
-        <p:nvSpPr>
-          <p:cNvPr id="25" name="TextBox 24"/>
-          <p:cNvSpPr txBox="1"/>
-          <p:nvPr/>
-        </p:nvSpPr>
-        <p:spPr>
-          <a:xfrm>
-            <a:off x="6399906" y="3522236"/>
-            <a:ext cx="913565" cy="461665"/>
-          </a:xfrm>
-          <a:prstGeom prst="rect">
-            <a:avLst/>
-          </a:prstGeom>
-          <a:noFill/>
-        </p:spPr>
-        <p:txBody>
-          <a:bodyPr wrap="square" rtlCol="0">
-            <a:spAutoFit/>
-          </a:bodyPr>
-          <a:lstStyle/>
-          <a:p>
-            <a:pPr algn="ctr"/>
-            <a:r>
-              <a:rPr lang="en-US" sz="1200" dirty="0"/>
-              <a:t>Square on a line</a:t>
-            </a:r>
-          </a:p>
-        </p:txBody>
-      </p:sp>
-      <p:sp>
-        <p:nvSpPr>
-          <p:cNvPr id="26" name="TextBox 25"/>
-          <p:cNvSpPr txBox="1"/>
-          <p:nvPr/>
-        </p:nvSpPr>
-        <p:spPr>
-          <a:xfrm>
-            <a:off x="6446903" y="4569735"/>
-            <a:ext cx="913565" cy="646331"/>
-          </a:xfrm>
-          <a:prstGeom prst="rect">
-            <a:avLst/>
-          </a:prstGeom>
-          <a:noFill/>
-        </p:spPr>
-        <p:txBody>
-          <a:bodyPr wrap="square" rtlCol="0">
-            <a:spAutoFit/>
-          </a:bodyPr>
-          <a:lstStyle/>
-          <a:p>
-            <a:pPr algn="ctr"/>
-            <a:r>
-              <a:rPr lang="en-US" sz="1200" dirty="0"/>
-              <a:t>Align on a mission model</a:t>
-            </a:r>
-          </a:p>
-        </p:txBody>
-      </p:sp>
-      <p:cxnSp>
-        <p:nvCxnSpPr>
-          <p:cNvPr id="27" name="Straight Connector 26"/>
-          <p:cNvCxnSpPr/>
-          <p:nvPr/>
-        </p:nvCxnSpPr>
-        <p:spPr>
-          <a:xfrm flipV="1">
-            <a:off x="6054534" y="1508948"/>
-            <a:ext cx="11141" cy="4745597"/>
-          </a:xfrm>
-          <a:prstGeom prst="line">
-            <a:avLst/>
-          </a:prstGeom>
-        </p:spPr>
-        <p:style>
-          <a:lnRef idx="2">
-            <a:schemeClr val="accent1"/>
-          </a:lnRef>
-          <a:fillRef idx="0">
-            <a:schemeClr val="accent1"/>
-          </a:fillRef>
-          <a:effectRef idx="1">
-            <a:schemeClr val="accent1"/>
-          </a:effectRef>
-          <a:fontRef idx="minor">
-            <a:schemeClr val="tx1"/>
-          </a:fontRef>
-        </p:style>
-      </p:cxnSp>
-      <p:sp>
-        <p:nvSpPr>
-          <p:cNvPr id="5" name="Slide Number Placeholder 4"/>
-          <p:cNvSpPr>
-            <a:spLocks noGrp="1"/>
-          </p:cNvSpPr>
-          <p:nvPr>
-            <p:ph type="sldNum" sz="quarter" idx="12"/>
-          </p:nvPr>
-        </p:nvSpPr>
-        <p:spPr/>
-        <p:txBody>
-          <a:bodyPr/>
-          <a:lstStyle/>
-          <a:p>
-            <a:fld id="{4382A7F7-08BF-4252-8141-63FB96055BBB}" type="slidenum">
-              <a:rPr lang="en-US" smtClean="0"/>
-              <a:t>6</a:t>
-            </a:fld>
-            <a:endParaRPr lang="en-US"/>
-          </a:p>
-        </p:txBody>
-      </p:sp>
-    </p:spTree>
-    <p:extLst>
-      <p:ext uri="{BB962C8B-B14F-4D97-AF65-F5344CB8AC3E}">
-        <p14:creationId xmlns:p14="http://schemas.microsoft.com/office/powerpoint/2010/main" val="3987123837"/>
-      </p:ext>
-    </p:extLst>
-  </p:cSld>
-  <p:clrMapOvr>
-    <a:masterClrMapping/>
-  </p:clrMapOvr>
-</p:sld>
-</file>
-
-<file path=ppt/slides/slide7.xml><?xml version="1.0" encoding="utf-8"?>
-<p:sld xmlns:a="http://schemas.openxmlformats.org/drawingml/2006/main" xmlns:r="http://schemas.openxmlformats.org/officeDocument/2006/relationships" xmlns:p="http://schemas.openxmlformats.org/presentationml/2006/main">
-  <p:cSld>
-    <p:spTree>
-      <p:nvGrpSpPr>
-        <p:cNvPr id="1" name=""/>
-        <p:cNvGrpSpPr/>
-        <p:nvPr/>
-      </p:nvGrpSpPr>
-      <p:grpSpPr>
-        <a:xfrm>
-          <a:off x="0" y="0"/>
-          <a:ext cx="0" cy="0"/>
-          <a:chOff x="0" y="0"/>
-          <a:chExt cx="0" cy="0"/>
-        </a:xfrm>
-      </p:grpSpPr>
-      <p:sp>
-        <p:nvSpPr>
-          <p:cNvPr id="2" name="Title 1"/>
-          <p:cNvSpPr>
-            <a:spLocks noGrp="1"/>
-          </p:cNvSpPr>
-          <p:nvPr>
-            <p:ph type="title"/>
-          </p:nvPr>
-        </p:nvSpPr>
-        <p:spPr/>
-        <p:txBody>
-          <a:bodyPr/>
-          <a:lstStyle/>
-          <a:p>
-            <a:r>
-              <a:rPr lang="en-US"/>
-              <a:t>Adjusting Attachments in Base</a:t>
-            </a:r>
-            <a:endParaRPr lang="en-US" dirty="0"/>
-          </a:p>
-        </p:txBody>
-      </p:sp>
-      <p:sp>
-        <p:nvSpPr>
-          <p:cNvPr id="3" name="Content Placeholder 2"/>
-          <p:cNvSpPr>
-            <a:spLocks noGrp="1"/>
-          </p:cNvSpPr>
-          <p:nvPr>
-            <p:ph idx="1"/>
-          </p:nvPr>
-        </p:nvSpPr>
-        <p:spPr/>
-        <p:txBody>
-          <a:bodyPr/>
-          <a:lstStyle/>
-          <a:p>
-            <a:r>
-              <a:rPr lang="en-US"/>
-              <a:t>Just like the robot body, you need to set up your attachments in the same way each time for improving reliability</a:t>
-            </a:r>
-          </a:p>
-          <a:p>
-            <a:pPr lvl="1"/>
-            <a:r>
-              <a:rPr lang="en-US"/>
-              <a:t>Jigs that allow the attachment arm to only move to a certain level to make sure the arm is set the same way each time</a:t>
-            </a:r>
-          </a:p>
-          <a:p>
-            <a:pPr lvl="2"/>
-            <a:r>
-              <a:rPr lang="en-US"/>
-              <a:t>In Senior Solutions, we used a jig to make sure the arm that picked up the pill box always started at the right level</a:t>
-            </a:r>
-          </a:p>
-          <a:p>
-            <a:pPr lvl="1"/>
-            <a:r>
-              <a:rPr lang="en-US"/>
-              <a:t>Indicators on the robot (e.g. bright peg) might help you remember where to reset the arm to</a:t>
-            </a:r>
-          </a:p>
-          <a:p>
-            <a:pPr lvl="2"/>
-            <a:r>
-              <a:rPr lang="en-US"/>
-              <a:t>In Food Factor, we had a red peg in a hole to remember how far back to move the arm</a:t>
-            </a:r>
-          </a:p>
-          <a:p>
-            <a:pPr lvl="1"/>
-            <a:r>
-              <a:rPr lang="en-US"/>
-              <a:t>You can use a touch sensor to detect the position of an attachment at the start of a run</a:t>
-            </a:r>
-          </a:p>
-          <a:p>
-            <a:pPr lvl="1"/>
-            <a:endParaRPr lang="en-US" dirty="0"/>
-          </a:p>
-        </p:txBody>
-      </p:sp>
-      <p:sp>
-        <p:nvSpPr>
-          <p:cNvPr id="4" name="Footer Placeholder 3"/>
-          <p:cNvSpPr>
-            <a:spLocks noGrp="1"/>
-          </p:cNvSpPr>
-          <p:nvPr>
-            <p:ph type="ftr" sz="quarter" idx="11"/>
-          </p:nvPr>
-        </p:nvSpPr>
-        <p:spPr/>
-        <p:txBody>
-          <a:bodyPr/>
-          <a:lstStyle/>
-          <a:p>
-            <a:r>
-              <a:rPr lang="en-US"/>
-              <a:t>© 2016 EV3Lessons.com, Last edit 7/06/2016</a:t>
-            </a:r>
-          </a:p>
-        </p:txBody>
-      </p:sp>
-      <p:sp>
-        <p:nvSpPr>
-          <p:cNvPr id="5" name="Slide Number Placeholder 4"/>
-          <p:cNvSpPr>
-            <a:spLocks noGrp="1"/>
-          </p:cNvSpPr>
-          <p:nvPr>
-            <p:ph type="sldNum" sz="quarter" idx="12"/>
-          </p:nvPr>
-        </p:nvSpPr>
-        <p:spPr/>
-        <p:txBody>
-          <a:bodyPr/>
-          <a:lstStyle/>
-          <a:p>
-            <a:fld id="{4382A7F7-08BF-4252-8141-63FB96055BBB}" type="slidenum">
-              <a:rPr lang="en-US" smtClean="0"/>
-              <a:t>7</a:t>
-            </a:fld>
-            <a:endParaRPr lang="en-US"/>
-          </a:p>
-        </p:txBody>
-      </p:sp>
-    </p:spTree>
-    <p:extLst>
-      <p:ext uri="{BB962C8B-B14F-4D97-AF65-F5344CB8AC3E}">
-        <p14:creationId xmlns:p14="http://schemas.microsoft.com/office/powerpoint/2010/main" val="4173200106"/>
-      </p:ext>
-    </p:extLst>
-  </p:cSld>
-  <p:clrMapOvr>
-    <a:masterClrMapping/>
-  </p:clrMapOvr>
-</p:sld>
-</file>
-
-<file path=ppt/slides/slide8.xml><?xml version="1.0" encoding="utf-8"?>
-<p:sld xmlns:a="http://schemas.openxmlformats.org/drawingml/2006/main" xmlns:r="http://schemas.openxmlformats.org/officeDocument/2006/relationships" xmlns:p="http://schemas.openxmlformats.org/presentationml/2006/main">
-  <p:cSld>
-    <p:spTree>
-      <p:nvGrpSpPr>
-        <p:cNvPr id="1" name=""/>
-        <p:cNvGrpSpPr/>
-        <p:nvPr/>
-      </p:nvGrpSpPr>
-      <p:grpSpPr>
-        <a:xfrm>
-          <a:off x="0" y="0"/>
-          <a:ext cx="0" cy="0"/>
-          <a:chOff x="0" y="0"/>
-          <a:chExt cx="0" cy="0"/>
-        </a:xfrm>
-      </p:grpSpPr>
-      <p:sp>
-        <p:nvSpPr>
-          <p:cNvPr id="2" name="Title 1"/>
-          <p:cNvSpPr>
-            <a:spLocks noGrp="1"/>
-          </p:cNvSpPr>
-          <p:nvPr>
-            <p:ph type="title"/>
-          </p:nvPr>
-        </p:nvSpPr>
-        <p:spPr/>
-        <p:txBody>
-          <a:bodyPr/>
-          <a:lstStyle/>
-          <a:p>
-            <a:r>
-              <a:rPr lang="en-US"/>
-              <a:t>Adjusting Motors in Base</a:t>
-            </a:r>
-            <a:endParaRPr lang="en-US" dirty="0"/>
-          </a:p>
-        </p:txBody>
-      </p:sp>
-      <p:sp>
-        <p:nvSpPr>
-          <p:cNvPr id="3" name="Content Placeholder 2"/>
-          <p:cNvSpPr>
-            <a:spLocks noGrp="1"/>
-          </p:cNvSpPr>
-          <p:nvPr>
-            <p:ph idx="1"/>
-          </p:nvPr>
-        </p:nvSpPr>
-        <p:spPr>
-          <a:xfrm>
-            <a:off x="227874" y="1505616"/>
-            <a:ext cx="4732053" cy="4654528"/>
-          </a:xfrm>
-        </p:spPr>
-        <p:txBody>
-          <a:bodyPr/>
-          <a:lstStyle/>
-          <a:p>
-            <a:r>
-              <a:rPr lang="en-US" dirty="0"/>
-              <a:t>Moving attachments or wheels</a:t>
-            </a:r>
-          </a:p>
-          <a:p>
-            <a:pPr lvl="1"/>
-            <a:r>
-              <a:rPr lang="en-US" dirty="0"/>
-              <a:t>When the program is stopped you can move wheels and attachments easily and it has no impact</a:t>
-            </a:r>
-          </a:p>
-          <a:p>
-            <a:pPr lvl="1"/>
-            <a:r>
-              <a:rPr lang="en-US" dirty="0"/>
-              <a:t>If a program is running, there are multiple steps</a:t>
-            </a:r>
-          </a:p>
-          <a:p>
-            <a:pPr lvl="2"/>
-            <a:r>
-              <a:rPr lang="en-US" dirty="0"/>
-              <a:t>You need to put the motors into “coast” mode</a:t>
-            </a:r>
-          </a:p>
-          <a:p>
-            <a:pPr lvl="2"/>
-            <a:r>
-              <a:rPr lang="en-US" dirty="0"/>
-              <a:t>If you move the motors in coast mode, the motors will move back to the original position on the first move!</a:t>
-            </a:r>
-          </a:p>
-          <a:p>
-            <a:pPr lvl="3"/>
-            <a:r>
-              <a:rPr lang="en-US" dirty="0"/>
-              <a:t>You need to “reset” the motor after an adjustment and before you start your run</a:t>
-            </a:r>
-          </a:p>
-        </p:txBody>
-      </p:sp>
-      <p:sp>
-        <p:nvSpPr>
-          <p:cNvPr id="4" name="Footer Placeholder 3"/>
-          <p:cNvSpPr>
-            <a:spLocks noGrp="1"/>
-          </p:cNvSpPr>
-          <p:nvPr>
-            <p:ph type="ftr" sz="quarter" idx="11"/>
-          </p:nvPr>
-        </p:nvSpPr>
-        <p:spPr/>
-        <p:txBody>
-          <a:bodyPr/>
-          <a:lstStyle/>
-          <a:p>
-            <a:r>
-              <a:rPr lang="en-US"/>
-              <a:t>© 2016 EV3Lessons.com, Last edit 7/06/2016</a:t>
-            </a:r>
-          </a:p>
-        </p:txBody>
-      </p:sp>
-      <p:pic>
-        <p:nvPicPr>
-          <p:cNvPr id="5" name="Picture 4" descr="Screen Shot 2014-11-04 at 12.56.47 PM.png"/>
-          <p:cNvPicPr>
-            <a:picLocks noChangeAspect="1"/>
-          </p:cNvPicPr>
-          <p:nvPr/>
-        </p:nvPicPr>
-        <p:blipFill>
-          <a:blip r:embed="rId2">
-            <a:extLst>
-              <a:ext uri="{28A0092B-C50C-407E-A947-70E740481C1C}">
-                <a14:useLocalDpi xmlns:a14="http://schemas.microsoft.com/office/drawing/2010/main" val="0"/>
-              </a:ext>
-            </a:extLst>
-          </a:blip>
-          <a:stretch>
-            <a:fillRect/>
-          </a:stretch>
-        </p:blipFill>
-        <p:spPr>
-          <a:xfrm>
-            <a:off x="5540660" y="2147836"/>
-            <a:ext cx="3308886" cy="1581008"/>
-          </a:xfrm>
-          <a:prstGeom prst="rect">
-            <a:avLst/>
-          </a:prstGeom>
-        </p:spPr>
-      </p:pic>
-      <p:sp>
-        <p:nvSpPr>
-          <p:cNvPr id="9" name="TextBox 8"/>
-          <p:cNvSpPr txBox="1"/>
-          <p:nvPr/>
-        </p:nvSpPr>
-        <p:spPr>
-          <a:xfrm>
-            <a:off x="5540660" y="1459114"/>
-            <a:ext cx="3308886" cy="738664"/>
-          </a:xfrm>
-          <a:prstGeom prst="rect">
-            <a:avLst/>
-          </a:prstGeom>
-          <a:noFill/>
-        </p:spPr>
-        <p:txBody>
-          <a:bodyPr wrap="square" rtlCol="0">
-            <a:spAutoFit/>
-          </a:bodyPr>
-          <a:lstStyle/>
-          <a:p>
-            <a:r>
-              <a:rPr lang="en-US" sz="1400" dirty="0"/>
-              <a:t>1) Put all the motors you use on coast so you can move the motors by hand to adjust</a:t>
-            </a:r>
-          </a:p>
-        </p:txBody>
-      </p:sp>
-      <p:pic>
-        <p:nvPicPr>
-          <p:cNvPr id="10" name="Picture 9" descr="Screen Shot 2014-11-04 at 12.58.56 PM.png"/>
-          <p:cNvPicPr>
-            <a:picLocks noChangeAspect="1"/>
-          </p:cNvPicPr>
-          <p:nvPr/>
-        </p:nvPicPr>
-        <p:blipFill>
-          <a:blip r:embed="rId3">
-            <a:extLst>
-              <a:ext uri="{28A0092B-C50C-407E-A947-70E740481C1C}">
-                <a14:useLocalDpi xmlns:a14="http://schemas.microsoft.com/office/drawing/2010/main" val="0"/>
-              </a:ext>
-            </a:extLst>
-          </a:blip>
-          <a:stretch>
-            <a:fillRect/>
-          </a:stretch>
-        </p:blipFill>
-        <p:spPr>
-          <a:xfrm>
-            <a:off x="5540660" y="4723805"/>
-            <a:ext cx="3124739" cy="1402944"/>
-          </a:xfrm>
-          <a:prstGeom prst="rect">
-            <a:avLst/>
-          </a:prstGeom>
-        </p:spPr>
-      </p:pic>
-      <p:sp>
-        <p:nvSpPr>
-          <p:cNvPr id="11" name="TextBox 10"/>
-          <p:cNvSpPr txBox="1"/>
-          <p:nvPr/>
-        </p:nvSpPr>
-        <p:spPr>
-          <a:xfrm>
-            <a:off x="5540660" y="4148668"/>
-            <a:ext cx="3308886" cy="523220"/>
-          </a:xfrm>
-          <a:prstGeom prst="rect">
-            <a:avLst/>
-          </a:prstGeom>
-          <a:noFill/>
-        </p:spPr>
-        <p:txBody>
-          <a:bodyPr wrap="square" rtlCol="0">
-            <a:spAutoFit/>
-          </a:bodyPr>
-          <a:lstStyle/>
-          <a:p>
-            <a:r>
-              <a:rPr lang="en-US" sz="1400" dirty="0"/>
-              <a:t>2) Now you have to “reset” the motors</a:t>
-            </a:r>
-          </a:p>
-        </p:txBody>
-      </p:sp>
-      <p:cxnSp>
-        <p:nvCxnSpPr>
-          <p:cNvPr id="13" name="Straight Connector 12"/>
-          <p:cNvCxnSpPr/>
-          <p:nvPr/>
-        </p:nvCxnSpPr>
-        <p:spPr>
-          <a:xfrm flipV="1">
-            <a:off x="5295558" y="1525744"/>
-            <a:ext cx="11141" cy="4745597"/>
-          </a:xfrm>
-          <a:prstGeom prst="line">
-            <a:avLst/>
-          </a:prstGeom>
-        </p:spPr>
-        <p:style>
-          <a:lnRef idx="2">
-            <a:schemeClr val="accent1"/>
-          </a:lnRef>
-          <a:fillRef idx="0">
-            <a:schemeClr val="accent1"/>
-          </a:fillRef>
-          <a:effectRef idx="1">
-            <a:schemeClr val="accent1"/>
-          </a:effectRef>
-          <a:fontRef idx="minor">
-            <a:schemeClr val="tx1"/>
-          </a:fontRef>
-        </p:style>
-      </p:cxnSp>
-      <p:sp>
-        <p:nvSpPr>
-          <p:cNvPr id="6" name="Slide Number Placeholder 5"/>
-          <p:cNvSpPr>
-            <a:spLocks noGrp="1"/>
-          </p:cNvSpPr>
-          <p:nvPr>
-            <p:ph type="sldNum" sz="quarter" idx="12"/>
-          </p:nvPr>
-        </p:nvSpPr>
-        <p:spPr/>
-        <p:txBody>
-          <a:bodyPr/>
-          <a:lstStyle/>
-          <a:p>
-            <a:fld id="{4382A7F7-08BF-4252-8141-63FB96055BBB}" type="slidenum">
-              <a:rPr lang="en-US" smtClean="0"/>
-              <a:t>8</a:t>
-            </a:fld>
-            <a:endParaRPr lang="en-US"/>
-          </a:p>
-        </p:txBody>
-      </p:sp>
-    </p:spTree>
-    <p:extLst>
-      <p:ext uri="{BB962C8B-B14F-4D97-AF65-F5344CB8AC3E}">
-        <p14:creationId xmlns:p14="http://schemas.microsoft.com/office/powerpoint/2010/main" val="2644748701"/>
-      </p:ext>
-    </p:extLst>
-  </p:cSld>
-  <p:clrMapOvr>
-    <a:masterClrMapping/>
-  </p:clrMapOvr>
-</p:sld>
-</file>
-
-<file path=ppt/slides/slide9.xml><?xml version="1.0" encoding="utf-8"?>
-<p:sld xmlns:a="http://schemas.openxmlformats.org/drawingml/2006/main" xmlns:r="http://schemas.openxmlformats.org/officeDocument/2006/relationships" xmlns:p="http://schemas.openxmlformats.org/presentationml/2006/main">
-  <p:cSld>
-    <p:spTree>
-      <p:nvGrpSpPr>
-        <p:cNvPr id="1" name=""/>
-        <p:cNvGrpSpPr/>
-        <p:nvPr/>
-      </p:nvGrpSpPr>
-      <p:grpSpPr>
-        <a:xfrm>
-          <a:off x="0" y="0"/>
-          <a:ext cx="0" cy="0"/>
-          <a:chOff x="0" y="0"/>
-          <a:chExt cx="0" cy="0"/>
-        </a:xfrm>
-      </p:grpSpPr>
-      <p:sp>
-        <p:nvSpPr>
-          <p:cNvPr id="2" name="Title 1"/>
-          <p:cNvSpPr>
-            <a:spLocks noGrp="1"/>
-          </p:cNvSpPr>
-          <p:nvPr>
-            <p:ph type="title"/>
-          </p:nvPr>
-        </p:nvSpPr>
-        <p:spPr/>
-        <p:txBody>
-          <a:bodyPr/>
-          <a:lstStyle/>
-          <a:p>
-            <a:r>
-              <a:rPr lang="en-US"/>
-              <a:t>Using Coast</a:t>
-            </a:r>
-            <a:endParaRPr lang="en-US" dirty="0"/>
-          </a:p>
-        </p:txBody>
-      </p:sp>
-      <p:sp>
-        <p:nvSpPr>
-          <p:cNvPr id="4" name="Footer Placeholder 3"/>
-          <p:cNvSpPr>
-            <a:spLocks noGrp="1"/>
-          </p:cNvSpPr>
-          <p:nvPr>
-            <p:ph type="ftr" sz="quarter" idx="11"/>
-          </p:nvPr>
-        </p:nvSpPr>
-        <p:spPr/>
-        <p:txBody>
-          <a:bodyPr/>
-          <a:lstStyle/>
-          <a:p>
-            <a:r>
-              <a:rPr lang="en-US"/>
-              <a:t>© 2016 EV3Lessons.com, Last edit 7/06/2016</a:t>
-            </a:r>
-          </a:p>
-        </p:txBody>
-      </p:sp>
-      <p:pic>
-        <p:nvPicPr>
-          <p:cNvPr id="3" name="Picture 2" descr="Screen Shot 2014-11-04 at 1.16.55 PM.png"/>
-          <p:cNvPicPr>
-            <a:picLocks noChangeAspect="1"/>
-          </p:cNvPicPr>
-          <p:nvPr/>
-        </p:nvPicPr>
-        <p:blipFill>
-          <a:blip r:embed="rId2">
-            <a:extLst>
-              <a:ext uri="{28A0092B-C50C-407E-A947-70E740481C1C}">
-                <a14:useLocalDpi xmlns:a14="http://schemas.microsoft.com/office/drawing/2010/main" val="0"/>
-              </a:ext>
-            </a:extLst>
-          </a:blip>
-          <a:stretch>
-            <a:fillRect/>
-          </a:stretch>
-        </p:blipFill>
-        <p:spPr>
-          <a:xfrm>
-            <a:off x="182879" y="1505616"/>
-            <a:ext cx="8686800" cy="3054461"/>
-          </a:xfrm>
-          <a:prstGeom prst="rect">
-            <a:avLst/>
-          </a:prstGeom>
-        </p:spPr>
-      </p:pic>
-      <p:sp>
-        <p:nvSpPr>
-          <p:cNvPr id="6" name="TextBox 5"/>
-          <p:cNvSpPr txBox="1"/>
-          <p:nvPr/>
-        </p:nvSpPr>
-        <p:spPr>
-          <a:xfrm>
-            <a:off x="1871693" y="4671083"/>
-            <a:ext cx="5659643" cy="369332"/>
-          </a:xfrm>
-          <a:prstGeom prst="rect">
-            <a:avLst/>
-          </a:prstGeom>
-          <a:noFill/>
-        </p:spPr>
-        <p:txBody>
-          <a:bodyPr wrap="square" rtlCol="0">
-            <a:spAutoFit/>
-          </a:bodyPr>
-          <a:lstStyle/>
-          <a:p>
-            <a:r>
-              <a:rPr lang="en-US" dirty="0"/>
-              <a:t>Doesn’t work well.  Not as reliable!</a:t>
-            </a:r>
-          </a:p>
-        </p:txBody>
-      </p:sp>
-      <p:sp>
-        <p:nvSpPr>
-          <p:cNvPr id="5" name="Slide Number Placeholder 4"/>
-          <p:cNvSpPr>
-            <a:spLocks noGrp="1"/>
-          </p:cNvSpPr>
-          <p:nvPr>
-            <p:ph type="sldNum" sz="quarter" idx="12"/>
-          </p:nvPr>
-        </p:nvSpPr>
-        <p:spPr/>
-        <p:txBody>
-          <a:bodyPr/>
-          <a:lstStyle/>
-          <a:p>
-            <a:fld id="{4382A7F7-08BF-4252-8141-63FB96055BBB}" type="slidenum">
-              <a:rPr lang="en-US" smtClean="0"/>
-              <a:t>9</a:t>
-            </a:fld>
-            <a:endParaRPr lang="en-US"/>
-          </a:p>
-        </p:txBody>
-      </p:sp>
-    </p:spTree>
-    <p:extLst>
-      <p:ext uri="{BB962C8B-B14F-4D97-AF65-F5344CB8AC3E}">
-        <p14:creationId xmlns:p14="http://schemas.microsoft.com/office/powerpoint/2010/main" val="1972605034"/>
       </p:ext>
     </p:extLst>
   </p:cSld>
